--- a/doc/第一次进度检查.pptx
+++ b/doc/第一次进度检查.pptx
@@ -120,6 +120,2833 @@
 </p:presentation>
 </file>
 
+<file path=ppt/diagrams/colors1.xml><?xml version="1.0" encoding="utf-8"?>
+<dgm:colorsDef xmlns:dgm="http://schemas.openxmlformats.org/drawingml/2006/diagram" xmlns:a="http://schemas.openxmlformats.org/drawingml/2006/main" uniqueId="urn:microsoft.com/office/officeart/2018/5/colors/Iconchunking_neutralbg_colorful1">
+  <dgm:title val=""/>
+  <dgm:desc val=""/>
+  <dgm:catLst>
+    <dgm:cat type="colorful" pri="10100"/>
+  </dgm:catLst>
+  <dgm:styleLbl name="node0">
+    <dgm:fillClrLst meth="repeat">
+      <a:schemeClr val="accent1"/>
+    </dgm:fillClrLst>
+    <dgm:linClrLst meth="repeat">
+      <a:schemeClr val="lt1"/>
+    </dgm:linClrLst>
+    <dgm:effectClrLst/>
+    <dgm:txLinClrLst/>
+    <dgm:txFillClrLst/>
+    <dgm:txEffectClrLst/>
+  </dgm:styleLbl>
+  <dgm:styleLbl name="node1">
+    <dgm:fillClrLst meth="repeat">
+      <a:schemeClr val="accent2"/>
+      <a:schemeClr val="accent3"/>
+      <a:schemeClr val="accent4"/>
+      <a:schemeClr val="accent5"/>
+      <a:schemeClr val="accent6"/>
+    </dgm:fillClrLst>
+    <dgm:linClrLst meth="repeat">
+      <a:schemeClr val="lt1">
+        <a:alpha val="0"/>
+      </a:schemeClr>
+    </dgm:linClrLst>
+    <dgm:effectClrLst/>
+    <dgm:txLinClrLst/>
+    <dgm:txFillClrLst/>
+    <dgm:txEffectClrLst/>
+  </dgm:styleLbl>
+  <dgm:styleLbl name="alignNode1">
+    <dgm:fillClrLst meth="repeat">
+      <a:schemeClr val="accent2"/>
+      <a:schemeClr val="accent3"/>
+      <a:schemeClr val="accent4"/>
+      <a:schemeClr val="accent5"/>
+      <a:schemeClr val="accent6"/>
+    </dgm:fillClrLst>
+    <dgm:linClrLst meth="repeat">
+      <a:schemeClr val="accent2"/>
+      <a:schemeClr val="accent3"/>
+      <a:schemeClr val="accent4"/>
+      <a:schemeClr val="accent5"/>
+      <a:schemeClr val="accent6"/>
+    </dgm:linClrLst>
+    <dgm:effectClrLst/>
+    <dgm:txLinClrLst/>
+    <dgm:txFillClrLst/>
+    <dgm:txEffectClrLst/>
+  </dgm:styleLbl>
+  <dgm:styleLbl name="lnNode1">
+    <dgm:fillClrLst meth="repeat">
+      <a:schemeClr val="accent2"/>
+      <a:schemeClr val="accent3"/>
+      <a:schemeClr val="accent4"/>
+      <a:schemeClr val="accent5"/>
+      <a:schemeClr val="accent6"/>
+    </dgm:fillClrLst>
+    <dgm:linClrLst meth="repeat">
+      <a:schemeClr val="lt1"/>
+    </dgm:linClrLst>
+    <dgm:effectClrLst/>
+    <dgm:txLinClrLst/>
+    <dgm:txFillClrLst/>
+    <dgm:txEffectClrLst/>
+  </dgm:styleLbl>
+  <dgm:styleLbl name="vennNode1">
+    <dgm:fillClrLst meth="repeat">
+      <a:schemeClr val="accent2">
+        <a:alpha val="50000"/>
+      </a:schemeClr>
+      <a:schemeClr val="accent3">
+        <a:alpha val="50000"/>
+      </a:schemeClr>
+      <a:schemeClr val="accent4">
+        <a:alpha val="50000"/>
+      </a:schemeClr>
+      <a:schemeClr val="accent5">
+        <a:alpha val="50000"/>
+      </a:schemeClr>
+      <a:schemeClr val="accent6">
+        <a:alpha val="50000"/>
+      </a:schemeClr>
+    </dgm:fillClrLst>
+    <dgm:linClrLst meth="repeat">
+      <a:schemeClr val="lt1"/>
+    </dgm:linClrLst>
+    <dgm:effectClrLst/>
+    <dgm:txLinClrLst/>
+    <dgm:txFillClrLst/>
+    <dgm:txEffectClrLst/>
+  </dgm:styleLbl>
+  <dgm:styleLbl name="node2">
+    <dgm:fillClrLst>
+      <a:schemeClr val="accent2"/>
+    </dgm:fillClrLst>
+    <dgm:linClrLst meth="repeat">
+      <a:schemeClr val="lt1"/>
+    </dgm:linClrLst>
+    <dgm:effectClrLst/>
+    <dgm:txLinClrLst/>
+    <dgm:txFillClrLst/>
+    <dgm:txEffectClrLst/>
+  </dgm:styleLbl>
+  <dgm:styleLbl name="node3">
+    <dgm:fillClrLst>
+      <a:schemeClr val="accent3"/>
+    </dgm:fillClrLst>
+    <dgm:linClrLst meth="repeat">
+      <a:schemeClr val="lt1"/>
+    </dgm:linClrLst>
+    <dgm:effectClrLst/>
+    <dgm:txLinClrLst/>
+    <dgm:txFillClrLst/>
+    <dgm:txEffectClrLst/>
+  </dgm:styleLbl>
+  <dgm:styleLbl name="node4">
+    <dgm:fillClrLst>
+      <a:schemeClr val="accent4"/>
+    </dgm:fillClrLst>
+    <dgm:linClrLst meth="repeat">
+      <a:schemeClr val="lt1"/>
+    </dgm:linClrLst>
+    <dgm:effectClrLst/>
+    <dgm:txLinClrLst/>
+    <dgm:txFillClrLst/>
+    <dgm:txEffectClrLst/>
+  </dgm:styleLbl>
+  <dgm:styleLbl name="fgImgPlace1">
+    <dgm:fillClrLst meth="repeat">
+      <a:schemeClr val="accent2">
+        <a:tint val="50000"/>
+      </a:schemeClr>
+      <a:schemeClr val="accent3">
+        <a:tint val="50000"/>
+      </a:schemeClr>
+      <a:schemeClr val="accent4">
+        <a:tint val="50000"/>
+      </a:schemeClr>
+      <a:schemeClr val="accent5">
+        <a:tint val="50000"/>
+      </a:schemeClr>
+      <a:schemeClr val="accent6">
+        <a:tint val="50000"/>
+      </a:schemeClr>
+    </dgm:fillClrLst>
+    <dgm:linClrLst meth="repeat">
+      <a:schemeClr val="lt1"/>
+    </dgm:linClrLst>
+    <dgm:effectClrLst/>
+    <dgm:txLinClrLst/>
+    <dgm:txFillClrLst meth="repeat">
+      <a:schemeClr val="lt1"/>
+    </dgm:txFillClrLst>
+    <dgm:txEffectClrLst/>
+  </dgm:styleLbl>
+  <dgm:styleLbl name="alignImgPlace1">
+    <dgm:fillClrLst>
+      <a:schemeClr val="accent1">
+        <a:tint val="50000"/>
+      </a:schemeClr>
+      <a:schemeClr val="accent2">
+        <a:tint val="20000"/>
+      </a:schemeClr>
+    </dgm:fillClrLst>
+    <dgm:linClrLst meth="repeat">
+      <a:schemeClr val="lt1"/>
+    </dgm:linClrLst>
+    <dgm:effectClrLst/>
+    <dgm:txLinClrLst/>
+    <dgm:txFillClrLst meth="repeat">
+      <a:schemeClr val="lt1"/>
+    </dgm:txFillClrLst>
+    <dgm:txEffectClrLst/>
+  </dgm:styleLbl>
+  <dgm:styleLbl name="bgImgPlace1">
+    <dgm:fillClrLst>
+      <a:schemeClr val="accent1">
+        <a:tint val="50000"/>
+      </a:schemeClr>
+      <a:schemeClr val="accent2">
+        <a:tint val="20000"/>
+      </a:schemeClr>
+    </dgm:fillClrLst>
+    <dgm:linClrLst meth="repeat">
+      <a:schemeClr val="lt1"/>
+    </dgm:linClrLst>
+    <dgm:effectClrLst/>
+    <dgm:txLinClrLst/>
+    <dgm:txFillClrLst meth="repeat">
+      <a:schemeClr val="lt1"/>
+    </dgm:txFillClrLst>
+    <dgm:txEffectClrLst/>
+  </dgm:styleLbl>
+  <dgm:styleLbl name="sibTrans2D1">
+    <dgm:fillClrLst meth="repeat">
+      <a:schemeClr val="accent2"/>
+      <a:schemeClr val="accent3"/>
+      <a:schemeClr val="accent4"/>
+      <a:schemeClr val="accent5"/>
+      <a:schemeClr val="accent6"/>
+    </dgm:fillClrLst>
+    <dgm:linClrLst meth="cycle">
+      <a:schemeClr val="lt1"/>
+    </dgm:linClrLst>
+    <dgm:effectClrLst/>
+    <dgm:txLinClrLst/>
+    <dgm:txFillClrLst/>
+    <dgm:txEffectClrLst/>
+  </dgm:styleLbl>
+  <dgm:styleLbl name="fgSibTrans2D1">
+    <dgm:fillClrLst meth="repeat">
+      <a:schemeClr val="accent2"/>
+      <a:schemeClr val="accent3"/>
+      <a:schemeClr val="accent4"/>
+      <a:schemeClr val="accent5"/>
+      <a:schemeClr val="accent6"/>
+    </dgm:fillClrLst>
+    <dgm:linClrLst meth="cycle">
+      <a:schemeClr val="lt1"/>
+    </dgm:linClrLst>
+    <dgm:effectClrLst/>
+    <dgm:txLinClrLst/>
+    <dgm:txFillClrLst meth="repeat">
+      <a:schemeClr val="lt1"/>
+    </dgm:txFillClrLst>
+    <dgm:txEffectClrLst/>
+  </dgm:styleLbl>
+  <dgm:styleLbl name="bgSibTrans2D1">
+    <dgm:fillClrLst meth="repeat">
+      <a:schemeClr val="accent2"/>
+      <a:schemeClr val="accent3"/>
+      <a:schemeClr val="accent4"/>
+      <a:schemeClr val="accent5"/>
+      <a:schemeClr val="accent6"/>
+    </dgm:fillClrLst>
+    <dgm:linClrLst meth="cycle">
+      <a:schemeClr val="lt1"/>
+    </dgm:linClrLst>
+    <dgm:effectClrLst/>
+    <dgm:txLinClrLst/>
+    <dgm:txFillClrLst meth="repeat">
+      <a:schemeClr val="lt1"/>
+    </dgm:txFillClrLst>
+    <dgm:txEffectClrLst/>
+  </dgm:styleLbl>
+  <dgm:styleLbl name="sibTrans1D1">
+    <dgm:fillClrLst meth="repeat">
+      <a:schemeClr val="accent2"/>
+      <a:schemeClr val="accent3"/>
+      <a:schemeClr val="accent4"/>
+      <a:schemeClr val="accent5"/>
+      <a:schemeClr val="accent6"/>
+    </dgm:fillClrLst>
+    <dgm:linClrLst meth="repeat">
+      <a:schemeClr val="accent2"/>
+      <a:schemeClr val="accent3"/>
+      <a:schemeClr val="accent4"/>
+      <a:schemeClr val="accent5"/>
+      <a:schemeClr val="accent6"/>
+    </dgm:linClrLst>
+    <dgm:effectClrLst/>
+    <dgm:txLinClrLst/>
+    <dgm:txFillClrLst meth="repeat">
+      <a:schemeClr val="tx1"/>
+    </dgm:txFillClrLst>
+    <dgm:txEffectClrLst/>
+  </dgm:styleLbl>
+  <dgm:styleLbl name="callout">
+    <dgm:fillClrLst meth="repeat">
+      <a:schemeClr val="accent2"/>
+    </dgm:fillClrLst>
+    <dgm:linClrLst meth="repeat">
+      <a:schemeClr val="accent2">
+        <a:tint val="50000"/>
+      </a:schemeClr>
+    </dgm:linClrLst>
+    <dgm:effectClrLst/>
+    <dgm:txLinClrLst/>
+    <dgm:txFillClrLst meth="repeat">
+      <a:schemeClr val="tx1"/>
+    </dgm:txFillClrLst>
+    <dgm:txEffectClrLst/>
+  </dgm:styleLbl>
+  <dgm:styleLbl name="asst0">
+    <dgm:fillClrLst meth="repeat">
+      <a:schemeClr val="accent1"/>
+    </dgm:fillClrLst>
+    <dgm:linClrLst meth="repeat">
+      <a:schemeClr val="lt1"/>
+    </dgm:linClrLst>
+    <dgm:effectClrLst/>
+    <dgm:txLinClrLst/>
+    <dgm:txFillClrLst/>
+    <dgm:txEffectClrLst/>
+  </dgm:styleLbl>
+  <dgm:styleLbl name="asst1">
+    <dgm:fillClrLst meth="repeat">
+      <a:schemeClr val="accent2"/>
+    </dgm:fillClrLst>
+    <dgm:linClrLst meth="repeat">
+      <a:schemeClr val="lt1"/>
+    </dgm:linClrLst>
+    <dgm:effectClrLst/>
+    <dgm:txLinClrLst/>
+    <dgm:txFillClrLst/>
+    <dgm:txEffectClrLst/>
+  </dgm:styleLbl>
+  <dgm:styleLbl name="asst2">
+    <dgm:fillClrLst>
+      <a:schemeClr val="accent3"/>
+    </dgm:fillClrLst>
+    <dgm:linClrLst meth="repeat">
+      <a:schemeClr val="lt1"/>
+    </dgm:linClrLst>
+    <dgm:effectClrLst/>
+    <dgm:txLinClrLst/>
+    <dgm:txFillClrLst/>
+    <dgm:txEffectClrLst/>
+  </dgm:styleLbl>
+  <dgm:styleLbl name="asst3">
+    <dgm:fillClrLst>
+      <a:schemeClr val="accent4"/>
+    </dgm:fillClrLst>
+    <dgm:linClrLst meth="repeat">
+      <a:schemeClr val="lt1"/>
+    </dgm:linClrLst>
+    <dgm:effectClrLst/>
+    <dgm:txLinClrLst/>
+    <dgm:txFillClrLst/>
+    <dgm:txEffectClrLst/>
+  </dgm:styleLbl>
+  <dgm:styleLbl name="asst4">
+    <dgm:fillClrLst>
+      <a:schemeClr val="accent5"/>
+    </dgm:fillClrLst>
+    <dgm:linClrLst meth="repeat">
+      <a:schemeClr val="lt1"/>
+    </dgm:linClrLst>
+    <dgm:effectClrLst/>
+    <dgm:txLinClrLst/>
+    <dgm:txFillClrLst/>
+    <dgm:txEffectClrLst/>
+  </dgm:styleLbl>
+  <dgm:styleLbl name="parChTrans2D1">
+    <dgm:fillClrLst meth="repeat">
+      <a:schemeClr val="accent2"/>
+    </dgm:fillClrLst>
+    <dgm:linClrLst meth="repeat">
+      <a:schemeClr val="lt1"/>
+    </dgm:linClrLst>
+    <dgm:effectClrLst/>
+    <dgm:txLinClrLst/>
+    <dgm:txFillClrLst meth="repeat">
+      <a:schemeClr val="lt1"/>
+    </dgm:txFillClrLst>
+    <dgm:txEffectClrLst/>
+  </dgm:styleLbl>
+  <dgm:styleLbl name="parChTrans2D2">
+    <dgm:fillClrLst meth="repeat">
+      <a:schemeClr val="accent3"/>
+    </dgm:fillClrLst>
+    <dgm:linClrLst meth="repeat">
+      <a:schemeClr val="lt1"/>
+    </dgm:linClrLst>
+    <dgm:effectClrLst/>
+    <dgm:txLinClrLst/>
+    <dgm:txFillClrLst/>
+    <dgm:txEffectClrLst/>
+  </dgm:styleLbl>
+  <dgm:styleLbl name="parChTrans2D3">
+    <dgm:fillClrLst meth="repeat">
+      <a:schemeClr val="accent4"/>
+    </dgm:fillClrLst>
+    <dgm:linClrLst meth="repeat">
+      <a:schemeClr val="lt1"/>
+    </dgm:linClrLst>
+    <dgm:effectClrLst/>
+    <dgm:txLinClrLst/>
+    <dgm:txFillClrLst/>
+    <dgm:txEffectClrLst/>
+  </dgm:styleLbl>
+  <dgm:styleLbl name="parChTrans2D4">
+    <dgm:fillClrLst meth="repeat">
+      <a:schemeClr val="accent5"/>
+    </dgm:fillClrLst>
+    <dgm:linClrLst meth="repeat">
+      <a:schemeClr val="lt1"/>
+    </dgm:linClrLst>
+    <dgm:effectClrLst/>
+    <dgm:txLinClrLst/>
+    <dgm:txFillClrLst meth="repeat">
+      <a:schemeClr val="lt1"/>
+    </dgm:txFillClrLst>
+    <dgm:txEffectClrLst/>
+  </dgm:styleLbl>
+  <dgm:styleLbl name="parChTrans1D1">
+    <dgm:fillClrLst meth="repeat">
+      <a:schemeClr val="accent2"/>
+    </dgm:fillClrLst>
+    <dgm:linClrLst meth="repeat">
+      <a:schemeClr val="accent1"/>
+    </dgm:linClrLst>
+    <dgm:effectClrLst/>
+    <dgm:txLinClrLst/>
+    <dgm:txFillClrLst meth="repeat">
+      <a:schemeClr val="tx1"/>
+    </dgm:txFillClrLst>
+    <dgm:txEffectClrLst/>
+  </dgm:styleLbl>
+  <dgm:styleLbl name="parChTrans1D2">
+    <dgm:fillClrLst meth="repeat">
+      <a:schemeClr val="accent3">
+        <a:tint val="90000"/>
+      </a:schemeClr>
+    </dgm:fillClrLst>
+    <dgm:linClrLst meth="repeat">
+      <a:schemeClr val="accent2"/>
+    </dgm:linClrLst>
+    <dgm:effectClrLst/>
+    <dgm:txLinClrLst/>
+    <dgm:txFillClrLst meth="repeat">
+      <a:schemeClr val="tx1"/>
+    </dgm:txFillClrLst>
+    <dgm:txEffectClrLst/>
+  </dgm:styleLbl>
+  <dgm:styleLbl name="parChTrans1D3">
+    <dgm:fillClrLst meth="repeat">
+      <a:schemeClr val="accent4">
+        <a:tint val="70000"/>
+      </a:schemeClr>
+    </dgm:fillClrLst>
+    <dgm:linClrLst meth="repeat">
+      <a:schemeClr val="accent3"/>
+    </dgm:linClrLst>
+    <dgm:effectClrLst/>
+    <dgm:txLinClrLst/>
+    <dgm:txFillClrLst meth="repeat">
+      <a:schemeClr val="tx1"/>
+    </dgm:txFillClrLst>
+    <dgm:txEffectClrLst/>
+  </dgm:styleLbl>
+  <dgm:styleLbl name="parChTrans1D4">
+    <dgm:fillClrLst meth="repeat">
+      <a:schemeClr val="accent5">
+        <a:tint val="50000"/>
+      </a:schemeClr>
+    </dgm:fillClrLst>
+    <dgm:linClrLst meth="repeat">
+      <a:schemeClr val="accent4"/>
+    </dgm:linClrLst>
+    <dgm:effectClrLst/>
+    <dgm:txLinClrLst/>
+    <dgm:txFillClrLst meth="repeat">
+      <a:schemeClr val="tx1"/>
+    </dgm:txFillClrLst>
+    <dgm:txEffectClrLst/>
+  </dgm:styleLbl>
+  <dgm:styleLbl name="fgAcc1">
+    <dgm:fillClrLst meth="repeat">
+      <a:schemeClr val="lt1">
+        <a:alpha val="90000"/>
+      </a:schemeClr>
+    </dgm:fillClrLst>
+    <dgm:linClrLst meth="repeat">
+      <a:schemeClr val="accent2"/>
+      <a:schemeClr val="accent3"/>
+      <a:schemeClr val="accent4"/>
+      <a:schemeClr val="accent5"/>
+      <a:schemeClr val="accent6"/>
+    </dgm:linClrLst>
+    <dgm:effectClrLst/>
+    <dgm:txLinClrLst/>
+    <dgm:txFillClrLst meth="repeat">
+      <a:schemeClr val="dk1"/>
+    </dgm:txFillClrLst>
+    <dgm:txEffectClrLst/>
+  </dgm:styleLbl>
+  <dgm:styleLbl name="conFgAcc1">
+    <dgm:fillClrLst meth="repeat">
+      <a:schemeClr val="lt1">
+        <a:alpha val="90000"/>
+      </a:schemeClr>
+    </dgm:fillClrLst>
+    <dgm:linClrLst meth="repeat">
+      <a:schemeClr val="accent2"/>
+      <a:schemeClr val="accent3"/>
+      <a:schemeClr val="accent4"/>
+      <a:schemeClr val="accent5"/>
+      <a:schemeClr val="accent6"/>
+    </dgm:linClrLst>
+    <dgm:effectClrLst/>
+    <dgm:txLinClrLst/>
+    <dgm:txFillClrLst meth="repeat">
+      <a:schemeClr val="dk1"/>
+    </dgm:txFillClrLst>
+    <dgm:txEffectClrLst/>
+  </dgm:styleLbl>
+  <dgm:styleLbl name="alignAcc1">
+    <dgm:fillClrLst meth="repeat">
+      <a:schemeClr val="lt1">
+        <a:alpha val="90000"/>
+      </a:schemeClr>
+    </dgm:fillClrLst>
+    <dgm:linClrLst meth="repeat">
+      <a:schemeClr val="accent2"/>
+      <a:schemeClr val="accent3"/>
+      <a:schemeClr val="accent4"/>
+      <a:schemeClr val="accent5"/>
+      <a:schemeClr val="accent6"/>
+    </dgm:linClrLst>
+    <dgm:effectClrLst/>
+    <dgm:txLinClrLst/>
+    <dgm:txFillClrLst meth="repeat">
+      <a:schemeClr val="dk1"/>
+    </dgm:txFillClrLst>
+    <dgm:txEffectClrLst/>
+  </dgm:styleLbl>
+  <dgm:styleLbl name="trAlignAcc1">
+    <dgm:fillClrLst meth="repeat">
+      <a:schemeClr val="lt1">
+        <a:alpha val="40000"/>
+      </a:schemeClr>
+    </dgm:fillClrLst>
+    <dgm:linClrLst meth="repeat">
+      <a:schemeClr val="accent1"/>
+    </dgm:linClrLst>
+    <dgm:effectClrLst/>
+    <dgm:txLinClrLst/>
+    <dgm:txFillClrLst meth="repeat">
+      <a:schemeClr val="dk1"/>
+    </dgm:txFillClrLst>
+    <dgm:txEffectClrLst/>
+  </dgm:styleLbl>
+  <dgm:styleLbl name="bgAcc1">
+    <dgm:fillClrLst meth="repeat">
+      <a:schemeClr val="lt1">
+        <a:alpha val="90000"/>
+      </a:schemeClr>
+    </dgm:fillClrLst>
+    <dgm:linClrLst meth="repeat">
+      <a:schemeClr val="accent2"/>
+      <a:schemeClr val="accent3"/>
+      <a:schemeClr val="accent4"/>
+      <a:schemeClr val="accent5"/>
+      <a:schemeClr val="accent6"/>
+    </dgm:linClrLst>
+    <dgm:effectClrLst/>
+    <dgm:txLinClrLst/>
+    <dgm:txFillClrLst meth="repeat">
+      <a:schemeClr val="dk1"/>
+    </dgm:txFillClrLst>
+    <dgm:txEffectClrLst/>
+  </dgm:styleLbl>
+  <dgm:styleLbl name="solidFgAcc1">
+    <dgm:fillClrLst meth="repeat">
+      <a:schemeClr val="lt1"/>
+    </dgm:fillClrLst>
+    <dgm:linClrLst meth="repeat">
+      <a:schemeClr val="accent2"/>
+      <a:schemeClr val="accent3"/>
+      <a:schemeClr val="accent4"/>
+      <a:schemeClr val="accent5"/>
+      <a:schemeClr val="accent6"/>
+    </dgm:linClrLst>
+    <dgm:effectClrLst/>
+    <dgm:txLinClrLst/>
+    <dgm:txFillClrLst meth="repeat">
+      <a:schemeClr val="dk1"/>
+    </dgm:txFillClrLst>
+    <dgm:txEffectClrLst/>
+  </dgm:styleLbl>
+  <dgm:styleLbl name="solidAlignAcc1">
+    <dgm:fillClrLst meth="repeat">
+      <a:schemeClr val="lt1"/>
+    </dgm:fillClrLst>
+    <dgm:linClrLst meth="repeat">
+      <a:schemeClr val="accent2"/>
+      <a:schemeClr val="accent3"/>
+      <a:schemeClr val="accent4"/>
+      <a:schemeClr val="accent5"/>
+      <a:schemeClr val="accent6"/>
+    </dgm:linClrLst>
+    <dgm:effectClrLst/>
+    <dgm:txLinClrLst/>
+    <dgm:txFillClrLst meth="repeat">
+      <a:schemeClr val="dk1"/>
+    </dgm:txFillClrLst>
+    <dgm:txEffectClrLst/>
+  </dgm:styleLbl>
+  <dgm:styleLbl name="solidBgAcc1">
+    <dgm:fillClrLst meth="repeat">
+      <a:schemeClr val="lt1"/>
+    </dgm:fillClrLst>
+    <dgm:linClrLst meth="repeat">
+      <a:schemeClr val="accent2"/>
+      <a:schemeClr val="accent3"/>
+      <a:schemeClr val="accent4"/>
+      <a:schemeClr val="accent5"/>
+      <a:schemeClr val="accent6"/>
+    </dgm:linClrLst>
+    <dgm:effectClrLst/>
+    <dgm:txLinClrLst/>
+    <dgm:txFillClrLst meth="repeat">
+      <a:schemeClr val="dk1"/>
+    </dgm:txFillClrLst>
+    <dgm:txEffectClrLst/>
+  </dgm:styleLbl>
+  <dgm:styleLbl name="fgAccFollowNode1">
+    <dgm:fillClrLst meth="repeat">
+      <a:schemeClr val="accent2">
+        <a:tint val="40000"/>
+        <a:alpha val="90000"/>
+      </a:schemeClr>
+      <a:schemeClr val="accent3">
+        <a:tint val="40000"/>
+        <a:alpha val="90000"/>
+      </a:schemeClr>
+      <a:schemeClr val="accent4">
+        <a:tint val="40000"/>
+        <a:alpha val="90000"/>
+      </a:schemeClr>
+      <a:schemeClr val="accent5">
+        <a:tint val="40000"/>
+        <a:alpha val="90000"/>
+      </a:schemeClr>
+      <a:schemeClr val="accent6">
+        <a:tint val="40000"/>
+        <a:alpha val="90000"/>
+      </a:schemeClr>
+    </dgm:fillClrLst>
+    <dgm:linClrLst meth="repeat">
+      <a:schemeClr val="accent2">
+        <a:tint val="40000"/>
+        <a:alpha val="90000"/>
+      </a:schemeClr>
+      <a:schemeClr val="accent3">
+        <a:tint val="40000"/>
+        <a:alpha val="90000"/>
+      </a:schemeClr>
+      <a:schemeClr val="accent4">
+        <a:tint val="40000"/>
+        <a:alpha val="90000"/>
+      </a:schemeClr>
+      <a:schemeClr val="accent5">
+        <a:tint val="40000"/>
+        <a:alpha val="90000"/>
+      </a:schemeClr>
+      <a:schemeClr val="accent6">
+        <a:tint val="40000"/>
+        <a:alpha val="90000"/>
+      </a:schemeClr>
+    </dgm:linClrLst>
+    <dgm:effectClrLst/>
+    <dgm:txLinClrLst/>
+    <dgm:txFillClrLst meth="repeat">
+      <a:schemeClr val="dk1"/>
+    </dgm:txFillClrLst>
+    <dgm:txEffectClrLst/>
+  </dgm:styleLbl>
+  <dgm:styleLbl name="alignAccFollowNode1">
+    <dgm:fillClrLst meth="repeat">
+      <a:schemeClr val="accent2">
+        <a:tint val="40000"/>
+        <a:alpha val="90000"/>
+      </a:schemeClr>
+      <a:schemeClr val="accent3">
+        <a:tint val="40000"/>
+        <a:alpha val="90000"/>
+      </a:schemeClr>
+      <a:schemeClr val="accent4">
+        <a:tint val="40000"/>
+        <a:alpha val="90000"/>
+      </a:schemeClr>
+      <a:schemeClr val="accent5">
+        <a:tint val="40000"/>
+        <a:alpha val="90000"/>
+      </a:schemeClr>
+      <a:schemeClr val="accent6">
+        <a:tint val="40000"/>
+        <a:alpha val="90000"/>
+      </a:schemeClr>
+    </dgm:fillClrLst>
+    <dgm:linClrLst meth="repeat">
+      <a:schemeClr val="accent2">
+        <a:tint val="40000"/>
+        <a:alpha val="90000"/>
+      </a:schemeClr>
+      <a:schemeClr val="accent3">
+        <a:tint val="40000"/>
+        <a:alpha val="90000"/>
+      </a:schemeClr>
+      <a:schemeClr val="accent4">
+        <a:tint val="40000"/>
+        <a:alpha val="90000"/>
+      </a:schemeClr>
+      <a:schemeClr val="accent5">
+        <a:tint val="40000"/>
+        <a:alpha val="90000"/>
+      </a:schemeClr>
+      <a:schemeClr val="accent6">
+        <a:tint val="40000"/>
+        <a:alpha val="90000"/>
+      </a:schemeClr>
+    </dgm:linClrLst>
+    <dgm:effectClrLst/>
+    <dgm:txLinClrLst/>
+    <dgm:txFillClrLst meth="repeat">
+      <a:schemeClr val="dk1"/>
+    </dgm:txFillClrLst>
+    <dgm:txEffectClrLst/>
+  </dgm:styleLbl>
+  <dgm:styleLbl name="bgAccFollowNode1">
+    <dgm:fillClrLst meth="repeat">
+      <a:schemeClr val="accent2">
+        <a:tint val="40000"/>
+        <a:alpha val="90000"/>
+      </a:schemeClr>
+      <a:schemeClr val="accent3">
+        <a:tint val="40000"/>
+        <a:alpha val="90000"/>
+      </a:schemeClr>
+      <a:schemeClr val="accent4">
+        <a:tint val="40000"/>
+        <a:alpha val="90000"/>
+      </a:schemeClr>
+      <a:schemeClr val="accent5">
+        <a:tint val="40000"/>
+        <a:alpha val="90000"/>
+      </a:schemeClr>
+      <a:schemeClr val="accent6">
+        <a:tint val="40000"/>
+        <a:alpha val="90000"/>
+      </a:schemeClr>
+    </dgm:fillClrLst>
+    <dgm:linClrLst meth="repeat">
+      <a:schemeClr val="accent2">
+        <a:tint val="40000"/>
+        <a:alpha val="90000"/>
+      </a:schemeClr>
+      <a:schemeClr val="accent3">
+        <a:tint val="40000"/>
+        <a:alpha val="90000"/>
+      </a:schemeClr>
+      <a:schemeClr val="accent4">
+        <a:tint val="40000"/>
+        <a:alpha val="90000"/>
+      </a:schemeClr>
+      <a:schemeClr val="accent5">
+        <a:tint val="40000"/>
+        <a:alpha val="90000"/>
+      </a:schemeClr>
+      <a:schemeClr val="accent6">
+        <a:tint val="40000"/>
+        <a:alpha val="90000"/>
+      </a:schemeClr>
+    </dgm:linClrLst>
+    <dgm:effectClrLst/>
+    <dgm:txLinClrLst/>
+    <dgm:txFillClrLst meth="repeat">
+      <a:schemeClr val="dk1"/>
+    </dgm:txFillClrLst>
+    <dgm:txEffectClrLst/>
+  </dgm:styleLbl>
+  <dgm:styleLbl name="fgAcc0">
+    <dgm:fillClrLst meth="repeat">
+      <a:schemeClr val="lt1">
+        <a:alpha val="90000"/>
+      </a:schemeClr>
+    </dgm:fillClrLst>
+    <dgm:linClrLst>
+      <a:schemeClr val="accent1"/>
+    </dgm:linClrLst>
+    <dgm:effectClrLst/>
+    <dgm:txLinClrLst/>
+    <dgm:txFillClrLst meth="repeat">
+      <a:schemeClr val="dk1"/>
+    </dgm:txFillClrLst>
+    <dgm:txEffectClrLst/>
+  </dgm:styleLbl>
+  <dgm:styleLbl name="fgAcc2">
+    <dgm:fillClrLst meth="repeat">
+      <a:schemeClr val="lt1">
+        <a:alpha val="90000"/>
+      </a:schemeClr>
+    </dgm:fillClrLst>
+    <dgm:linClrLst>
+      <a:schemeClr val="accent2"/>
+    </dgm:linClrLst>
+    <dgm:effectClrLst/>
+    <dgm:txLinClrLst/>
+    <dgm:txFillClrLst meth="repeat">
+      <a:schemeClr val="dk1"/>
+    </dgm:txFillClrLst>
+    <dgm:txEffectClrLst/>
+  </dgm:styleLbl>
+  <dgm:styleLbl name="fgAcc3">
+    <dgm:fillClrLst meth="repeat">
+      <a:schemeClr val="lt1">
+        <a:alpha val="90000"/>
+      </a:schemeClr>
+    </dgm:fillClrLst>
+    <dgm:linClrLst>
+      <a:schemeClr val="accent3"/>
+    </dgm:linClrLst>
+    <dgm:effectClrLst/>
+    <dgm:txLinClrLst/>
+    <dgm:txFillClrLst meth="repeat">
+      <a:schemeClr val="dk1"/>
+    </dgm:txFillClrLst>
+    <dgm:txEffectClrLst/>
+  </dgm:styleLbl>
+  <dgm:styleLbl name="fgAcc4">
+    <dgm:fillClrLst meth="repeat">
+      <a:schemeClr val="lt1">
+        <a:alpha val="90000"/>
+      </a:schemeClr>
+    </dgm:fillClrLst>
+    <dgm:linClrLst>
+      <a:schemeClr val="accent4"/>
+    </dgm:linClrLst>
+    <dgm:effectClrLst/>
+    <dgm:txLinClrLst/>
+    <dgm:txFillClrLst meth="repeat">
+      <a:schemeClr val="dk1"/>
+    </dgm:txFillClrLst>
+    <dgm:txEffectClrLst/>
+  </dgm:styleLbl>
+  <dgm:styleLbl name="bgShp">
+    <dgm:fillClrLst meth="repeat">
+      <a:schemeClr val="bg1">
+        <a:lumMod val="95000"/>
+      </a:schemeClr>
+    </dgm:fillClrLst>
+    <dgm:linClrLst meth="repeat">
+      <a:schemeClr val="dk1"/>
+    </dgm:linClrLst>
+    <dgm:effectClrLst/>
+    <dgm:txLinClrLst/>
+    <dgm:txFillClrLst meth="repeat">
+      <a:schemeClr val="dk1"/>
+    </dgm:txFillClrLst>
+    <dgm:txEffectClrLst/>
+  </dgm:styleLbl>
+  <dgm:styleLbl name="dkBgShp">
+    <dgm:fillClrLst meth="repeat">
+      <a:schemeClr val="accent2">
+        <a:shade val="90000"/>
+      </a:schemeClr>
+    </dgm:fillClrLst>
+    <dgm:linClrLst meth="repeat">
+      <a:schemeClr val="dk1"/>
+    </dgm:linClrLst>
+    <dgm:effectClrLst/>
+    <dgm:txLinClrLst/>
+    <dgm:txFillClrLst meth="repeat">
+      <a:schemeClr val="lt1"/>
+    </dgm:txFillClrLst>
+    <dgm:txEffectClrLst/>
+  </dgm:styleLbl>
+  <dgm:styleLbl name="trBgShp">
+    <dgm:fillClrLst meth="repeat">
+      <a:schemeClr val="accent1">
+        <a:tint val="50000"/>
+        <a:alpha val="40000"/>
+      </a:schemeClr>
+    </dgm:fillClrLst>
+    <dgm:linClrLst meth="repeat">
+      <a:schemeClr val="accent2"/>
+    </dgm:linClrLst>
+    <dgm:effectClrLst/>
+    <dgm:txLinClrLst/>
+    <dgm:txFillClrLst meth="repeat">
+      <a:schemeClr val="lt1"/>
+    </dgm:txFillClrLst>
+    <dgm:txEffectClrLst/>
+  </dgm:styleLbl>
+  <dgm:styleLbl name="fgShp">
+    <dgm:fillClrLst meth="repeat">
+      <a:schemeClr val="accent2">
+        <a:tint val="40000"/>
+      </a:schemeClr>
+    </dgm:fillClrLst>
+    <dgm:linClrLst meth="repeat">
+      <a:schemeClr val="lt1"/>
+    </dgm:linClrLst>
+    <dgm:effectClrLst/>
+    <dgm:txLinClrLst/>
+    <dgm:txFillClrLst meth="repeat">
+      <a:schemeClr val="dk1"/>
+    </dgm:txFillClrLst>
+    <dgm:txEffectClrLst/>
+  </dgm:styleLbl>
+  <dgm:styleLbl name="revTx">
+    <dgm:fillClrLst meth="repeat">
+      <a:schemeClr val="lt1">
+        <a:alpha val="0"/>
+      </a:schemeClr>
+    </dgm:fillClrLst>
+    <dgm:linClrLst meth="repeat">
+      <a:schemeClr val="dk1">
+        <a:alpha val="0"/>
+      </a:schemeClr>
+    </dgm:linClrLst>
+    <dgm:effectClrLst/>
+    <dgm:txLinClrLst/>
+    <dgm:txFillClrLst meth="repeat">
+      <a:schemeClr val="tx1"/>
+    </dgm:txFillClrLst>
+    <dgm:txEffectClrLst/>
+  </dgm:styleLbl>
+</dgm:colorsDef>
+</file>
+
+<file path=ppt/diagrams/data1.xml><?xml version="1.0" encoding="utf-8"?>
+<dgm:dataModel xmlns:dgm="http://schemas.openxmlformats.org/drawingml/2006/diagram" xmlns:a="http://schemas.openxmlformats.org/drawingml/2006/main">
+  <dgm:ptLst>
+    <dgm:pt modelId="{FDF52B6B-6D87-44A6-B757-D25E4D2FE40D}" type="doc">
+      <dgm:prSet loTypeId="urn:microsoft.com/office/officeart/2018/2/layout/IconVerticalSolidList" loCatId="icon" qsTypeId="urn:microsoft.com/office/officeart/2005/8/quickstyle/simple1" qsCatId="simple" csTypeId="urn:microsoft.com/office/officeart/2018/5/colors/Iconchunking_neutralbg_colorful1" csCatId="colorful" phldr="1"/>
+      <dgm:spPr/>
+      <dgm:t>
+        <a:bodyPr/>
+        <a:lstStyle/>
+        <a:p>
+          <a:endParaRPr lang="en-US"/>
+        </a:p>
+      </dgm:t>
+    </dgm:pt>
+    <dgm:pt modelId="{2B49737E-28FE-49FC-A8E8-984338566FA0}">
+      <dgm:prSet/>
+      <dgm:spPr/>
+      <dgm:t>
+        <a:bodyPr/>
+        <a:lstStyle/>
+        <a:p>
+          <a:r>
+            <a:rPr lang="zh-CN"/>
+            <a:t>完善</a:t>
+          </a:r>
+          <a:r>
+            <a:rPr lang="en-US"/>
+            <a:t>api</a:t>
+          </a:r>
+          <a:r>
+            <a:rPr lang="zh-CN"/>
+            <a:t>设计，使得每个增删改查都有</a:t>
+          </a:r>
+          <a:r>
+            <a:rPr lang="en-US"/>
+            <a:t>api</a:t>
+          </a:r>
+          <a:r>
+            <a:rPr lang="zh-CN"/>
+            <a:t>对应</a:t>
+          </a:r>
+          <a:endParaRPr lang="en-US"/>
+        </a:p>
+      </dgm:t>
+    </dgm:pt>
+    <dgm:pt modelId="{F3F1E4EF-6BE7-4A7E-BFE8-5E1FD1E6D12E}" type="parTrans" cxnId="{42F4EFBF-5C58-4C00-AC2B-588C9447147B}">
+      <dgm:prSet/>
+      <dgm:spPr/>
+      <dgm:t>
+        <a:bodyPr/>
+        <a:lstStyle/>
+        <a:p>
+          <a:endParaRPr lang="en-US"/>
+        </a:p>
+      </dgm:t>
+    </dgm:pt>
+    <dgm:pt modelId="{5BA4650A-DBD7-4592-A873-6113A4BEBF1A}" type="sibTrans" cxnId="{42F4EFBF-5C58-4C00-AC2B-588C9447147B}">
+      <dgm:prSet/>
+      <dgm:spPr/>
+      <dgm:t>
+        <a:bodyPr/>
+        <a:lstStyle/>
+        <a:p>
+          <a:endParaRPr lang="en-US"/>
+        </a:p>
+      </dgm:t>
+    </dgm:pt>
+    <dgm:pt modelId="{C44131F6-6453-4470-8755-DC6F71F395E1}">
+      <dgm:prSet/>
+      <dgm:spPr/>
+      <dgm:t>
+        <a:bodyPr/>
+        <a:lstStyle/>
+        <a:p>
+          <a:r>
+            <a:rPr lang="zh-CN"/>
+            <a:t>继续搭建前端展示框架，实现商品的发布、购买、收藏、评论、私信等实用功能</a:t>
+          </a:r>
+          <a:endParaRPr lang="en-US"/>
+        </a:p>
+      </dgm:t>
+    </dgm:pt>
+    <dgm:pt modelId="{150EC2D0-2412-4BCF-8B1B-6320C1CB24B9}" type="parTrans" cxnId="{9A3ED20F-60A7-4138-A770-0267C43191C3}">
+      <dgm:prSet/>
+      <dgm:spPr/>
+      <dgm:t>
+        <a:bodyPr/>
+        <a:lstStyle/>
+        <a:p>
+          <a:endParaRPr lang="en-US"/>
+        </a:p>
+      </dgm:t>
+    </dgm:pt>
+    <dgm:pt modelId="{AE41AA8C-B4B6-4539-A85E-76FFC5598F39}" type="sibTrans" cxnId="{9A3ED20F-60A7-4138-A770-0267C43191C3}">
+      <dgm:prSet/>
+      <dgm:spPr/>
+      <dgm:t>
+        <a:bodyPr/>
+        <a:lstStyle/>
+        <a:p>
+          <a:endParaRPr lang="en-US"/>
+        </a:p>
+      </dgm:t>
+    </dgm:pt>
+    <dgm:pt modelId="{1E87B87D-E021-4C05-9618-DA0323D5964F}" type="pres">
+      <dgm:prSet presAssocID="{FDF52B6B-6D87-44A6-B757-D25E4D2FE40D}" presName="root" presStyleCnt="0">
+        <dgm:presLayoutVars>
+          <dgm:dir/>
+          <dgm:resizeHandles val="exact"/>
+        </dgm:presLayoutVars>
+      </dgm:prSet>
+      <dgm:spPr/>
+    </dgm:pt>
+    <dgm:pt modelId="{C670D302-54F6-4832-B061-EA0A900D4C42}" type="pres">
+      <dgm:prSet presAssocID="{2B49737E-28FE-49FC-A8E8-984338566FA0}" presName="compNode" presStyleCnt="0"/>
+      <dgm:spPr/>
+    </dgm:pt>
+    <dgm:pt modelId="{AEFA2E45-F44D-4791-A612-107C20678D09}" type="pres">
+      <dgm:prSet presAssocID="{2B49737E-28FE-49FC-A8E8-984338566FA0}" presName="bgRect" presStyleLbl="bgShp" presStyleIdx="0" presStyleCnt="2"/>
+      <dgm:spPr/>
+    </dgm:pt>
+    <dgm:pt modelId="{99133E74-1C2B-4C72-A5C3-7E2E42BF2CCE}" type="pres">
+      <dgm:prSet presAssocID="{2B49737E-28FE-49FC-A8E8-984338566FA0}" presName="iconRect" presStyleLbl="node1" presStyleIdx="0" presStyleCnt="2"/>
+      <dgm:spPr>
+        <a:blipFill>
+          <a:blip xmlns:r="http://schemas.openxmlformats.org/officeDocument/2006/relationships" r:embed="rId1">
+            <a:extLst>
+              <a:ext uri="{28A0092B-C50C-407E-A947-70E740481C1C}">
+                <a14:useLocalDpi xmlns:a14="http://schemas.microsoft.com/office/drawing/2010/main" val="0"/>
+              </a:ext>
+              <a:ext uri="{96DAC541-7B7A-43D3-8B79-37D633B846F1}">
+                <asvg:svgBlip xmlns:asvg="http://schemas.microsoft.com/office/drawing/2016/SVG/main" r:embed="rId2"/>
+              </a:ext>
+            </a:extLst>
+          </a:blip>
+          <a:stretch>
+            <a:fillRect/>
+          </a:stretch>
+        </a:blipFill>
+        <a:ln>
+          <a:noFill/>
+        </a:ln>
+      </dgm:spPr>
+      <dgm:extLst>
+        <a:ext uri="{E40237B7-FDA0-4F09-8148-C483321AD2D9}">
+          <dgm14:cNvPr xmlns:dgm14="http://schemas.microsoft.com/office/drawing/2010/diagram" id="0" name="" descr="复选标记"/>
+        </a:ext>
+      </dgm:extLst>
+    </dgm:pt>
+    <dgm:pt modelId="{19CDDEDF-4F4C-4EB4-95AC-B48A0572F24D}" type="pres">
+      <dgm:prSet presAssocID="{2B49737E-28FE-49FC-A8E8-984338566FA0}" presName="spaceRect" presStyleCnt="0"/>
+      <dgm:spPr/>
+    </dgm:pt>
+    <dgm:pt modelId="{48E46F0C-ED13-4659-8B31-9464B0386B58}" type="pres">
+      <dgm:prSet presAssocID="{2B49737E-28FE-49FC-A8E8-984338566FA0}" presName="parTx" presStyleLbl="revTx" presStyleIdx="0" presStyleCnt="2">
+        <dgm:presLayoutVars>
+          <dgm:chMax val="0"/>
+          <dgm:chPref val="0"/>
+        </dgm:presLayoutVars>
+      </dgm:prSet>
+      <dgm:spPr/>
+    </dgm:pt>
+    <dgm:pt modelId="{BBADDBC0-4C60-4D57-B2CE-14474DD5B97B}" type="pres">
+      <dgm:prSet presAssocID="{5BA4650A-DBD7-4592-A873-6113A4BEBF1A}" presName="sibTrans" presStyleCnt="0"/>
+      <dgm:spPr/>
+    </dgm:pt>
+    <dgm:pt modelId="{0AA18D06-5EC0-4E40-AFF9-0DB4461E9C6B}" type="pres">
+      <dgm:prSet presAssocID="{C44131F6-6453-4470-8755-DC6F71F395E1}" presName="compNode" presStyleCnt="0"/>
+      <dgm:spPr/>
+    </dgm:pt>
+    <dgm:pt modelId="{4C4AA534-5F28-4435-9E91-46D585224DA6}" type="pres">
+      <dgm:prSet presAssocID="{C44131F6-6453-4470-8755-DC6F71F395E1}" presName="bgRect" presStyleLbl="bgShp" presStyleIdx="1" presStyleCnt="2"/>
+      <dgm:spPr/>
+    </dgm:pt>
+    <dgm:pt modelId="{A1D93682-79C2-49E7-A5C1-2980C906FD63}" type="pres">
+      <dgm:prSet presAssocID="{C44131F6-6453-4470-8755-DC6F71F395E1}" presName="iconRect" presStyleLbl="node1" presStyleIdx="1" presStyleCnt="2"/>
+      <dgm:spPr>
+        <a:blipFill>
+          <a:blip xmlns:r="http://schemas.openxmlformats.org/officeDocument/2006/relationships" r:embed="rId3">
+            <a:extLst>
+              <a:ext uri="{28A0092B-C50C-407E-A947-70E740481C1C}">
+                <a14:useLocalDpi xmlns:a14="http://schemas.microsoft.com/office/drawing/2010/main" val="0"/>
+              </a:ext>
+              <a:ext uri="{96DAC541-7B7A-43D3-8B79-37D633B846F1}">
+                <asvg:svgBlip xmlns:asvg="http://schemas.microsoft.com/office/drawing/2016/SVG/main" r:embed="rId4"/>
+              </a:ext>
+            </a:extLst>
+          </a:blip>
+          <a:stretch>
+            <a:fillRect/>
+          </a:stretch>
+        </a:blipFill>
+        <a:ln>
+          <a:noFill/>
+        </a:ln>
+      </dgm:spPr>
+      <dgm:extLst>
+        <a:ext uri="{E40237B7-FDA0-4F09-8148-C483321AD2D9}">
+          <dgm14:cNvPr xmlns:dgm14="http://schemas.microsoft.com/office/drawing/2010/diagram" id="0" name="" descr="Customer Review"/>
+        </a:ext>
+      </dgm:extLst>
+    </dgm:pt>
+    <dgm:pt modelId="{0111BFA4-570B-4C0B-976E-BBFF842FA226}" type="pres">
+      <dgm:prSet presAssocID="{C44131F6-6453-4470-8755-DC6F71F395E1}" presName="spaceRect" presStyleCnt="0"/>
+      <dgm:spPr/>
+    </dgm:pt>
+    <dgm:pt modelId="{A6EC2E06-C76D-4047-A71D-73C2143944AE}" type="pres">
+      <dgm:prSet presAssocID="{C44131F6-6453-4470-8755-DC6F71F395E1}" presName="parTx" presStyleLbl="revTx" presStyleIdx="1" presStyleCnt="2">
+        <dgm:presLayoutVars>
+          <dgm:chMax val="0"/>
+          <dgm:chPref val="0"/>
+        </dgm:presLayoutVars>
+      </dgm:prSet>
+      <dgm:spPr/>
+    </dgm:pt>
+  </dgm:ptLst>
+  <dgm:cxnLst>
+    <dgm:cxn modelId="{9A3ED20F-60A7-4138-A770-0267C43191C3}" srcId="{FDF52B6B-6D87-44A6-B757-D25E4D2FE40D}" destId="{C44131F6-6453-4470-8755-DC6F71F395E1}" srcOrd="1" destOrd="0" parTransId="{150EC2D0-2412-4BCF-8B1B-6320C1CB24B9}" sibTransId="{AE41AA8C-B4B6-4539-A85E-76FFC5598F39}"/>
+    <dgm:cxn modelId="{57BD9888-545A-4F76-8A99-A6060AA523ED}" type="presOf" srcId="{C44131F6-6453-4470-8755-DC6F71F395E1}" destId="{A6EC2E06-C76D-4047-A71D-73C2143944AE}" srcOrd="0" destOrd="0" presId="urn:microsoft.com/office/officeart/2018/2/layout/IconVerticalSolidList"/>
+    <dgm:cxn modelId="{71C09EA8-34C7-4746-ABC0-60C77FF054AC}" type="presOf" srcId="{2B49737E-28FE-49FC-A8E8-984338566FA0}" destId="{48E46F0C-ED13-4659-8B31-9464B0386B58}" srcOrd="0" destOrd="0" presId="urn:microsoft.com/office/officeart/2018/2/layout/IconVerticalSolidList"/>
+    <dgm:cxn modelId="{46A580B0-66ED-4978-9233-891006CD3BA2}" type="presOf" srcId="{FDF52B6B-6D87-44A6-B757-D25E4D2FE40D}" destId="{1E87B87D-E021-4C05-9618-DA0323D5964F}" srcOrd="0" destOrd="0" presId="urn:microsoft.com/office/officeart/2018/2/layout/IconVerticalSolidList"/>
+    <dgm:cxn modelId="{42F4EFBF-5C58-4C00-AC2B-588C9447147B}" srcId="{FDF52B6B-6D87-44A6-B757-D25E4D2FE40D}" destId="{2B49737E-28FE-49FC-A8E8-984338566FA0}" srcOrd="0" destOrd="0" parTransId="{F3F1E4EF-6BE7-4A7E-BFE8-5E1FD1E6D12E}" sibTransId="{5BA4650A-DBD7-4592-A873-6113A4BEBF1A}"/>
+    <dgm:cxn modelId="{2B2AAEDE-8C28-4A7E-81E5-4BEFED82BE53}" type="presParOf" srcId="{1E87B87D-E021-4C05-9618-DA0323D5964F}" destId="{C670D302-54F6-4832-B061-EA0A900D4C42}" srcOrd="0" destOrd="0" presId="urn:microsoft.com/office/officeart/2018/2/layout/IconVerticalSolidList"/>
+    <dgm:cxn modelId="{3C67B90C-F5BA-458E-821E-D46FA3DE1C61}" type="presParOf" srcId="{C670D302-54F6-4832-B061-EA0A900D4C42}" destId="{AEFA2E45-F44D-4791-A612-107C20678D09}" srcOrd="0" destOrd="0" presId="urn:microsoft.com/office/officeart/2018/2/layout/IconVerticalSolidList"/>
+    <dgm:cxn modelId="{3C2F7095-481F-4DFD-B2BC-8CFA3E1EA75C}" type="presParOf" srcId="{C670D302-54F6-4832-B061-EA0A900D4C42}" destId="{99133E74-1C2B-4C72-A5C3-7E2E42BF2CCE}" srcOrd="1" destOrd="0" presId="urn:microsoft.com/office/officeart/2018/2/layout/IconVerticalSolidList"/>
+    <dgm:cxn modelId="{0296BD0C-1233-4048-BC56-4861AB5790C3}" type="presParOf" srcId="{C670D302-54F6-4832-B061-EA0A900D4C42}" destId="{19CDDEDF-4F4C-4EB4-95AC-B48A0572F24D}" srcOrd="2" destOrd="0" presId="urn:microsoft.com/office/officeart/2018/2/layout/IconVerticalSolidList"/>
+    <dgm:cxn modelId="{0F27A404-F955-4D53-B023-814ABF691645}" type="presParOf" srcId="{C670D302-54F6-4832-B061-EA0A900D4C42}" destId="{48E46F0C-ED13-4659-8B31-9464B0386B58}" srcOrd="3" destOrd="0" presId="urn:microsoft.com/office/officeart/2018/2/layout/IconVerticalSolidList"/>
+    <dgm:cxn modelId="{75D0F7C5-0FB7-462D-975A-C709A00AF44C}" type="presParOf" srcId="{1E87B87D-E021-4C05-9618-DA0323D5964F}" destId="{BBADDBC0-4C60-4D57-B2CE-14474DD5B97B}" srcOrd="1" destOrd="0" presId="urn:microsoft.com/office/officeart/2018/2/layout/IconVerticalSolidList"/>
+    <dgm:cxn modelId="{2C9E92BA-A7D6-4725-BE3E-76BB7309D948}" type="presParOf" srcId="{1E87B87D-E021-4C05-9618-DA0323D5964F}" destId="{0AA18D06-5EC0-4E40-AFF9-0DB4461E9C6B}" srcOrd="2" destOrd="0" presId="urn:microsoft.com/office/officeart/2018/2/layout/IconVerticalSolidList"/>
+    <dgm:cxn modelId="{45658620-099D-49FB-85E8-4F9CFDD5F5DC}" type="presParOf" srcId="{0AA18D06-5EC0-4E40-AFF9-0DB4461E9C6B}" destId="{4C4AA534-5F28-4435-9E91-46D585224DA6}" srcOrd="0" destOrd="0" presId="urn:microsoft.com/office/officeart/2018/2/layout/IconVerticalSolidList"/>
+    <dgm:cxn modelId="{AC622C2A-1EB9-438F-8164-4D13F3EBC092}" type="presParOf" srcId="{0AA18D06-5EC0-4E40-AFF9-0DB4461E9C6B}" destId="{A1D93682-79C2-49E7-A5C1-2980C906FD63}" srcOrd="1" destOrd="0" presId="urn:microsoft.com/office/officeart/2018/2/layout/IconVerticalSolidList"/>
+    <dgm:cxn modelId="{866DB5C2-9AE5-4105-9866-2853871959F5}" type="presParOf" srcId="{0AA18D06-5EC0-4E40-AFF9-0DB4461E9C6B}" destId="{0111BFA4-570B-4C0B-976E-BBFF842FA226}" srcOrd="2" destOrd="0" presId="urn:microsoft.com/office/officeart/2018/2/layout/IconVerticalSolidList"/>
+    <dgm:cxn modelId="{664165C9-D04C-4B15-888E-858BFF661C30}" type="presParOf" srcId="{0AA18D06-5EC0-4E40-AFF9-0DB4461E9C6B}" destId="{A6EC2E06-C76D-4047-A71D-73C2143944AE}" srcOrd="3" destOrd="0" presId="urn:microsoft.com/office/officeart/2018/2/layout/IconVerticalSolidList"/>
+  </dgm:cxnLst>
+  <dgm:bg/>
+  <dgm:whole/>
+  <dgm:extLst>
+    <a:ext uri="http://schemas.microsoft.com/office/drawing/2008/diagram">
+      <dsp:dataModelExt xmlns:dsp="http://schemas.microsoft.com/office/drawing/2008/diagram" relId="rId6" minVer="http://schemas.openxmlformats.org/drawingml/2006/diagram"/>
+    </a:ext>
+  </dgm:extLst>
+</dgm:dataModel>
+</file>
+
+<file path=ppt/diagrams/drawing1.xml><?xml version="1.0" encoding="utf-8"?>
+<dsp:drawing xmlns:dgm="http://schemas.openxmlformats.org/drawingml/2006/diagram" xmlns:dsp="http://schemas.microsoft.com/office/drawing/2008/diagram" xmlns:a="http://schemas.openxmlformats.org/drawingml/2006/main">
+  <dsp:spTree>
+    <dsp:nvGrpSpPr>
+      <dsp:cNvPr id="0" name=""/>
+      <dsp:cNvGrpSpPr/>
+    </dsp:nvGrpSpPr>
+    <dsp:grpSpPr/>
+    <dsp:sp modelId="{AEFA2E45-F44D-4791-A612-107C20678D09}">
+      <dsp:nvSpPr>
+        <dsp:cNvPr id="0" name=""/>
+        <dsp:cNvSpPr/>
+      </dsp:nvSpPr>
+      <dsp:spPr>
+        <a:xfrm>
+          <a:off x="0" y="970649"/>
+          <a:ext cx="6879517" cy="1791969"/>
+        </a:xfrm>
+        <a:prstGeom prst="roundRect">
+          <a:avLst>
+            <a:gd name="adj" fmla="val 10000"/>
+          </a:avLst>
+        </a:prstGeom>
+        <a:solidFill>
+          <a:schemeClr val="bg1">
+            <a:lumMod val="95000"/>
+            <a:hueOff val="0"/>
+            <a:satOff val="0"/>
+            <a:lumOff val="0"/>
+            <a:alphaOff val="0"/>
+          </a:schemeClr>
+        </a:solidFill>
+        <a:ln>
+          <a:noFill/>
+        </a:ln>
+        <a:effectLst/>
+      </dsp:spPr>
+      <dsp:style>
+        <a:lnRef idx="0">
+          <a:scrgbClr r="0" g="0" b="0"/>
+        </a:lnRef>
+        <a:fillRef idx="1">
+          <a:scrgbClr r="0" g="0" b="0"/>
+        </a:fillRef>
+        <a:effectRef idx="0">
+          <a:scrgbClr r="0" g="0" b="0"/>
+        </a:effectRef>
+        <a:fontRef idx="minor"/>
+      </dsp:style>
+    </dsp:sp>
+    <dsp:sp modelId="{99133E74-1C2B-4C72-A5C3-7E2E42BF2CCE}">
+      <dsp:nvSpPr>
+        <dsp:cNvPr id="0" name=""/>
+        <dsp:cNvSpPr/>
+      </dsp:nvSpPr>
+      <dsp:spPr>
+        <a:xfrm>
+          <a:off x="542070" y="1373842"/>
+          <a:ext cx="985582" cy="985582"/>
+        </a:xfrm>
+        <a:prstGeom prst="rect">
+          <a:avLst/>
+        </a:prstGeom>
+        <a:blipFill>
+          <a:blip xmlns:r="http://schemas.openxmlformats.org/officeDocument/2006/relationships" r:embed="rId1">
+            <a:extLst>
+              <a:ext uri="{28A0092B-C50C-407E-A947-70E740481C1C}">
+                <a14:useLocalDpi xmlns:a14="http://schemas.microsoft.com/office/drawing/2010/main" val="0"/>
+              </a:ext>
+              <a:ext uri="{96DAC541-7B7A-43D3-8B79-37D633B846F1}">
+                <asvg:svgBlip xmlns:asvg="http://schemas.microsoft.com/office/drawing/2016/SVG/main" r:embed="rId2"/>
+              </a:ext>
+            </a:extLst>
+          </a:blip>
+          <a:stretch>
+            <a:fillRect/>
+          </a:stretch>
+        </a:blipFill>
+        <a:ln w="12700" cap="flat" cmpd="sng" algn="ctr">
+          <a:noFill/>
+          <a:prstDash val="solid"/>
+          <a:miter lim="800000"/>
+        </a:ln>
+        <a:effectLst/>
+      </dsp:spPr>
+      <dsp:style>
+        <a:lnRef idx="2">
+          <a:scrgbClr r="0" g="0" b="0"/>
+        </a:lnRef>
+        <a:fillRef idx="1">
+          <a:scrgbClr r="0" g="0" b="0"/>
+        </a:fillRef>
+        <a:effectRef idx="0">
+          <a:scrgbClr r="0" g="0" b="0"/>
+        </a:effectRef>
+        <a:fontRef idx="minor">
+          <a:schemeClr val="lt1"/>
+        </a:fontRef>
+      </dsp:style>
+    </dsp:sp>
+    <dsp:sp modelId="{48E46F0C-ED13-4659-8B31-9464B0386B58}">
+      <dsp:nvSpPr>
+        <dsp:cNvPr id="0" name=""/>
+        <dsp:cNvSpPr/>
+      </dsp:nvSpPr>
+      <dsp:spPr>
+        <a:xfrm>
+          <a:off x="2069724" y="970649"/>
+          <a:ext cx="4809792" cy="1791969"/>
+        </a:xfrm>
+        <a:prstGeom prst="rect">
+          <a:avLst/>
+        </a:prstGeom>
+        <a:noFill/>
+        <a:ln>
+          <a:noFill/>
+        </a:ln>
+        <a:effectLst/>
+      </dsp:spPr>
+      <dsp:style>
+        <a:lnRef idx="0">
+          <a:scrgbClr r="0" g="0" b="0"/>
+        </a:lnRef>
+        <a:fillRef idx="0">
+          <a:scrgbClr r="0" g="0" b="0"/>
+        </a:fillRef>
+        <a:effectRef idx="0">
+          <a:scrgbClr r="0" g="0" b="0"/>
+        </a:effectRef>
+        <a:fontRef idx="minor"/>
+      </dsp:style>
+      <dsp:txBody>
+        <a:bodyPr spcFirstLastPara="0" vert="horz" wrap="square" lIns="189650" tIns="189650" rIns="189650" bIns="189650" numCol="1" spcCol="1270" anchor="ctr" anchorCtr="0">
+          <a:noAutofit/>
+        </a:bodyPr>
+        <a:lstStyle/>
+        <a:p>
+          <a:pPr marL="0" lvl="0" indent="0" algn="l" defTabSz="1022350">
+            <a:lnSpc>
+              <a:spcPct val="90000"/>
+            </a:lnSpc>
+            <a:spcBef>
+              <a:spcPct val="0"/>
+            </a:spcBef>
+            <a:spcAft>
+              <a:spcPct val="35000"/>
+            </a:spcAft>
+            <a:buNone/>
+          </a:pPr>
+          <a:r>
+            <a:rPr lang="zh-CN" sz="2300" kern="1200"/>
+            <a:t>完善</a:t>
+          </a:r>
+          <a:r>
+            <a:rPr lang="en-US" sz="2300" kern="1200"/>
+            <a:t>api</a:t>
+          </a:r>
+          <a:r>
+            <a:rPr lang="zh-CN" sz="2300" kern="1200"/>
+            <a:t>设计，使得每个增删改查都有</a:t>
+          </a:r>
+          <a:r>
+            <a:rPr lang="en-US" sz="2300" kern="1200"/>
+            <a:t>api</a:t>
+          </a:r>
+          <a:r>
+            <a:rPr lang="zh-CN" sz="2300" kern="1200"/>
+            <a:t>对应</a:t>
+          </a:r>
+          <a:endParaRPr lang="en-US" sz="2300" kern="1200"/>
+        </a:p>
+      </dsp:txBody>
+      <dsp:txXfrm>
+        <a:off x="2069724" y="970649"/>
+        <a:ext cx="4809792" cy="1791969"/>
+      </dsp:txXfrm>
+    </dsp:sp>
+    <dsp:sp modelId="{4C4AA534-5F28-4435-9E91-46D585224DA6}">
+      <dsp:nvSpPr>
+        <dsp:cNvPr id="0" name=""/>
+        <dsp:cNvSpPr/>
+      </dsp:nvSpPr>
+      <dsp:spPr>
+        <a:xfrm>
+          <a:off x="0" y="3210611"/>
+          <a:ext cx="6879517" cy="1791969"/>
+        </a:xfrm>
+        <a:prstGeom prst="roundRect">
+          <a:avLst>
+            <a:gd name="adj" fmla="val 10000"/>
+          </a:avLst>
+        </a:prstGeom>
+        <a:solidFill>
+          <a:schemeClr val="bg1">
+            <a:lumMod val="95000"/>
+            <a:hueOff val="0"/>
+            <a:satOff val="0"/>
+            <a:lumOff val="0"/>
+            <a:alphaOff val="0"/>
+          </a:schemeClr>
+        </a:solidFill>
+        <a:ln>
+          <a:noFill/>
+        </a:ln>
+        <a:effectLst/>
+      </dsp:spPr>
+      <dsp:style>
+        <a:lnRef idx="0">
+          <a:scrgbClr r="0" g="0" b="0"/>
+        </a:lnRef>
+        <a:fillRef idx="1">
+          <a:scrgbClr r="0" g="0" b="0"/>
+        </a:fillRef>
+        <a:effectRef idx="0">
+          <a:scrgbClr r="0" g="0" b="0"/>
+        </a:effectRef>
+        <a:fontRef idx="minor"/>
+      </dsp:style>
+    </dsp:sp>
+    <dsp:sp modelId="{A1D93682-79C2-49E7-A5C1-2980C906FD63}">
+      <dsp:nvSpPr>
+        <dsp:cNvPr id="0" name=""/>
+        <dsp:cNvSpPr/>
+      </dsp:nvSpPr>
+      <dsp:spPr>
+        <a:xfrm>
+          <a:off x="542070" y="3613804"/>
+          <a:ext cx="985582" cy="985582"/>
+        </a:xfrm>
+        <a:prstGeom prst="rect">
+          <a:avLst/>
+        </a:prstGeom>
+        <a:blipFill>
+          <a:blip xmlns:r="http://schemas.openxmlformats.org/officeDocument/2006/relationships" r:embed="rId3">
+            <a:extLst>
+              <a:ext uri="{28A0092B-C50C-407E-A947-70E740481C1C}">
+                <a14:useLocalDpi xmlns:a14="http://schemas.microsoft.com/office/drawing/2010/main" val="0"/>
+              </a:ext>
+              <a:ext uri="{96DAC541-7B7A-43D3-8B79-37D633B846F1}">
+                <asvg:svgBlip xmlns:asvg="http://schemas.microsoft.com/office/drawing/2016/SVG/main" r:embed="rId4"/>
+              </a:ext>
+            </a:extLst>
+          </a:blip>
+          <a:stretch>
+            <a:fillRect/>
+          </a:stretch>
+        </a:blipFill>
+        <a:ln w="12700" cap="flat" cmpd="sng" algn="ctr">
+          <a:noFill/>
+          <a:prstDash val="solid"/>
+          <a:miter lim="800000"/>
+        </a:ln>
+        <a:effectLst/>
+      </dsp:spPr>
+      <dsp:style>
+        <a:lnRef idx="2">
+          <a:scrgbClr r="0" g="0" b="0"/>
+        </a:lnRef>
+        <a:fillRef idx="1">
+          <a:scrgbClr r="0" g="0" b="0"/>
+        </a:fillRef>
+        <a:effectRef idx="0">
+          <a:scrgbClr r="0" g="0" b="0"/>
+        </a:effectRef>
+        <a:fontRef idx="minor">
+          <a:schemeClr val="lt1"/>
+        </a:fontRef>
+      </dsp:style>
+    </dsp:sp>
+    <dsp:sp modelId="{A6EC2E06-C76D-4047-A71D-73C2143944AE}">
+      <dsp:nvSpPr>
+        <dsp:cNvPr id="0" name=""/>
+        <dsp:cNvSpPr/>
+      </dsp:nvSpPr>
+      <dsp:spPr>
+        <a:xfrm>
+          <a:off x="2069724" y="3210611"/>
+          <a:ext cx="4809792" cy="1791969"/>
+        </a:xfrm>
+        <a:prstGeom prst="rect">
+          <a:avLst/>
+        </a:prstGeom>
+        <a:noFill/>
+        <a:ln>
+          <a:noFill/>
+        </a:ln>
+        <a:effectLst/>
+      </dsp:spPr>
+      <dsp:style>
+        <a:lnRef idx="0">
+          <a:scrgbClr r="0" g="0" b="0"/>
+        </a:lnRef>
+        <a:fillRef idx="0">
+          <a:scrgbClr r="0" g="0" b="0"/>
+        </a:fillRef>
+        <a:effectRef idx="0">
+          <a:scrgbClr r="0" g="0" b="0"/>
+        </a:effectRef>
+        <a:fontRef idx="minor"/>
+      </dsp:style>
+      <dsp:txBody>
+        <a:bodyPr spcFirstLastPara="0" vert="horz" wrap="square" lIns="189650" tIns="189650" rIns="189650" bIns="189650" numCol="1" spcCol="1270" anchor="ctr" anchorCtr="0">
+          <a:noAutofit/>
+        </a:bodyPr>
+        <a:lstStyle/>
+        <a:p>
+          <a:pPr marL="0" lvl="0" indent="0" algn="l" defTabSz="1022350">
+            <a:lnSpc>
+              <a:spcPct val="90000"/>
+            </a:lnSpc>
+            <a:spcBef>
+              <a:spcPct val="0"/>
+            </a:spcBef>
+            <a:spcAft>
+              <a:spcPct val="35000"/>
+            </a:spcAft>
+            <a:buNone/>
+          </a:pPr>
+          <a:r>
+            <a:rPr lang="zh-CN" sz="2300" kern="1200"/>
+            <a:t>继续搭建前端展示框架，实现商品的发布、购买、收藏、评论、私信等实用功能</a:t>
+          </a:r>
+          <a:endParaRPr lang="en-US" sz="2300" kern="1200"/>
+        </a:p>
+      </dsp:txBody>
+      <dsp:txXfrm>
+        <a:off x="2069724" y="3210611"/>
+        <a:ext cx="4809792" cy="1791969"/>
+      </dsp:txXfrm>
+    </dsp:sp>
+  </dsp:spTree>
+</dsp:drawing>
+</file>
+
+<file path=ppt/diagrams/layout1.xml><?xml version="1.0" encoding="utf-8"?>
+<dgm:layoutDef xmlns:dgm="http://schemas.openxmlformats.org/drawingml/2006/diagram" xmlns:a="http://schemas.openxmlformats.org/drawingml/2006/main" uniqueId="urn:microsoft.com/office/officeart/2018/2/layout/IconVerticalSolidList">
+  <dgm:title val="Icon Vertical Solid List"/>
+  <dgm:desc val="Use to show a series of visuals from top to bottom with Level 1 or Level 1 and Level 2 text grouped in a shape. Works best with icons or small pictures with lengthier descriptions."/>
+  <dgm:catLst>
+    <dgm:cat type="icon" pri="500"/>
+  </dgm:catLst>
+  <dgm:sampData useDef="1">
+    <dgm:dataModel>
+      <dgm:ptLst/>
+      <dgm:bg/>
+      <dgm:whole/>
+    </dgm:dataModel>
+  </dgm:sampData>
+  <dgm:styleData useDef="1">
+    <dgm:dataModel>
+      <dgm:ptLst/>
+      <dgm:bg/>
+      <dgm:whole/>
+    </dgm:dataModel>
+  </dgm:styleData>
+  <dgm:clrData useDef="1">
+    <dgm:dataModel>
+      <dgm:ptLst/>
+      <dgm:bg/>
+      <dgm:whole/>
+    </dgm:dataModel>
+  </dgm:clrData>
+  <dgm:layoutNode name="root">
+    <dgm:varLst>
+      <dgm:dir/>
+      <dgm:resizeHandles val="exact"/>
+    </dgm:varLst>
+    <dgm:choose name="Name0">
+      <dgm:if name="Name1" axis="self" func="var" arg="dir" op="equ" val="norm">
+        <dgm:alg type="lin">
+          <dgm:param type="linDir" val="fromT"/>
+          <dgm:param type="nodeHorzAlign" val="l"/>
+        </dgm:alg>
+      </dgm:if>
+      <dgm:else name="Name2">
+        <dgm:alg type="lin">
+          <dgm:param type="linDir" val="fromT"/>
+          <dgm:param type="nodeHorzAlign" val="r"/>
+        </dgm:alg>
+      </dgm:else>
+    </dgm:choose>
+    <dgm:shape xmlns:r="http://schemas.openxmlformats.org/officeDocument/2006/relationships" r:blip="">
+      <dgm:adjLst/>
+    </dgm:shape>
+    <dgm:presOf/>
+    <dgm:choose name="Name3">
+      <dgm:if name="Name4" axis="ch" ptType="node" func="cnt" op="lte" val="3">
+        <dgm:constrLst>
+          <dgm:constr type="h" for="ch" forName="compNode" refType="h" fact="0.3"/>
+          <dgm:constr type="w" for="ch" forName="compNode" refType="w"/>
+          <dgm:constr type="h" for="ch" forName="sibTrans" refType="h" refFor="ch" refForName="compNode" fact="0.25"/>
+          <dgm:constr type="primFontSz" for="des" forName="parTx" val="25"/>
+          <dgm:constr type="primFontSz" for="des" forName="desTx" refType="primFontSz" refFor="des" refForName="parTx" op="lte" fact="0.75"/>
+          <dgm:constr type="h" for="des" forName="compNode" op="equ"/>
+          <dgm:constr type="h" for="des" forName="bgRect" op="equ"/>
+          <dgm:constr type="h" for="des" forName="iconRect" op="equ"/>
+          <dgm:constr type="w" for="des" forName="iconRect" op="equ"/>
+          <dgm:constr type="h" for="des" forName="spaceRect" op="equ"/>
+          <dgm:constr type="h" for="des" forName="parTx" op="equ"/>
+          <dgm:constr type="h" for="des" forName="desTx" op="equ"/>
+        </dgm:constrLst>
+      </dgm:if>
+      <dgm:if name="Name5" axis="ch" ptType="node" func="cnt" op="lte" val="4">
+        <dgm:constrLst>
+          <dgm:constr type="h" for="ch" forName="compNode" refType="h" fact="0.3"/>
+          <dgm:constr type="w" for="ch" forName="compNode" refType="w"/>
+          <dgm:constr type="h" for="ch" forName="sibTrans" refType="h" refFor="ch" refForName="compNode" fact="0.25"/>
+          <dgm:constr type="primFontSz" for="des" forName="parTx" val="22"/>
+          <dgm:constr type="primFontSz" for="des" forName="desTx" refType="primFontSz" refFor="des" refForName="parTx" op="lte" fact="0.75"/>
+          <dgm:constr type="h" for="des" forName="compNode" op="equ"/>
+          <dgm:constr type="h" for="des" forName="bgRect" op="equ"/>
+          <dgm:constr type="h" for="des" forName="iconRect" op="equ"/>
+          <dgm:constr type="w" for="des" forName="iconRect" op="equ"/>
+          <dgm:constr type="h" for="des" forName="spaceRect" op="equ"/>
+          <dgm:constr type="h" for="des" forName="parTx" op="equ"/>
+          <dgm:constr type="h" for="des" forName="desTx" op="equ"/>
+        </dgm:constrLst>
+      </dgm:if>
+      <dgm:if name="Name6" axis="ch" ptType="node" func="cnt" op="lte" val="6">
+        <dgm:constrLst>
+          <dgm:constr type="h" for="ch" forName="compNode" refType="h" fact="0.3"/>
+          <dgm:constr type="w" for="ch" forName="compNode" refType="w"/>
+          <dgm:constr type="h" for="ch" forName="sibTrans" refType="h" refFor="ch" refForName="compNode" fact="0.25"/>
+          <dgm:constr type="primFontSz" for="des" forName="parTx" val="19"/>
+          <dgm:constr type="primFontSz" for="des" forName="desTx" refType="primFontSz" refFor="des" refForName="parTx" op="lte" fact="0.75"/>
+          <dgm:constr type="h" for="des" forName="compNode" op="equ"/>
+          <dgm:constr type="h" for="des" forName="bgRect" op="equ"/>
+          <dgm:constr type="h" for="des" forName="iconRect" op="equ"/>
+          <dgm:constr type="w" for="des" forName="iconRect" op="equ"/>
+          <dgm:constr type="h" for="des" forName="spaceRect" op="equ"/>
+          <dgm:constr type="h" for="des" forName="parTx" op="equ"/>
+          <dgm:constr type="h" for="des" forName="desTx" op="equ"/>
+        </dgm:constrLst>
+      </dgm:if>
+      <dgm:else name="Name7">
+        <dgm:constrLst>
+          <dgm:constr type="h" for="ch" forName="compNode" refType="h" fact="0.3"/>
+          <dgm:constr type="w" for="ch" forName="compNode" refType="w"/>
+          <dgm:constr type="h" for="ch" forName="sibTrans" refType="h" refFor="ch" refForName="compNode" fact="0.25"/>
+          <dgm:constr type="primFontSz" for="des" forName="parTx" val="16"/>
+          <dgm:constr type="primFontSz" for="des" forName="desTx" refType="primFontSz" refFor="des" refForName="parTx" op="lte" fact="0.75"/>
+          <dgm:constr type="h" for="des" forName="compNode" op="equ"/>
+          <dgm:constr type="h" for="des" forName="bgRect" op="equ"/>
+          <dgm:constr type="h" for="des" forName="iconRect" op="equ"/>
+          <dgm:constr type="w" for="des" forName="iconRect" op="equ"/>
+          <dgm:constr type="h" for="des" forName="spaceRect" op="equ"/>
+          <dgm:constr type="h" for="des" forName="parTx" op="equ"/>
+          <dgm:constr type="h" for="des" forName="desTx" op="equ"/>
+        </dgm:constrLst>
+      </dgm:else>
+    </dgm:choose>
+    <dgm:ruleLst>
+      <dgm:rule type="h" for="ch" forName="compNode" val="0" fact="NaN" max="NaN"/>
+    </dgm:ruleLst>
+    <dgm:forEach name="Name8" axis="ch" ptType="node">
+      <dgm:layoutNode name="compNode">
+        <dgm:alg type="composite"/>
+        <dgm:shape xmlns:r="http://schemas.openxmlformats.org/officeDocument/2006/relationships" r:blip="">
+          <dgm:adjLst/>
+        </dgm:shape>
+        <dgm:presOf axis="self"/>
+        <dgm:choose name="Name9">
+          <dgm:if name="Name10" axis="ch" ptType="node" func="cnt" op="gte" val="1">
+            <dgm:constrLst>
+              <dgm:constr type="w" for="ch" forName="bgRect" refType="w"/>
+              <dgm:constr type="h" for="ch" forName="bgRect" refType="h"/>
+              <dgm:constr type="l" for="ch" forName="bgRect"/>
+              <dgm:constr type="t" for="ch" forName="bgRect"/>
+              <dgm:constr type="h" for="ch" forName="iconRect" refType="h" fact="0.55"/>
+              <dgm:constr type="w" for="ch" forName="iconRect" refType="h" refFor="ch" refForName="iconRect"/>
+              <dgm:constr type="l" for="ch" forName="iconRect" refType="h" refFor="ch" refForName="iconRect" fact="0.55"/>
+              <dgm:constr type="ctrY" for="ch" forName="iconRect" refType="ctrY" refFor="ch" refForName="bgRect"/>
+              <dgm:constr type="w" for="ch" forName="spaceRect" refType="l" refFor="ch" refForName="iconRect"/>
+              <dgm:constr type="h" for="ch" forName="spaceRect" refType="h"/>
+              <dgm:constr type="l" for="ch" forName="spaceRect" refType="r" refFor="ch" refForName="iconRect"/>
+              <dgm:constr type="t" for="ch" forName="spaceRect"/>
+              <dgm:constr type="w" for="ch" forName="parTx" refType="w" fact="0.45"/>
+              <dgm:constr type="h" for="ch" forName="parTx" refType="h"/>
+              <dgm:constr type="l" for="ch" forName="parTx" refType="r" refFor="ch" refForName="spaceRect"/>
+              <dgm:constr type="t" for="ch" forName="parTx"/>
+              <dgm:constr type="h" for="ch" forName="desTx" refType="h"/>
+              <dgm:constr type="l" for="ch" forName="desTx" refType="r" refFor="ch" refForName="parTx"/>
+              <dgm:constr type="t" for="ch" forName="desTx"/>
+            </dgm:constrLst>
+          </dgm:if>
+          <dgm:else name="Name11">
+            <dgm:constrLst>
+              <dgm:constr type="w" for="ch" forName="bgRect" refType="w"/>
+              <dgm:constr type="h" for="ch" forName="bgRect" refType="h"/>
+              <dgm:constr type="l" for="ch" forName="bgRect"/>
+              <dgm:constr type="t" for="ch" forName="bgRect"/>
+              <dgm:constr type="h" for="ch" forName="iconRect" refType="h" fact="0.55"/>
+              <dgm:constr type="w" for="ch" forName="iconRect" refType="h" refFor="ch" refForName="iconRect"/>
+              <dgm:constr type="l" for="ch" forName="iconRect" refType="h" refFor="ch" refForName="iconRect" fact="0.55"/>
+              <dgm:constr type="ctrY" for="ch" forName="iconRect" refType="ctrY" refFor="ch" refForName="bgRect"/>
+              <dgm:constr type="w" for="ch" forName="spaceRect" refType="l" refFor="ch" refForName="iconRect"/>
+              <dgm:constr type="h" for="ch" forName="spaceRect" refType="h"/>
+              <dgm:constr type="l" for="ch" forName="spaceRect" refType="r" refFor="ch" refForName="iconRect"/>
+              <dgm:constr type="t" for="ch" forName="spaceRect"/>
+              <dgm:constr type="h" for="ch" forName="parTx" refType="h"/>
+              <dgm:constr type="l" for="ch" forName="parTx" refType="r" refFor="ch" refForName="spaceRect"/>
+              <dgm:constr type="t" for="ch" forName="parTx"/>
+            </dgm:constrLst>
+          </dgm:else>
+        </dgm:choose>
+        <dgm:ruleLst>
+          <dgm:rule type="h" val="INF" fact="NaN" max="NaN"/>
+        </dgm:ruleLst>
+        <dgm:layoutNode name="bgRect" styleLbl="bgShp">
+          <dgm:alg type="sp"/>
+          <dgm:shape xmlns:r="http://schemas.openxmlformats.org/officeDocument/2006/relationships" type="roundRect" r:blip="">
+            <dgm:adjLst>
+              <dgm:adj idx="1" val="0.1"/>
+            </dgm:adjLst>
+          </dgm:shape>
+          <dgm:presOf/>
+          <dgm:constrLst/>
+          <dgm:ruleLst/>
+        </dgm:layoutNode>
+        <dgm:layoutNode name="iconRect" styleLbl="node1">
+          <dgm:alg type="sp"/>
+          <dgm:shape xmlns:r="http://schemas.openxmlformats.org/officeDocument/2006/relationships" type="rect" r:blip="" blipPhldr="1">
+            <dgm:adjLst/>
+          </dgm:shape>
+          <dgm:presOf/>
+          <dgm:constrLst/>
+          <dgm:ruleLst/>
+        </dgm:layoutNode>
+        <dgm:layoutNode name="spaceRect">
+          <dgm:alg type="sp"/>
+          <dgm:shape xmlns:r="http://schemas.openxmlformats.org/officeDocument/2006/relationships" r:blip="">
+            <dgm:adjLst/>
+          </dgm:shape>
+          <dgm:presOf/>
+          <dgm:constrLst/>
+          <dgm:ruleLst/>
+        </dgm:layoutNode>
+        <dgm:layoutNode name="parTx" styleLbl="revTx">
+          <dgm:varLst>
+            <dgm:chMax val="0"/>
+            <dgm:chPref val="0"/>
+          </dgm:varLst>
+          <dgm:alg type="tx">
+            <dgm:param type="txAnchorVert" val="mid"/>
+            <dgm:param type="parTxLTRAlign" val="l"/>
+            <dgm:param type="shpTxLTRAlignCh" val="l"/>
+            <dgm:param type="parTxRTLAlign" val="r"/>
+            <dgm:param type="shpTxRTLAlignCh" val="r"/>
+          </dgm:alg>
+          <dgm:shape xmlns:r="http://schemas.openxmlformats.org/officeDocument/2006/relationships" type="rect" r:blip="">
+            <dgm:adjLst/>
+          </dgm:shape>
+          <dgm:presOf axis="self" ptType="node"/>
+          <dgm:constrLst>
+            <dgm:constr type="lMarg" refType="h" fact="0.3"/>
+            <dgm:constr type="rMarg" refType="h" fact="0.3"/>
+            <dgm:constr type="tMarg" refType="h" fact="0.3"/>
+            <dgm:constr type="bMarg" refType="h" fact="0.3"/>
+          </dgm:constrLst>
+          <dgm:ruleLst>
+            <dgm:rule type="primFontSz" val="14" fact="NaN" max="NaN"/>
+            <dgm:rule type="h" val="INF" fact="NaN" max="NaN"/>
+          </dgm:ruleLst>
+        </dgm:layoutNode>
+        <dgm:choose name="Name12">
+          <dgm:if name="Name13" axis="ch" ptType="node" func="cnt" op="gte" val="1">
+            <dgm:layoutNode name="desTx" styleLbl="revTx">
+              <dgm:varLst/>
+              <dgm:alg type="tx">
+                <dgm:param type="txAnchorVertCh" val="mid"/>
+                <dgm:param type="parTxLTRAlign" val="l"/>
+                <dgm:param type="shpTxLTRAlignCh" val="l"/>
+                <dgm:param type="parTxRTLAlign" val="r"/>
+                <dgm:param type="shpTxRTLAlignCh" val="r"/>
+                <dgm:param type="stBulletLvl" val="0"/>
+              </dgm:alg>
+              <dgm:shape xmlns:r="http://schemas.openxmlformats.org/officeDocument/2006/relationships" type="rect" r:blip="">
+                <dgm:adjLst/>
+              </dgm:shape>
+              <dgm:presOf axis="des" ptType="node"/>
+              <dgm:constrLst>
+                <dgm:constr type="primFontSz" val="18"/>
+                <dgm:constr type="secFontSz" refType="primFontSz"/>
+                <dgm:constr type="lMarg" refType="h" fact="0.3"/>
+                <dgm:constr type="rMarg" refType="h" fact="0.3"/>
+                <dgm:constr type="tMarg" refType="h" fact="0.3"/>
+                <dgm:constr type="bMarg" refType="h" fact="0.3"/>
+              </dgm:constrLst>
+              <dgm:ruleLst>
+                <dgm:rule type="primFontSz" val="11" fact="NaN" max="NaN"/>
+              </dgm:ruleLst>
+            </dgm:layoutNode>
+          </dgm:if>
+          <dgm:else name="Name14"/>
+        </dgm:choose>
+      </dgm:layoutNode>
+      <dgm:forEach name="Name15" axis="followSib" ptType="sibTrans" cnt="1">
+        <dgm:layoutNode name="sibTrans">
+          <dgm:alg type="sp"/>
+          <dgm:shape xmlns:r="http://schemas.openxmlformats.org/officeDocument/2006/relationships" r:blip="">
+            <dgm:adjLst/>
+          </dgm:shape>
+          <dgm:presOf axis="self"/>
+          <dgm:constrLst/>
+          <dgm:ruleLst/>
+        </dgm:layoutNode>
+      </dgm:forEach>
+    </dgm:forEach>
+  </dgm:layoutNode>
+  <dgm:extLst>
+    <a:ext uri="{68A01E43-0DF5-4B5B-8FA6-DAF915123BFB}">
+      <dgm1612:lstStyle xmlns:dgm1612="http://schemas.microsoft.com/office/drawing/2016/12/diagram">
+        <a:lvl1pPr>
+          <a:lnSpc>
+            <a:spcPct val="100000"/>
+          </a:lnSpc>
+        </a:lvl1pPr>
+        <a:lvl2pPr>
+          <a:lnSpc>
+            <a:spcPct val="100000"/>
+          </a:lnSpc>
+        </a:lvl2pPr>
+      </dgm1612:lstStyle>
+    </a:ext>
+  </dgm:extLst>
+</dgm:layoutDef>
+</file>
+
+<file path=ppt/diagrams/quickStyle1.xml><?xml version="1.0" encoding="utf-8"?>
+<dgm:styleDef xmlns:dgm="http://schemas.openxmlformats.org/drawingml/2006/diagram" xmlns:a="http://schemas.openxmlformats.org/drawingml/2006/main" uniqueId="urn:microsoft.com/office/officeart/2005/8/quickstyle/simple1">
+  <dgm:title val=""/>
+  <dgm:desc val=""/>
+  <dgm:catLst>
+    <dgm:cat type="simple" pri="10100"/>
+  </dgm:catLst>
+  <dgm:scene3d>
+    <a:camera prst="orthographicFront"/>
+    <a:lightRig rig="threePt" dir="t"/>
+  </dgm:scene3d>
+  <dgm:styleLbl name="node0">
+    <dgm:scene3d>
+      <a:camera prst="orthographicFront"/>
+      <a:lightRig rig="threePt" dir="t"/>
+    </dgm:scene3d>
+    <dgm:sp3d/>
+    <dgm:txPr/>
+    <dgm:style>
+      <a:lnRef idx="2">
+        <a:scrgbClr r="0" g="0" b="0"/>
+      </a:lnRef>
+      <a:fillRef idx="1">
+        <a:scrgbClr r="0" g="0" b="0"/>
+      </a:fillRef>
+      <a:effectRef idx="0">
+        <a:scrgbClr r="0" g="0" b="0"/>
+      </a:effectRef>
+      <a:fontRef idx="minor">
+        <a:schemeClr val="lt1"/>
+      </a:fontRef>
+    </dgm:style>
+  </dgm:styleLbl>
+  <dgm:styleLbl name="lnNode1">
+    <dgm:scene3d>
+      <a:camera prst="orthographicFront"/>
+      <a:lightRig rig="threePt" dir="t"/>
+    </dgm:scene3d>
+    <dgm:sp3d/>
+    <dgm:txPr/>
+    <dgm:style>
+      <a:lnRef idx="2">
+        <a:scrgbClr r="0" g="0" b="0"/>
+      </a:lnRef>
+      <a:fillRef idx="1">
+        <a:scrgbClr r="0" g="0" b="0"/>
+      </a:fillRef>
+      <a:effectRef idx="0">
+        <a:scrgbClr r="0" g="0" b="0"/>
+      </a:effectRef>
+      <a:fontRef idx="minor">
+        <a:schemeClr val="lt1"/>
+      </a:fontRef>
+    </dgm:style>
+  </dgm:styleLbl>
+  <dgm:styleLbl name="vennNode1">
+    <dgm:scene3d>
+      <a:camera prst="orthographicFront"/>
+      <a:lightRig rig="threePt" dir="t"/>
+    </dgm:scene3d>
+    <dgm:sp3d/>
+    <dgm:txPr/>
+    <dgm:style>
+      <a:lnRef idx="2">
+        <a:scrgbClr r="0" g="0" b="0"/>
+      </a:lnRef>
+      <a:fillRef idx="1">
+        <a:scrgbClr r="0" g="0" b="0"/>
+      </a:fillRef>
+      <a:effectRef idx="0">
+        <a:scrgbClr r="0" g="0" b="0"/>
+      </a:effectRef>
+      <a:fontRef idx="minor">
+        <a:schemeClr val="tx1"/>
+      </a:fontRef>
+    </dgm:style>
+  </dgm:styleLbl>
+  <dgm:styleLbl name="alignNode1">
+    <dgm:scene3d>
+      <a:camera prst="orthographicFront"/>
+      <a:lightRig rig="threePt" dir="t"/>
+    </dgm:scene3d>
+    <dgm:sp3d/>
+    <dgm:txPr/>
+    <dgm:style>
+      <a:lnRef idx="2">
+        <a:scrgbClr r="0" g="0" b="0"/>
+      </a:lnRef>
+      <a:fillRef idx="1">
+        <a:scrgbClr r="0" g="0" b="0"/>
+      </a:fillRef>
+      <a:effectRef idx="0">
+        <a:scrgbClr r="0" g="0" b="0"/>
+      </a:effectRef>
+      <a:fontRef idx="minor">
+        <a:schemeClr val="lt1"/>
+      </a:fontRef>
+    </dgm:style>
+  </dgm:styleLbl>
+  <dgm:styleLbl name="node1">
+    <dgm:scene3d>
+      <a:camera prst="orthographicFront"/>
+      <a:lightRig rig="threePt" dir="t"/>
+    </dgm:scene3d>
+    <dgm:sp3d/>
+    <dgm:txPr/>
+    <dgm:style>
+      <a:lnRef idx="2">
+        <a:scrgbClr r="0" g="0" b="0"/>
+      </a:lnRef>
+      <a:fillRef idx="1">
+        <a:scrgbClr r="0" g="0" b="0"/>
+      </a:fillRef>
+      <a:effectRef idx="0">
+        <a:scrgbClr r="0" g="0" b="0"/>
+      </a:effectRef>
+      <a:fontRef idx="minor">
+        <a:schemeClr val="lt1"/>
+      </a:fontRef>
+    </dgm:style>
+  </dgm:styleLbl>
+  <dgm:styleLbl name="node2">
+    <dgm:scene3d>
+      <a:camera prst="orthographicFront"/>
+      <a:lightRig rig="threePt" dir="t"/>
+    </dgm:scene3d>
+    <dgm:sp3d/>
+    <dgm:txPr/>
+    <dgm:style>
+      <a:lnRef idx="2">
+        <a:scrgbClr r="0" g="0" b="0"/>
+      </a:lnRef>
+      <a:fillRef idx="1">
+        <a:scrgbClr r="0" g="0" b="0"/>
+      </a:fillRef>
+      <a:effectRef idx="0">
+        <a:scrgbClr r="0" g="0" b="0"/>
+      </a:effectRef>
+      <a:fontRef idx="minor">
+        <a:schemeClr val="lt1"/>
+      </a:fontRef>
+    </dgm:style>
+  </dgm:styleLbl>
+  <dgm:styleLbl name="node3">
+    <dgm:scene3d>
+      <a:camera prst="orthographicFront"/>
+      <a:lightRig rig="threePt" dir="t"/>
+    </dgm:scene3d>
+    <dgm:sp3d/>
+    <dgm:txPr/>
+    <dgm:style>
+      <a:lnRef idx="2">
+        <a:scrgbClr r="0" g="0" b="0"/>
+      </a:lnRef>
+      <a:fillRef idx="1">
+        <a:scrgbClr r="0" g="0" b="0"/>
+      </a:fillRef>
+      <a:effectRef idx="0">
+        <a:scrgbClr r="0" g="0" b="0"/>
+      </a:effectRef>
+      <a:fontRef idx="minor">
+        <a:schemeClr val="lt1"/>
+      </a:fontRef>
+    </dgm:style>
+  </dgm:styleLbl>
+  <dgm:styleLbl name="node4">
+    <dgm:scene3d>
+      <a:camera prst="orthographicFront"/>
+      <a:lightRig rig="threePt" dir="t"/>
+    </dgm:scene3d>
+    <dgm:sp3d/>
+    <dgm:txPr/>
+    <dgm:style>
+      <a:lnRef idx="2">
+        <a:scrgbClr r="0" g="0" b="0"/>
+      </a:lnRef>
+      <a:fillRef idx="1">
+        <a:scrgbClr r="0" g="0" b="0"/>
+      </a:fillRef>
+      <a:effectRef idx="0">
+        <a:scrgbClr r="0" g="0" b="0"/>
+      </a:effectRef>
+      <a:fontRef idx="minor">
+        <a:schemeClr val="lt1"/>
+      </a:fontRef>
+    </dgm:style>
+  </dgm:styleLbl>
+  <dgm:styleLbl name="fgImgPlace1">
+    <dgm:scene3d>
+      <a:camera prst="orthographicFront"/>
+      <a:lightRig rig="threePt" dir="t"/>
+    </dgm:scene3d>
+    <dgm:sp3d/>
+    <dgm:txPr/>
+    <dgm:style>
+      <a:lnRef idx="2">
+        <a:scrgbClr r="0" g="0" b="0"/>
+      </a:lnRef>
+      <a:fillRef idx="1">
+        <a:scrgbClr r="0" g="0" b="0"/>
+      </a:fillRef>
+      <a:effectRef idx="0">
+        <a:scrgbClr r="0" g="0" b="0"/>
+      </a:effectRef>
+      <a:fontRef idx="minor"/>
+    </dgm:style>
+  </dgm:styleLbl>
+  <dgm:styleLbl name="alignImgPlace1">
+    <dgm:scene3d>
+      <a:camera prst="orthographicFront"/>
+      <a:lightRig rig="threePt" dir="t"/>
+    </dgm:scene3d>
+    <dgm:sp3d/>
+    <dgm:txPr/>
+    <dgm:style>
+      <a:lnRef idx="2">
+        <a:scrgbClr r="0" g="0" b="0"/>
+      </a:lnRef>
+      <a:fillRef idx="1">
+        <a:scrgbClr r="0" g="0" b="0"/>
+      </a:fillRef>
+      <a:effectRef idx="0">
+        <a:scrgbClr r="0" g="0" b="0"/>
+      </a:effectRef>
+      <a:fontRef idx="minor"/>
+    </dgm:style>
+  </dgm:styleLbl>
+  <dgm:styleLbl name="bgImgPlace1">
+    <dgm:scene3d>
+      <a:camera prst="orthographicFront"/>
+      <a:lightRig rig="threePt" dir="t"/>
+    </dgm:scene3d>
+    <dgm:sp3d/>
+    <dgm:txPr/>
+    <dgm:style>
+      <a:lnRef idx="2">
+        <a:scrgbClr r="0" g="0" b="0"/>
+      </a:lnRef>
+      <a:fillRef idx="1">
+        <a:scrgbClr r="0" g="0" b="0"/>
+      </a:fillRef>
+      <a:effectRef idx="0">
+        <a:scrgbClr r="0" g="0" b="0"/>
+      </a:effectRef>
+      <a:fontRef idx="minor"/>
+    </dgm:style>
+  </dgm:styleLbl>
+  <dgm:styleLbl name="sibTrans2D1">
+    <dgm:scene3d>
+      <a:camera prst="orthographicFront"/>
+      <a:lightRig rig="threePt" dir="t"/>
+    </dgm:scene3d>
+    <dgm:sp3d/>
+    <dgm:txPr/>
+    <dgm:style>
+      <a:lnRef idx="0">
+        <a:scrgbClr r="0" g="0" b="0"/>
+      </a:lnRef>
+      <a:fillRef idx="1">
+        <a:scrgbClr r="0" g="0" b="0"/>
+      </a:fillRef>
+      <a:effectRef idx="0">
+        <a:scrgbClr r="0" g="0" b="0"/>
+      </a:effectRef>
+      <a:fontRef idx="minor">
+        <a:schemeClr val="lt1"/>
+      </a:fontRef>
+    </dgm:style>
+  </dgm:styleLbl>
+  <dgm:styleLbl name="fgSibTrans2D1">
+    <dgm:scene3d>
+      <a:camera prst="orthographicFront"/>
+      <a:lightRig rig="threePt" dir="t"/>
+    </dgm:scene3d>
+    <dgm:sp3d/>
+    <dgm:txPr/>
+    <dgm:style>
+      <a:lnRef idx="0">
+        <a:scrgbClr r="0" g="0" b="0"/>
+      </a:lnRef>
+      <a:fillRef idx="1">
+        <a:scrgbClr r="0" g="0" b="0"/>
+      </a:fillRef>
+      <a:effectRef idx="0">
+        <a:scrgbClr r="0" g="0" b="0"/>
+      </a:effectRef>
+      <a:fontRef idx="minor">
+        <a:schemeClr val="lt1"/>
+      </a:fontRef>
+    </dgm:style>
+  </dgm:styleLbl>
+  <dgm:styleLbl name="bgSibTrans2D1">
+    <dgm:scene3d>
+      <a:camera prst="orthographicFront"/>
+      <a:lightRig rig="threePt" dir="t"/>
+    </dgm:scene3d>
+    <dgm:sp3d/>
+    <dgm:txPr/>
+    <dgm:style>
+      <a:lnRef idx="0">
+        <a:scrgbClr r="0" g="0" b="0"/>
+      </a:lnRef>
+      <a:fillRef idx="1">
+        <a:scrgbClr r="0" g="0" b="0"/>
+      </a:fillRef>
+      <a:effectRef idx="0">
+        <a:scrgbClr r="0" g="0" b="0"/>
+      </a:effectRef>
+      <a:fontRef idx="minor">
+        <a:schemeClr val="lt1"/>
+      </a:fontRef>
+    </dgm:style>
+  </dgm:styleLbl>
+  <dgm:styleLbl name="sibTrans1D1">
+    <dgm:scene3d>
+      <a:camera prst="orthographicFront"/>
+      <a:lightRig rig="threePt" dir="t"/>
+    </dgm:scene3d>
+    <dgm:sp3d/>
+    <dgm:txPr/>
+    <dgm:style>
+      <a:lnRef idx="1">
+        <a:scrgbClr r="0" g="0" b="0"/>
+      </a:lnRef>
+      <a:fillRef idx="0">
+        <a:scrgbClr r="0" g="0" b="0"/>
+      </a:fillRef>
+      <a:effectRef idx="0">
+        <a:scrgbClr r="0" g="0" b="0"/>
+      </a:effectRef>
+      <a:fontRef idx="minor"/>
+    </dgm:style>
+  </dgm:styleLbl>
+  <dgm:styleLbl name="callout">
+    <dgm:scene3d>
+      <a:camera prst="orthographicFront"/>
+      <a:lightRig rig="threePt" dir="t"/>
+    </dgm:scene3d>
+    <dgm:sp3d/>
+    <dgm:txPr/>
+    <dgm:style>
+      <a:lnRef idx="2">
+        <a:scrgbClr r="0" g="0" b="0"/>
+      </a:lnRef>
+      <a:fillRef idx="1">
+        <a:scrgbClr r="0" g="0" b="0"/>
+      </a:fillRef>
+      <a:effectRef idx="0">
+        <a:scrgbClr r="0" g="0" b="0"/>
+      </a:effectRef>
+      <a:fontRef idx="minor"/>
+    </dgm:style>
+  </dgm:styleLbl>
+  <dgm:styleLbl name="asst0">
+    <dgm:scene3d>
+      <a:camera prst="orthographicFront"/>
+      <a:lightRig rig="threePt" dir="t"/>
+    </dgm:scene3d>
+    <dgm:sp3d/>
+    <dgm:txPr/>
+    <dgm:style>
+      <a:lnRef idx="2">
+        <a:scrgbClr r="0" g="0" b="0"/>
+      </a:lnRef>
+      <a:fillRef idx="1">
+        <a:scrgbClr r="0" g="0" b="0"/>
+      </a:fillRef>
+      <a:effectRef idx="0">
+        <a:scrgbClr r="0" g="0" b="0"/>
+      </a:effectRef>
+      <a:fontRef idx="minor">
+        <a:schemeClr val="lt1"/>
+      </a:fontRef>
+    </dgm:style>
+  </dgm:styleLbl>
+  <dgm:styleLbl name="asst1">
+    <dgm:scene3d>
+      <a:camera prst="orthographicFront"/>
+      <a:lightRig rig="threePt" dir="t"/>
+    </dgm:scene3d>
+    <dgm:sp3d/>
+    <dgm:txPr/>
+    <dgm:style>
+      <a:lnRef idx="2">
+        <a:scrgbClr r="0" g="0" b="0"/>
+      </a:lnRef>
+      <a:fillRef idx="1">
+        <a:scrgbClr r="0" g="0" b="0"/>
+      </a:fillRef>
+      <a:effectRef idx="0">
+        <a:scrgbClr r="0" g="0" b="0"/>
+      </a:effectRef>
+      <a:fontRef idx="minor">
+        <a:schemeClr val="lt1"/>
+      </a:fontRef>
+    </dgm:style>
+  </dgm:styleLbl>
+  <dgm:styleLbl name="asst2">
+    <dgm:scene3d>
+      <a:camera prst="orthographicFront"/>
+      <a:lightRig rig="threePt" dir="t"/>
+    </dgm:scene3d>
+    <dgm:sp3d/>
+    <dgm:txPr/>
+    <dgm:style>
+      <a:lnRef idx="2">
+        <a:scrgbClr r="0" g="0" b="0"/>
+      </a:lnRef>
+      <a:fillRef idx="1">
+        <a:scrgbClr r="0" g="0" b="0"/>
+      </a:fillRef>
+      <a:effectRef idx="0">
+        <a:scrgbClr r="0" g="0" b="0"/>
+      </a:effectRef>
+      <a:fontRef idx="minor">
+        <a:schemeClr val="lt1"/>
+      </a:fontRef>
+    </dgm:style>
+  </dgm:styleLbl>
+  <dgm:styleLbl name="asst3">
+    <dgm:scene3d>
+      <a:camera prst="orthographicFront"/>
+      <a:lightRig rig="threePt" dir="t"/>
+    </dgm:scene3d>
+    <dgm:sp3d/>
+    <dgm:txPr/>
+    <dgm:style>
+      <a:lnRef idx="2">
+        <a:scrgbClr r="0" g="0" b="0"/>
+      </a:lnRef>
+      <a:fillRef idx="1">
+        <a:scrgbClr r="0" g="0" b="0"/>
+      </a:fillRef>
+      <a:effectRef idx="0">
+        <a:scrgbClr r="0" g="0" b="0"/>
+      </a:effectRef>
+      <a:fontRef idx="minor">
+        <a:schemeClr val="lt1"/>
+      </a:fontRef>
+    </dgm:style>
+  </dgm:styleLbl>
+  <dgm:styleLbl name="asst4">
+    <dgm:scene3d>
+      <a:camera prst="orthographicFront"/>
+      <a:lightRig rig="threePt" dir="t"/>
+    </dgm:scene3d>
+    <dgm:sp3d/>
+    <dgm:txPr/>
+    <dgm:style>
+      <a:lnRef idx="2">
+        <a:scrgbClr r="0" g="0" b="0"/>
+      </a:lnRef>
+      <a:fillRef idx="1">
+        <a:scrgbClr r="0" g="0" b="0"/>
+      </a:fillRef>
+      <a:effectRef idx="0">
+        <a:scrgbClr r="0" g="0" b="0"/>
+      </a:effectRef>
+      <a:fontRef idx="minor">
+        <a:schemeClr val="lt1"/>
+      </a:fontRef>
+    </dgm:style>
+  </dgm:styleLbl>
+  <dgm:styleLbl name="parChTrans2D1">
+    <dgm:scene3d>
+      <a:camera prst="orthographicFront"/>
+      <a:lightRig rig="threePt" dir="t"/>
+    </dgm:scene3d>
+    <dgm:sp3d/>
+    <dgm:txPr/>
+    <dgm:style>
+      <a:lnRef idx="2">
+        <a:scrgbClr r="0" g="0" b="0"/>
+      </a:lnRef>
+      <a:fillRef idx="1">
+        <a:scrgbClr r="0" g="0" b="0"/>
+      </a:fillRef>
+      <a:effectRef idx="0">
+        <a:scrgbClr r="0" g="0" b="0"/>
+      </a:effectRef>
+      <a:fontRef idx="minor">
+        <a:schemeClr val="lt1"/>
+      </a:fontRef>
+    </dgm:style>
+  </dgm:styleLbl>
+  <dgm:styleLbl name="parChTrans2D2">
+    <dgm:scene3d>
+      <a:camera prst="orthographicFront"/>
+      <a:lightRig rig="threePt" dir="t"/>
+    </dgm:scene3d>
+    <dgm:sp3d/>
+    <dgm:txPr/>
+    <dgm:style>
+      <a:lnRef idx="2">
+        <a:scrgbClr r="0" g="0" b="0"/>
+      </a:lnRef>
+      <a:fillRef idx="1">
+        <a:scrgbClr r="0" g="0" b="0"/>
+      </a:fillRef>
+      <a:effectRef idx="0">
+        <a:scrgbClr r="0" g="0" b="0"/>
+      </a:effectRef>
+      <a:fontRef idx="minor">
+        <a:schemeClr val="lt1"/>
+      </a:fontRef>
+    </dgm:style>
+  </dgm:styleLbl>
+  <dgm:styleLbl name="parChTrans2D3">
+    <dgm:scene3d>
+      <a:camera prst="orthographicFront"/>
+      <a:lightRig rig="threePt" dir="t"/>
+    </dgm:scene3d>
+    <dgm:sp3d/>
+    <dgm:txPr/>
+    <dgm:style>
+      <a:lnRef idx="2">
+        <a:scrgbClr r="0" g="0" b="0"/>
+      </a:lnRef>
+      <a:fillRef idx="1">
+        <a:scrgbClr r="0" g="0" b="0"/>
+      </a:fillRef>
+      <a:effectRef idx="0">
+        <a:scrgbClr r="0" g="0" b="0"/>
+      </a:effectRef>
+      <a:fontRef idx="minor">
+        <a:schemeClr val="lt1"/>
+      </a:fontRef>
+    </dgm:style>
+  </dgm:styleLbl>
+  <dgm:styleLbl name="parChTrans2D4">
+    <dgm:scene3d>
+      <a:camera prst="orthographicFront"/>
+      <a:lightRig rig="threePt" dir="t"/>
+    </dgm:scene3d>
+    <dgm:sp3d/>
+    <dgm:txPr/>
+    <dgm:style>
+      <a:lnRef idx="2">
+        <a:scrgbClr r="0" g="0" b="0"/>
+      </a:lnRef>
+      <a:fillRef idx="1">
+        <a:scrgbClr r="0" g="0" b="0"/>
+      </a:fillRef>
+      <a:effectRef idx="0">
+        <a:scrgbClr r="0" g="0" b="0"/>
+      </a:effectRef>
+      <a:fontRef idx="minor">
+        <a:schemeClr val="lt1"/>
+      </a:fontRef>
+    </dgm:style>
+  </dgm:styleLbl>
+  <dgm:styleLbl name="parChTrans1D1">
+    <dgm:scene3d>
+      <a:camera prst="orthographicFront"/>
+      <a:lightRig rig="threePt" dir="t"/>
+    </dgm:scene3d>
+    <dgm:sp3d/>
+    <dgm:txPr/>
+    <dgm:style>
+      <a:lnRef idx="2">
+        <a:scrgbClr r="0" g="0" b="0"/>
+      </a:lnRef>
+      <a:fillRef idx="0">
+        <a:scrgbClr r="0" g="0" b="0"/>
+      </a:fillRef>
+      <a:effectRef idx="0">
+        <a:scrgbClr r="0" g="0" b="0"/>
+      </a:effectRef>
+      <a:fontRef idx="minor"/>
+    </dgm:style>
+  </dgm:styleLbl>
+  <dgm:styleLbl name="parChTrans1D2">
+    <dgm:scene3d>
+      <a:camera prst="orthographicFront"/>
+      <a:lightRig rig="threePt" dir="t"/>
+    </dgm:scene3d>
+    <dgm:sp3d/>
+    <dgm:txPr/>
+    <dgm:style>
+      <a:lnRef idx="2">
+        <a:scrgbClr r="0" g="0" b="0"/>
+      </a:lnRef>
+      <a:fillRef idx="0">
+        <a:scrgbClr r="0" g="0" b="0"/>
+      </a:fillRef>
+      <a:effectRef idx="0">
+        <a:scrgbClr r="0" g="0" b="0"/>
+      </a:effectRef>
+      <a:fontRef idx="minor"/>
+    </dgm:style>
+  </dgm:styleLbl>
+  <dgm:styleLbl name="parChTrans1D3">
+    <dgm:scene3d>
+      <a:camera prst="orthographicFront"/>
+      <a:lightRig rig="threePt" dir="t"/>
+    </dgm:scene3d>
+    <dgm:sp3d/>
+    <dgm:txPr/>
+    <dgm:style>
+      <a:lnRef idx="2">
+        <a:scrgbClr r="0" g="0" b="0"/>
+      </a:lnRef>
+      <a:fillRef idx="0">
+        <a:scrgbClr r="0" g="0" b="0"/>
+      </a:fillRef>
+      <a:effectRef idx="0">
+        <a:scrgbClr r="0" g="0" b="0"/>
+      </a:effectRef>
+      <a:fontRef idx="minor"/>
+    </dgm:style>
+  </dgm:styleLbl>
+  <dgm:styleLbl name="parChTrans1D4">
+    <dgm:scene3d>
+      <a:camera prst="orthographicFront"/>
+      <a:lightRig rig="threePt" dir="t"/>
+    </dgm:scene3d>
+    <dgm:sp3d/>
+    <dgm:txPr/>
+    <dgm:style>
+      <a:lnRef idx="2">
+        <a:scrgbClr r="0" g="0" b="0"/>
+      </a:lnRef>
+      <a:fillRef idx="0">
+        <a:scrgbClr r="0" g="0" b="0"/>
+      </a:fillRef>
+      <a:effectRef idx="0">
+        <a:scrgbClr r="0" g="0" b="0"/>
+      </a:effectRef>
+      <a:fontRef idx="minor"/>
+    </dgm:style>
+  </dgm:styleLbl>
+  <dgm:styleLbl name="fgAcc1">
+    <dgm:scene3d>
+      <a:camera prst="orthographicFront"/>
+      <a:lightRig rig="threePt" dir="t"/>
+    </dgm:scene3d>
+    <dgm:sp3d/>
+    <dgm:txPr/>
+    <dgm:style>
+      <a:lnRef idx="2">
+        <a:scrgbClr r="0" g="0" b="0"/>
+      </a:lnRef>
+      <a:fillRef idx="1">
+        <a:scrgbClr r="0" g="0" b="0"/>
+      </a:fillRef>
+      <a:effectRef idx="0">
+        <a:scrgbClr r="0" g="0" b="0"/>
+      </a:effectRef>
+      <a:fontRef idx="minor"/>
+    </dgm:style>
+  </dgm:styleLbl>
+  <dgm:styleLbl name="conFgAcc1">
+    <dgm:scene3d>
+      <a:camera prst="orthographicFront"/>
+      <a:lightRig rig="threePt" dir="t"/>
+    </dgm:scene3d>
+    <dgm:sp3d/>
+    <dgm:txPr/>
+    <dgm:style>
+      <a:lnRef idx="2">
+        <a:scrgbClr r="0" g="0" b="0"/>
+      </a:lnRef>
+      <a:fillRef idx="1">
+        <a:scrgbClr r="0" g="0" b="0"/>
+      </a:fillRef>
+      <a:effectRef idx="0">
+        <a:scrgbClr r="0" g="0" b="0"/>
+      </a:effectRef>
+      <a:fontRef idx="minor"/>
+    </dgm:style>
+  </dgm:styleLbl>
+  <dgm:styleLbl name="alignAcc1">
+    <dgm:scene3d>
+      <a:camera prst="orthographicFront"/>
+      <a:lightRig rig="threePt" dir="t"/>
+    </dgm:scene3d>
+    <dgm:sp3d/>
+    <dgm:txPr/>
+    <dgm:style>
+      <a:lnRef idx="2">
+        <a:scrgbClr r="0" g="0" b="0"/>
+      </a:lnRef>
+      <a:fillRef idx="1">
+        <a:scrgbClr r="0" g="0" b="0"/>
+      </a:fillRef>
+      <a:effectRef idx="0">
+        <a:scrgbClr r="0" g="0" b="0"/>
+      </a:effectRef>
+      <a:fontRef idx="minor"/>
+    </dgm:style>
+  </dgm:styleLbl>
+  <dgm:styleLbl name="trAlignAcc1">
+    <dgm:scene3d>
+      <a:camera prst="orthographicFront"/>
+      <a:lightRig rig="threePt" dir="t"/>
+    </dgm:scene3d>
+    <dgm:sp3d/>
+    <dgm:txPr/>
+    <dgm:style>
+      <a:lnRef idx="1">
+        <a:scrgbClr r="0" g="0" b="0"/>
+      </a:lnRef>
+      <a:fillRef idx="1">
+        <a:scrgbClr r="0" g="0" b="0"/>
+      </a:fillRef>
+      <a:effectRef idx="0">
+        <a:scrgbClr r="0" g="0" b="0"/>
+      </a:effectRef>
+      <a:fontRef idx="minor"/>
+    </dgm:style>
+  </dgm:styleLbl>
+  <dgm:styleLbl name="bgAcc1">
+    <dgm:scene3d>
+      <a:camera prst="orthographicFront"/>
+      <a:lightRig rig="threePt" dir="t"/>
+    </dgm:scene3d>
+    <dgm:sp3d/>
+    <dgm:txPr/>
+    <dgm:style>
+      <a:lnRef idx="2">
+        <a:scrgbClr r="0" g="0" b="0"/>
+      </a:lnRef>
+      <a:fillRef idx="1">
+        <a:scrgbClr r="0" g="0" b="0"/>
+      </a:fillRef>
+      <a:effectRef idx="0">
+        <a:scrgbClr r="0" g="0" b="0"/>
+      </a:effectRef>
+      <a:fontRef idx="minor"/>
+    </dgm:style>
+  </dgm:styleLbl>
+  <dgm:styleLbl name="solidFgAcc1">
+    <dgm:scene3d>
+      <a:camera prst="orthographicFront"/>
+      <a:lightRig rig="threePt" dir="t"/>
+    </dgm:scene3d>
+    <dgm:sp3d/>
+    <dgm:txPr/>
+    <dgm:style>
+      <a:lnRef idx="2">
+        <a:scrgbClr r="0" g="0" b="0"/>
+      </a:lnRef>
+      <a:fillRef idx="1">
+        <a:scrgbClr r="0" g="0" b="0"/>
+      </a:fillRef>
+      <a:effectRef idx="0">
+        <a:scrgbClr r="0" g="0" b="0"/>
+      </a:effectRef>
+      <a:fontRef idx="minor"/>
+    </dgm:style>
+  </dgm:styleLbl>
+  <dgm:styleLbl name="solidAlignAcc1">
+    <dgm:scene3d>
+      <a:camera prst="orthographicFront"/>
+      <a:lightRig rig="threePt" dir="t"/>
+    </dgm:scene3d>
+    <dgm:sp3d/>
+    <dgm:txPr/>
+    <dgm:style>
+      <a:lnRef idx="2">
+        <a:scrgbClr r="0" g="0" b="0"/>
+      </a:lnRef>
+      <a:fillRef idx="1">
+        <a:scrgbClr r="0" g="0" b="0"/>
+      </a:fillRef>
+      <a:effectRef idx="0">
+        <a:scrgbClr r="0" g="0" b="0"/>
+      </a:effectRef>
+      <a:fontRef idx="minor"/>
+    </dgm:style>
+  </dgm:styleLbl>
+  <dgm:styleLbl name="solidBgAcc1">
+    <dgm:scene3d>
+      <a:camera prst="orthographicFront"/>
+      <a:lightRig rig="threePt" dir="t"/>
+    </dgm:scene3d>
+    <dgm:sp3d/>
+    <dgm:txPr/>
+    <dgm:style>
+      <a:lnRef idx="2">
+        <a:scrgbClr r="0" g="0" b="0"/>
+      </a:lnRef>
+      <a:fillRef idx="1">
+        <a:scrgbClr r="0" g="0" b="0"/>
+      </a:fillRef>
+      <a:effectRef idx="0">
+        <a:scrgbClr r="0" g="0" b="0"/>
+      </a:effectRef>
+      <a:fontRef idx="minor"/>
+    </dgm:style>
+  </dgm:styleLbl>
+  <dgm:styleLbl name="fgAccFollowNode1">
+    <dgm:scene3d>
+      <a:camera prst="orthographicFront"/>
+      <a:lightRig rig="threePt" dir="t"/>
+    </dgm:scene3d>
+    <dgm:sp3d/>
+    <dgm:txPr/>
+    <dgm:style>
+      <a:lnRef idx="2">
+        <a:scrgbClr r="0" g="0" b="0"/>
+      </a:lnRef>
+      <a:fillRef idx="1">
+        <a:scrgbClr r="0" g="0" b="0"/>
+      </a:fillRef>
+      <a:effectRef idx="0">
+        <a:scrgbClr r="0" g="0" b="0"/>
+      </a:effectRef>
+      <a:fontRef idx="minor"/>
+    </dgm:style>
+  </dgm:styleLbl>
+  <dgm:styleLbl name="alignAccFollowNode1">
+    <dgm:scene3d>
+      <a:camera prst="orthographicFront"/>
+      <a:lightRig rig="threePt" dir="t"/>
+    </dgm:scene3d>
+    <dgm:sp3d/>
+    <dgm:txPr/>
+    <dgm:style>
+      <a:lnRef idx="2">
+        <a:scrgbClr r="0" g="0" b="0"/>
+      </a:lnRef>
+      <a:fillRef idx="1">
+        <a:scrgbClr r="0" g="0" b="0"/>
+      </a:fillRef>
+      <a:effectRef idx="0">
+        <a:scrgbClr r="0" g="0" b="0"/>
+      </a:effectRef>
+      <a:fontRef idx="minor"/>
+    </dgm:style>
+  </dgm:styleLbl>
+  <dgm:styleLbl name="bgAccFollowNode1">
+    <dgm:scene3d>
+      <a:camera prst="orthographicFront"/>
+      <a:lightRig rig="threePt" dir="t"/>
+    </dgm:scene3d>
+    <dgm:sp3d/>
+    <dgm:txPr/>
+    <dgm:style>
+      <a:lnRef idx="2">
+        <a:scrgbClr r="0" g="0" b="0"/>
+      </a:lnRef>
+      <a:fillRef idx="1">
+        <a:scrgbClr r="0" g="0" b="0"/>
+      </a:fillRef>
+      <a:effectRef idx="0">
+        <a:scrgbClr r="0" g="0" b="0"/>
+      </a:effectRef>
+      <a:fontRef idx="minor"/>
+    </dgm:style>
+  </dgm:styleLbl>
+  <dgm:styleLbl name="fgAcc0">
+    <dgm:scene3d>
+      <a:camera prst="orthographicFront"/>
+      <a:lightRig rig="threePt" dir="t"/>
+    </dgm:scene3d>
+    <dgm:sp3d/>
+    <dgm:txPr/>
+    <dgm:style>
+      <a:lnRef idx="2">
+        <a:scrgbClr r="0" g="0" b="0"/>
+      </a:lnRef>
+      <a:fillRef idx="1">
+        <a:scrgbClr r="0" g="0" b="0"/>
+      </a:fillRef>
+      <a:effectRef idx="0">
+        <a:scrgbClr r="0" g="0" b="0"/>
+      </a:effectRef>
+      <a:fontRef idx="minor"/>
+    </dgm:style>
+  </dgm:styleLbl>
+  <dgm:styleLbl name="fgAcc2">
+    <dgm:scene3d>
+      <a:camera prst="orthographicFront"/>
+      <a:lightRig rig="threePt" dir="t"/>
+    </dgm:scene3d>
+    <dgm:sp3d/>
+    <dgm:txPr/>
+    <dgm:style>
+      <a:lnRef idx="2">
+        <a:scrgbClr r="0" g="0" b="0"/>
+      </a:lnRef>
+      <a:fillRef idx="1">
+        <a:scrgbClr r="0" g="0" b="0"/>
+      </a:fillRef>
+      <a:effectRef idx="0">
+        <a:scrgbClr r="0" g="0" b="0"/>
+      </a:effectRef>
+      <a:fontRef idx="minor"/>
+    </dgm:style>
+  </dgm:styleLbl>
+  <dgm:styleLbl name="fgAcc3">
+    <dgm:scene3d>
+      <a:camera prst="orthographicFront"/>
+      <a:lightRig rig="threePt" dir="t"/>
+    </dgm:scene3d>
+    <dgm:sp3d/>
+    <dgm:txPr/>
+    <dgm:style>
+      <a:lnRef idx="2">
+        <a:scrgbClr r="0" g="0" b="0"/>
+      </a:lnRef>
+      <a:fillRef idx="1">
+        <a:scrgbClr r="0" g="0" b="0"/>
+      </a:fillRef>
+      <a:effectRef idx="0">
+        <a:scrgbClr r="0" g="0" b="0"/>
+      </a:effectRef>
+      <a:fontRef idx="minor"/>
+    </dgm:style>
+  </dgm:styleLbl>
+  <dgm:styleLbl name="fgAcc4">
+    <dgm:scene3d>
+      <a:camera prst="orthographicFront"/>
+      <a:lightRig rig="threePt" dir="t"/>
+    </dgm:scene3d>
+    <dgm:sp3d/>
+    <dgm:txPr/>
+    <dgm:style>
+      <a:lnRef idx="2">
+        <a:scrgbClr r="0" g="0" b="0"/>
+      </a:lnRef>
+      <a:fillRef idx="1">
+        <a:scrgbClr r="0" g="0" b="0"/>
+      </a:fillRef>
+      <a:effectRef idx="0">
+        <a:scrgbClr r="0" g="0" b="0"/>
+      </a:effectRef>
+      <a:fontRef idx="minor"/>
+    </dgm:style>
+  </dgm:styleLbl>
+  <dgm:styleLbl name="bgShp">
+    <dgm:scene3d>
+      <a:camera prst="orthographicFront"/>
+      <a:lightRig rig="threePt" dir="t"/>
+    </dgm:scene3d>
+    <dgm:sp3d/>
+    <dgm:txPr/>
+    <dgm:style>
+      <a:lnRef idx="0">
+        <a:scrgbClr r="0" g="0" b="0"/>
+      </a:lnRef>
+      <a:fillRef idx="1">
+        <a:scrgbClr r="0" g="0" b="0"/>
+      </a:fillRef>
+      <a:effectRef idx="0">
+        <a:scrgbClr r="0" g="0" b="0"/>
+      </a:effectRef>
+      <a:fontRef idx="minor"/>
+    </dgm:style>
+  </dgm:styleLbl>
+  <dgm:styleLbl name="dkBgShp">
+    <dgm:scene3d>
+      <a:camera prst="orthographicFront"/>
+      <a:lightRig rig="threePt" dir="t"/>
+    </dgm:scene3d>
+    <dgm:sp3d/>
+    <dgm:txPr/>
+    <dgm:style>
+      <a:lnRef idx="0">
+        <a:scrgbClr r="0" g="0" b="0"/>
+      </a:lnRef>
+      <a:fillRef idx="1">
+        <a:scrgbClr r="0" g="0" b="0"/>
+      </a:fillRef>
+      <a:effectRef idx="0">
+        <a:scrgbClr r="0" g="0" b="0"/>
+      </a:effectRef>
+      <a:fontRef idx="minor"/>
+    </dgm:style>
+  </dgm:styleLbl>
+  <dgm:styleLbl name="trBgShp">
+    <dgm:scene3d>
+      <a:camera prst="orthographicFront"/>
+      <a:lightRig rig="threePt" dir="t"/>
+    </dgm:scene3d>
+    <dgm:sp3d/>
+    <dgm:txPr/>
+    <dgm:style>
+      <a:lnRef idx="0">
+        <a:scrgbClr r="0" g="0" b="0"/>
+      </a:lnRef>
+      <a:fillRef idx="1">
+        <a:scrgbClr r="0" g="0" b="0"/>
+      </a:fillRef>
+      <a:effectRef idx="0">
+        <a:scrgbClr r="0" g="0" b="0"/>
+      </a:effectRef>
+      <a:fontRef idx="minor"/>
+    </dgm:style>
+  </dgm:styleLbl>
+  <dgm:styleLbl name="fgShp">
+    <dgm:scene3d>
+      <a:camera prst="orthographicFront"/>
+      <a:lightRig rig="threePt" dir="t"/>
+    </dgm:scene3d>
+    <dgm:sp3d/>
+    <dgm:txPr/>
+    <dgm:style>
+      <a:lnRef idx="2">
+        <a:scrgbClr r="0" g="0" b="0"/>
+      </a:lnRef>
+      <a:fillRef idx="1">
+        <a:scrgbClr r="0" g="0" b="0"/>
+      </a:fillRef>
+      <a:effectRef idx="0">
+        <a:scrgbClr r="0" g="0" b="0"/>
+      </a:effectRef>
+      <a:fontRef idx="minor"/>
+    </dgm:style>
+  </dgm:styleLbl>
+  <dgm:styleLbl name="revTx">
+    <dgm:scene3d>
+      <a:camera prst="orthographicFront"/>
+      <a:lightRig rig="threePt" dir="t"/>
+    </dgm:scene3d>
+    <dgm:sp3d/>
+    <dgm:txPr/>
+    <dgm:style>
+      <a:lnRef idx="0">
+        <a:scrgbClr r="0" g="0" b="0"/>
+      </a:lnRef>
+      <a:fillRef idx="0">
+        <a:scrgbClr r="0" g="0" b="0"/>
+      </a:fillRef>
+      <a:effectRef idx="0">
+        <a:scrgbClr r="0" g="0" b="0"/>
+      </a:effectRef>
+      <a:fontRef idx="minor"/>
+    </dgm:style>
+  </dgm:styleLbl>
+</dgm:styleDef>
+</file>
+
 <file path=ppt/notesMasters/notesMaster1.xml><?xml version="1.0" encoding="utf-8"?>
 <p:notesMaster xmlns:a="http://schemas.openxmlformats.org/drawingml/2006/main" xmlns:r="http://schemas.openxmlformats.org/officeDocument/2006/relationships" xmlns:p="http://schemas.openxmlformats.org/presentationml/2006/main">
   <p:cSld>
@@ -202,7 +3029,7 @@
           <a:p>
             <a:fld id="{7D650B36-3F56-4D4A-B2D6-3FDE8F3A4FC2}" type="datetimeFigureOut">
               <a:rPr lang="zh-CN" altLang="en-US" smtClean="0"/>
-              <a:t>2025/10/28</a:t>
+              <a:t>2025/10/30</a:t>
             </a:fld>
             <a:endParaRPr lang="zh-CN" altLang="en-US"/>
           </a:p>
@@ -474,6 +3301,90 @@
   <p:cSld>
     <p:spTree>
       <p:nvGrpSpPr>
+        <p:cNvPr id="1" name=""/>
+        <p:cNvGrpSpPr/>
+        <p:nvPr/>
+      </p:nvGrpSpPr>
+      <p:grpSpPr>
+        <a:xfrm>
+          <a:off x="0" y="0"/>
+          <a:ext cx="0" cy="0"/>
+          <a:chOff x="0" y="0"/>
+          <a:chExt cx="0" cy="0"/>
+        </a:xfrm>
+      </p:grpSpPr>
+      <p:sp>
+        <p:nvSpPr>
+          <p:cNvPr id="2" name="幻灯片图像占位符 1"/>
+          <p:cNvSpPr>
+            <a:spLocks noGrp="1" noRot="1" noChangeAspect="1"/>
+          </p:cNvSpPr>
+          <p:nvPr>
+            <p:ph type="sldImg"/>
+          </p:nvPr>
+        </p:nvSpPr>
+        <p:spPr/>
+      </p:sp>
+      <p:sp>
+        <p:nvSpPr>
+          <p:cNvPr id="3" name="备注占位符 2"/>
+          <p:cNvSpPr>
+            <a:spLocks noGrp="1"/>
+          </p:cNvSpPr>
+          <p:nvPr>
+            <p:ph type="body" idx="1"/>
+          </p:nvPr>
+        </p:nvSpPr>
+        <p:spPr/>
+        <p:txBody>
+          <a:bodyPr/>
+          <a:lstStyle/>
+          <a:p>
+            <a:endParaRPr lang="zh-CN" altLang="en-US" dirty="0"/>
+          </a:p>
+        </p:txBody>
+      </p:sp>
+      <p:sp>
+        <p:nvSpPr>
+          <p:cNvPr id="4" name="灯片编号占位符 3"/>
+          <p:cNvSpPr>
+            <a:spLocks noGrp="1"/>
+          </p:cNvSpPr>
+          <p:nvPr>
+            <p:ph type="sldNum" sz="quarter" idx="5"/>
+          </p:nvPr>
+        </p:nvSpPr>
+        <p:spPr/>
+        <p:txBody>
+          <a:bodyPr/>
+          <a:lstStyle/>
+          <a:p>
+            <a:fld id="{3AB7D7D4-12ED-43BE-91E1-458103252F4F}" type="slidenum">
+              <a:rPr lang="zh-CN" altLang="en-US" smtClean="0"/>
+              <a:t>2</a:t>
+            </a:fld>
+            <a:endParaRPr lang="zh-CN" altLang="en-US"/>
+          </a:p>
+        </p:txBody>
+      </p:sp>
+    </p:spTree>
+    <p:extLst>
+      <p:ext uri="{BB962C8B-B14F-4D97-AF65-F5344CB8AC3E}">
+        <p14:creationId xmlns:p14="http://schemas.microsoft.com/office/powerpoint/2010/main" val="2708207224"/>
+      </p:ext>
+    </p:extLst>
+  </p:cSld>
+  <p:clrMapOvr>
+    <a:masterClrMapping/>
+  </p:clrMapOvr>
+</p:notes>
+</file>
+
+<file path=ppt/notesSlides/notesSlide2.xml><?xml version="1.0" encoding="utf-8"?>
+<p:notes xmlns:a="http://schemas.openxmlformats.org/drawingml/2006/main" xmlns:r="http://schemas.openxmlformats.org/officeDocument/2006/relationships" xmlns:p="http://schemas.openxmlformats.org/presentationml/2006/main">
+  <p:cSld>
+    <p:spTree>
+      <p:nvGrpSpPr>
         <p:cNvPr id="1" name="">
           <a:extLst>
             <a:ext uri="{FF2B5EF4-FFF2-40B4-BE49-F238E27FC236}">
@@ -577,7 +3488,7 @@
 </p:notes>
 </file>
 
-<file path=ppt/notesSlides/notesSlide2.xml><?xml version="1.0" encoding="utf-8"?>
+<file path=ppt/notesSlides/notesSlide3.xml><?xml version="1.0" encoding="utf-8"?>
 <p:notes xmlns:a="http://schemas.openxmlformats.org/drawingml/2006/main" xmlns:r="http://schemas.openxmlformats.org/officeDocument/2006/relationships" xmlns:p="http://schemas.openxmlformats.org/presentationml/2006/main">
   <p:cSld>
     <p:spTree>
@@ -2330,7 +5241,7 @@
           <a:p>
             <a:fld id="{8F72BA41-EC5B-4197-BCC8-0FD2E523CD7A}" type="datetimeFigureOut">
               <a:rPr lang="en-US" smtClean="0"/>
-              <a:t>10/28/2025</a:t>
+              <a:t>10/30/2025</a:t>
             </a:fld>
             <a:endParaRPr lang="en-US"/>
           </a:p>
@@ -2533,7 +5444,7 @@
           <a:p>
             <a:fld id="{8F72BA41-EC5B-4197-BCC8-0FD2E523CD7A}" type="datetimeFigureOut">
               <a:rPr lang="en-US" smtClean="0"/>
-              <a:t>10/28/2025</a:t>
+              <a:t>10/30/2025</a:t>
             </a:fld>
             <a:endParaRPr lang="en-US"/>
           </a:p>
@@ -4254,7 +7165,7 @@
           <a:p>
             <a:fld id="{8F72BA41-EC5B-4197-BCC8-0FD2E523CD7A}" type="datetimeFigureOut">
               <a:rPr lang="en-US" smtClean="0"/>
-              <a:t>10/28/2025</a:t>
+              <a:t>10/30/2025</a:t>
             </a:fld>
             <a:endParaRPr lang="en-US"/>
           </a:p>
@@ -4453,7 +7364,7 @@
           <a:p>
             <a:fld id="{8F72BA41-EC5B-4197-BCC8-0FD2E523CD7A}" type="datetimeFigureOut">
               <a:rPr lang="en-US" smtClean="0"/>
-              <a:t>10/28/2025</a:t>
+              <a:t>10/30/2025</a:t>
             </a:fld>
             <a:endParaRPr lang="en-US"/>
           </a:p>
@@ -6243,7 +9154,7 @@
           <a:p>
             <a:fld id="{8F72BA41-EC5B-4197-BCC8-0FD2E523CD7A}" type="datetimeFigureOut">
               <a:rPr lang="en-US" smtClean="0"/>
-              <a:t>10/28/2025</a:t>
+              <a:t>10/30/2025</a:t>
             </a:fld>
             <a:endParaRPr lang="en-US"/>
           </a:p>
@@ -6516,7 +9427,7 @@
           <a:p>
             <a:fld id="{8F72BA41-EC5B-4197-BCC8-0FD2E523CD7A}" type="datetimeFigureOut">
               <a:rPr lang="en-US" smtClean="0"/>
-              <a:t>10/28/2025</a:t>
+              <a:t>10/30/2025</a:t>
             </a:fld>
             <a:endParaRPr lang="en-US"/>
           </a:p>
@@ -6936,7 +9847,7 @@
           <a:p>
             <a:fld id="{8F72BA41-EC5B-4197-BCC8-0FD2E523CD7A}" type="datetimeFigureOut">
               <a:rPr lang="en-US" smtClean="0"/>
-              <a:t>10/28/2025</a:t>
+              <a:t>10/30/2025</a:t>
             </a:fld>
             <a:endParaRPr lang="en-US"/>
           </a:p>
@@ -7092,7 +10003,7 @@
           <a:p>
             <a:fld id="{8F72BA41-EC5B-4197-BCC8-0FD2E523CD7A}" type="datetimeFigureOut">
               <a:rPr lang="en-US" smtClean="0"/>
-              <a:t>10/28/2025</a:t>
+              <a:t>10/30/2025</a:t>
             </a:fld>
             <a:endParaRPr lang="en-US"/>
           </a:p>
@@ -8660,7 +11571,7 @@
           <a:p>
             <a:fld id="{8F72BA41-EC5B-4197-BCC8-0FD2E523CD7A}" type="datetimeFigureOut">
               <a:rPr lang="en-US" smtClean="0"/>
-              <a:t>10/28/2025</a:t>
+              <a:t>10/30/2025</a:t>
             </a:fld>
             <a:endParaRPr lang="en-US"/>
           </a:p>
@@ -10511,7 +13422,7 @@
           <a:p>
             <a:fld id="{8F72BA41-EC5B-4197-BCC8-0FD2E523CD7A}" type="datetimeFigureOut">
               <a:rPr lang="en-US" smtClean="0"/>
-              <a:t>10/28/2025</a:t>
+              <a:t>10/30/2025</a:t>
             </a:fld>
             <a:endParaRPr lang="en-US"/>
           </a:p>
@@ -12324,7 +15235,7 @@
           <a:p>
             <a:fld id="{8F72BA41-EC5B-4197-BCC8-0FD2E523CD7A}" type="datetimeFigureOut">
               <a:rPr lang="en-US" smtClean="0"/>
-              <a:t>10/28/2025</a:t>
+              <a:t>10/30/2025</a:t>
             </a:fld>
             <a:endParaRPr lang="en-US"/>
           </a:p>
@@ -14014,7 +16925,7 @@
             <a:fld id="{8F72BA41-EC5B-4197-BCC8-0FD2E523CD7A}" type="datetimeFigureOut">
               <a:rPr lang="en-US" smtClean="0"/>
               <a:pPr/>
-              <a:t>10/28/2025</a:t>
+              <a:t>10/30/2025</a:t>
             </a:fld>
             <a:endParaRPr lang="en-US" dirty="0"/>
           </a:p>
@@ -16378,7 +19289,6 @@
               <a:rPr lang="zh-CN" altLang="en-US" dirty="0"/>
               <a:t>二手交易平台</a:t>
             </a:r>
-            <a:endParaRPr lang="zh-CN" altLang="en-US"/>
           </a:p>
         </p:txBody>
       </p:sp>
@@ -16412,31 +19322,31 @@
           <a:p>
             <a:pPr algn="ctr"/>
             <a:r>
-              <a:rPr lang="zh-CN" altLang="en-US"/>
-              <a:t>华家璇 </a:t>
+              <a:rPr lang="zh-CN" altLang="en-US" dirty="0"/>
+              <a:t>华家璇 王宇博 </a:t>
             </a:r>
             <a:r>
-              <a:rPr lang="en-US" altLang="zh-CN"/>
+              <a:rPr lang="en-US" altLang="zh-CN" dirty="0"/>
               <a:t>2025</a:t>
             </a:r>
             <a:r>
-              <a:rPr lang="zh-CN" altLang="en-US"/>
+              <a:rPr lang="zh-CN" altLang="en-US" dirty="0"/>
               <a:t>年</a:t>
             </a:r>
             <a:r>
-              <a:rPr lang="en-US" altLang="zh-CN"/>
+              <a:rPr lang="en-US" altLang="zh-CN" dirty="0"/>
               <a:t>10</a:t>
             </a:r>
             <a:r>
-              <a:rPr lang="zh-CN" altLang="en-US"/>
+              <a:rPr lang="zh-CN" altLang="en-US" dirty="0"/>
               <a:t>月</a:t>
             </a:r>
             <a:r>
-              <a:rPr lang="en-US" altLang="zh-CN"/>
+              <a:rPr lang="en-US" altLang="zh-CN" dirty="0"/>
               <a:t>30</a:t>
             </a:r>
             <a:r>
-              <a:rPr lang="zh-CN" altLang="en-US"/>
+              <a:rPr lang="zh-CN" altLang="en-US" dirty="0"/>
               <a:t>日</a:t>
             </a:r>
           </a:p>
@@ -16582,41 +19492,6 @@
           </a:p>
         </p:txBody>
       </p:sp>
-      <p:pic>
-        <p:nvPicPr>
-          <p:cNvPr id="5" name="内容占位符 4" descr="图示&#10;&#10;AI 生成的内容可能不正确。">
-            <a:extLst>
-              <a:ext uri="{FF2B5EF4-FFF2-40B4-BE49-F238E27FC236}">
-                <a16:creationId xmlns:a16="http://schemas.microsoft.com/office/drawing/2014/main" id="{25F67B7A-D23C-0EB8-47E4-D74D7C5C646C}"/>
-              </a:ext>
-            </a:extLst>
-          </p:cNvPr>
-          <p:cNvPicPr>
-            <a:picLocks noGrp="1" noChangeAspect="1"/>
-          </p:cNvPicPr>
-          <p:nvPr>
-            <p:ph idx="1"/>
-          </p:nvPr>
-        </p:nvPicPr>
-        <p:blipFill>
-          <a:blip r:embed="rId2">
-            <a:extLst>
-              <a:ext uri="{28A0092B-C50C-407E-A947-70E740481C1C}">
-                <a14:useLocalDpi xmlns:a14="http://schemas.microsoft.com/office/drawing/2010/main" val="0"/>
-              </a:ext>
-            </a:extLst>
-          </a:blip>
-          <a:stretch>
-            <a:fillRect/>
-          </a:stretch>
-        </p:blipFill>
-        <p:spPr>
-          <a:xfrm>
-            <a:off x="6947692" y="1659603"/>
-            <a:ext cx="4714381" cy="4840434"/>
-          </a:xfrm>
-        </p:spPr>
-      </p:pic>
       <p:sp>
         <p:nvSpPr>
           <p:cNvPr id="8" name="内容占位符 2">
@@ -16900,6 +19775,42 @@
           </a:p>
         </p:txBody>
       </p:sp>
+      <p:pic>
+        <p:nvPicPr>
+          <p:cNvPr id="4" name="图片 3" descr="图示&#10;&#10;AI 生成的内容可能不正确。">
+            <a:extLst>
+              <a:ext uri="{FF2B5EF4-FFF2-40B4-BE49-F238E27FC236}">
+                <a16:creationId xmlns:a16="http://schemas.microsoft.com/office/drawing/2014/main" id="{892C4EE3-5324-12EB-91C6-2F23A40F6D0F}"/>
+              </a:ext>
+            </a:extLst>
+          </p:cNvPr>
+          <p:cNvPicPr>
+            <a:picLocks noChangeAspect="1"/>
+          </p:cNvPicPr>
+          <p:nvPr/>
+        </p:nvPicPr>
+        <p:blipFill>
+          <a:blip r:embed="rId3">
+            <a:extLst>
+              <a:ext uri="{28A0092B-C50C-407E-A947-70E740481C1C}">
+                <a14:useLocalDpi xmlns:a14="http://schemas.microsoft.com/office/drawing/2010/main" val="0"/>
+              </a:ext>
+            </a:extLst>
+          </a:blip>
+          <a:stretch>
+            <a:fillRect/>
+          </a:stretch>
+        </p:blipFill>
+        <p:spPr>
+          <a:xfrm>
+            <a:off x="7835567" y="748145"/>
+            <a:ext cx="3928038" cy="5687291"/>
+          </a:xfrm>
+          <a:prstGeom prst="rect">
+            <a:avLst/>
+          </a:prstGeom>
+        </p:spPr>
+      </p:pic>
     </p:spTree>
     <p:extLst>
       <p:ext uri="{BB962C8B-B14F-4D97-AF65-F5344CB8AC3E}">
@@ -18869,8 +21780,8 @@
         </p:nvSpPr>
         <p:spPr>
           <a:xfrm>
-            <a:off x="691079" y="2886117"/>
-            <a:ext cx="4038652" cy="3276824"/>
+            <a:off x="691078" y="2886117"/>
+            <a:ext cx="5260395" cy="3276824"/>
           </a:xfrm>
         </p:spPr>
         <p:txBody>
@@ -18885,11 +21796,7 @@
             </a:r>
             <a:r>
               <a:rPr lang="en-US" altLang="zh-CN" dirty="0"/>
-              <a:t>vue3+element </a:t>
-            </a:r>
-            <a:r>
-              <a:rPr lang="en-US" altLang="zh-CN" dirty="0" err="1"/>
-              <a:t>plus+axios</a:t>
+              <a:t>vue3</a:t>
             </a:r>
             <a:r>
               <a:rPr lang="zh-CN" altLang="en-US" dirty="0"/>
@@ -18958,7 +21865,7 @@
         </p:blipFill>
         <p:spPr>
           <a:xfrm>
-            <a:off x="6109505" y="748881"/>
+            <a:off x="7183231" y="886308"/>
             <a:ext cx="4466599" cy="5414060"/>
           </a:xfrm>
           <a:prstGeom prst="rect">
@@ -19018,7 +21925,12 @@
             <p:ph type="title"/>
           </p:nvPr>
         </p:nvSpPr>
-        <p:spPr/>
+        <p:spPr>
+          <a:xfrm>
+            <a:off x="787236" y="725951"/>
+            <a:ext cx="10325000" cy="1442463"/>
+          </a:xfrm>
+        </p:spPr>
         <p:txBody>
           <a:bodyPr/>
           <a:lstStyle/>
@@ -19046,7 +21958,7 @@
         </p:nvSpPr>
         <p:spPr>
           <a:xfrm>
-            <a:off x="664627" y="2855225"/>
+            <a:off x="738744" y="2439588"/>
             <a:ext cx="5762625" cy="3276824"/>
           </a:xfrm>
           <a:prstGeom prst="rect">
@@ -19259,7 +22171,7 @@
           <a:p>
             <a:r>
               <a:rPr lang="zh-CN" altLang="en-US" dirty="0"/>
-              <a:t>完成了基本</a:t>
+              <a:t>完成了目前及未来可能使用到的</a:t>
             </a:r>
             <a:r>
               <a:rPr lang="en-US" altLang="zh-CN" dirty="0" err="1"/>
@@ -19302,8 +22214,8 @@
         </p:blipFill>
         <p:spPr>
           <a:xfrm>
-            <a:off x="7400797" y="1528183"/>
-            <a:ext cx="3174339" cy="4993411"/>
+            <a:off x="7892633" y="1280732"/>
+            <a:ext cx="3308767" cy="5204874"/>
           </a:xfrm>
         </p:spPr>
       </p:pic>
@@ -19335,7 +22247,7 @@
         </p:blipFill>
         <p:spPr>
           <a:xfrm>
-            <a:off x="782450" y="3883169"/>
+            <a:off x="738745" y="3883169"/>
             <a:ext cx="5762625" cy="2638425"/>
           </a:xfrm>
           <a:prstGeom prst="rect">
@@ -19359,6 +22271,14 @@
 <file path=ppt/slides/slide5.xml><?xml version="1.0" encoding="utf-8"?>
 <p:sld xmlns:a="http://schemas.openxmlformats.org/drawingml/2006/main" xmlns:r="http://schemas.openxmlformats.org/officeDocument/2006/relationships" xmlns:p="http://schemas.openxmlformats.org/presentationml/2006/main">
   <p:cSld>
+    <p:bg>
+      <p:bgPr>
+        <a:solidFill>
+          <a:schemeClr val="bg1"/>
+        </a:solidFill>
+        <a:effectLst/>
+      </p:bgPr>
+    </p:bg>
     <p:spTree>
       <p:nvGrpSpPr>
         <p:cNvPr id="1" name=""/>
@@ -19373,6 +22293,1876 @@
           <a:chExt cx="0" cy="0"/>
         </a:xfrm>
       </p:grpSpPr>
+      <p:sp useBgFill="1">
+        <p:nvSpPr>
+          <p:cNvPr id="15" name="Rectangle 14">
+            <a:extLst>
+              <a:ext uri="{FF2B5EF4-FFF2-40B4-BE49-F238E27FC236}">
+                <a16:creationId xmlns:a16="http://schemas.microsoft.com/office/drawing/2014/main" id="{1C582B07-D0F0-4B6B-A5D9-D2F192CB3A4E}"/>
+              </a:ext>
+              <a:ext uri="{C183D7F6-B498-43B3-948B-1728B52AA6E4}">
+                <adec:decorative xmlns:adec="http://schemas.microsoft.com/office/drawing/2017/decorative" val="1"/>
+              </a:ext>
+            </a:extLst>
+          </p:cNvPr>
+          <p:cNvSpPr>
+            <a:spLocks noGrp="1" noRot="1" noChangeAspect="1" noMove="1" noResize="1" noEditPoints="1" noAdjustHandles="1" noChangeArrowheads="1" noChangeShapeType="1" noTextEdit="1"/>
+          </p:cNvSpPr>
+          <p:nvPr>
+            <p:extLst>
+              <p:ext uri="{386F3935-93C4-4BCD-93E2-E3B085C9AB24}">
+                <p16:designElem xmlns:p16="http://schemas.microsoft.com/office/powerpoint/2015/main" val="1"/>
+              </p:ext>
+            </p:extLst>
+          </p:nvPr>
+        </p:nvSpPr>
+        <p:spPr>
+          <a:xfrm>
+            <a:off x="0" y="0"/>
+            <a:ext cx="12188952" cy="6858000"/>
+          </a:xfrm>
+          <a:prstGeom prst="rect">
+            <a:avLst/>
+          </a:prstGeom>
+          <a:ln>
+            <a:noFill/>
+          </a:ln>
+        </p:spPr>
+        <p:style>
+          <a:lnRef idx="2">
+            <a:schemeClr val="accent1">
+              <a:shade val="50000"/>
+            </a:schemeClr>
+          </a:lnRef>
+          <a:fillRef idx="1">
+            <a:schemeClr val="accent1"/>
+          </a:fillRef>
+          <a:effectRef idx="0">
+            <a:schemeClr val="accent1"/>
+          </a:effectRef>
+          <a:fontRef idx="minor">
+            <a:schemeClr val="lt1"/>
+          </a:fontRef>
+        </p:style>
+        <p:txBody>
+          <a:bodyPr rtlCol="0" anchor="ctr"/>
+          <a:lstStyle/>
+          <a:p>
+            <a:pPr algn="ctr"/>
+            <a:endParaRPr lang="en-US">
+              <a:solidFill>
+                <a:schemeClr val="bg1"/>
+              </a:solidFill>
+            </a:endParaRPr>
+          </a:p>
+        </p:txBody>
+      </p:sp>
+      <p:grpSp>
+        <p:nvGrpSpPr>
+          <p:cNvPr id="17" name="Group 16">
+            <a:extLst>
+              <a:ext uri="{FF2B5EF4-FFF2-40B4-BE49-F238E27FC236}">
+                <a16:creationId xmlns:a16="http://schemas.microsoft.com/office/drawing/2014/main" id="{4675998B-83F9-4DD6-A181-01CC6390EB15}"/>
+              </a:ext>
+              <a:ext uri="{C183D7F6-B498-43B3-948B-1728B52AA6E4}">
+                <adec:decorative xmlns:adec="http://schemas.microsoft.com/office/drawing/2017/decorative" val="1"/>
+              </a:ext>
+            </a:extLst>
+          </p:cNvPr>
+          <p:cNvGrpSpPr>
+            <a:grpSpLocks noGrp="1" noUngrp="1" noRot="1" noChangeAspect="1" noMove="1" noResize="1"/>
+          </p:cNvGrpSpPr>
+          <p:nvPr>
+            <p:extLst>
+              <p:ext uri="{386F3935-93C4-4BCD-93E2-E3B085C9AB24}">
+                <p16:designElem xmlns:p16="http://schemas.microsoft.com/office/powerpoint/2015/main" val="1"/>
+              </p:ext>
+            </p:extLst>
+          </p:nvPr>
+        </p:nvGrpSpPr>
+        <p:grpSpPr>
+          <a:xfrm>
+            <a:off x="-6214" y="-1"/>
+            <a:ext cx="12214827" cy="6858000"/>
+            <a:chOff x="-6214" y="-1"/>
+            <a:chExt cx="12214827" cy="6858000"/>
+          </a:xfrm>
+        </p:grpSpPr>
+        <p:cxnSp>
+          <p:nvCxnSpPr>
+            <p:cNvPr id="18" name="Straight Connector 17">
+              <a:extLst>
+                <a:ext uri="{FF2B5EF4-FFF2-40B4-BE49-F238E27FC236}">
+                  <a16:creationId xmlns:a16="http://schemas.microsoft.com/office/drawing/2014/main" id="{7203DA02-DFF0-43DA-97F8-713359A5E931}"/>
+                </a:ext>
+                <a:ext uri="{C183D7F6-B498-43B3-948B-1728B52AA6E4}">
+                  <adec:decorative xmlns:adec="http://schemas.microsoft.com/office/drawing/2017/decorative" val="1"/>
+                </a:ext>
+              </a:extLst>
+            </p:cNvPr>
+            <p:cNvCxnSpPr>
+              <a:cxnSpLocks/>
+            </p:cNvCxnSpPr>
+            <p:nvPr>
+              <p:extLst>
+                <p:ext uri="{386F3935-93C4-4BCD-93E2-E3B085C9AB24}">
+                  <p16:designElem xmlns:p16="http://schemas.microsoft.com/office/powerpoint/2015/main" val="1"/>
+                </p:ext>
+              </p:extLst>
+            </p:nvPr>
+          </p:nvCxnSpPr>
+          <p:spPr>
+            <a:xfrm>
+              <a:off x="-6214" y="6686283"/>
+              <a:ext cx="12192000" cy="0"/>
+            </a:xfrm>
+            <a:prstGeom prst="line">
+              <a:avLst/>
+            </a:prstGeom>
+            <a:ln w="12700">
+              <a:solidFill>
+                <a:srgbClr val="BCBCBC">
+                  <a:alpha val="29804"/>
+                </a:srgbClr>
+              </a:solidFill>
+              <a:prstDash val="sysDot"/>
+            </a:ln>
+          </p:spPr>
+          <p:style>
+            <a:lnRef idx="1">
+              <a:schemeClr val="accent1"/>
+            </a:lnRef>
+            <a:fillRef idx="0">
+              <a:schemeClr val="accent1"/>
+            </a:fillRef>
+            <a:effectRef idx="0">
+              <a:schemeClr val="accent1"/>
+            </a:effectRef>
+            <a:fontRef idx="minor">
+              <a:schemeClr val="tx1"/>
+            </a:fontRef>
+          </p:style>
+        </p:cxnSp>
+        <p:cxnSp>
+          <p:nvCxnSpPr>
+            <p:cNvPr id="19" name="Straight Connector 18">
+              <a:extLst>
+                <a:ext uri="{FF2B5EF4-FFF2-40B4-BE49-F238E27FC236}">
+                  <a16:creationId xmlns:a16="http://schemas.microsoft.com/office/drawing/2014/main" id="{D7DB5F66-3FA1-4342-A884-49FFC898B0D1}"/>
+                </a:ext>
+                <a:ext uri="{C183D7F6-B498-43B3-948B-1728B52AA6E4}">
+                  <adec:decorative xmlns:adec="http://schemas.microsoft.com/office/drawing/2017/decorative" val="1"/>
+                </a:ext>
+              </a:extLst>
+            </p:cNvPr>
+            <p:cNvCxnSpPr>
+              <a:cxnSpLocks/>
+            </p:cNvCxnSpPr>
+            <p:nvPr>
+              <p:extLst>
+                <p:ext uri="{386F3935-93C4-4BCD-93E2-E3B085C9AB24}">
+                  <p16:designElem xmlns:p16="http://schemas.microsoft.com/office/powerpoint/2015/main" val="1"/>
+                </p:ext>
+              </p:extLst>
+            </p:nvPr>
+          </p:nvCxnSpPr>
+          <p:spPr>
+            <a:xfrm>
+              <a:off x="0" y="-1"/>
+              <a:ext cx="0" cy="6858000"/>
+            </a:xfrm>
+            <a:prstGeom prst="line">
+              <a:avLst/>
+            </a:prstGeom>
+            <a:ln w="12700">
+              <a:solidFill>
+                <a:srgbClr val="BCBCBC">
+                  <a:alpha val="29804"/>
+                </a:srgbClr>
+              </a:solidFill>
+              <a:prstDash val="sysDot"/>
+            </a:ln>
+          </p:spPr>
+          <p:style>
+            <a:lnRef idx="1">
+              <a:schemeClr val="accent1"/>
+            </a:lnRef>
+            <a:fillRef idx="0">
+              <a:schemeClr val="accent1"/>
+            </a:fillRef>
+            <a:effectRef idx="0">
+              <a:schemeClr val="accent1"/>
+            </a:effectRef>
+            <a:fontRef idx="minor">
+              <a:schemeClr val="tx1"/>
+            </a:fontRef>
+          </p:style>
+        </p:cxnSp>
+        <p:cxnSp>
+          <p:nvCxnSpPr>
+            <p:cNvPr id="20" name="Straight Connector 19">
+              <a:extLst>
+                <a:ext uri="{FF2B5EF4-FFF2-40B4-BE49-F238E27FC236}">
+                  <a16:creationId xmlns:a16="http://schemas.microsoft.com/office/drawing/2014/main" id="{F62E1DE4-95C3-4648-880D-D5F16DA5BEBC}"/>
+                </a:ext>
+                <a:ext uri="{C183D7F6-B498-43B3-948B-1728B52AA6E4}">
+                  <adec:decorative xmlns:adec="http://schemas.microsoft.com/office/drawing/2017/decorative" val="1"/>
+                </a:ext>
+              </a:extLst>
+            </p:cNvPr>
+            <p:cNvCxnSpPr>
+              <a:cxnSpLocks/>
+            </p:cNvCxnSpPr>
+            <p:nvPr>
+              <p:extLst>
+                <p:ext uri="{386F3935-93C4-4BCD-93E2-E3B085C9AB24}">
+                  <p16:designElem xmlns:p16="http://schemas.microsoft.com/office/powerpoint/2015/main" val="1"/>
+                </p:ext>
+              </p:extLst>
+            </p:nvPr>
+          </p:nvCxnSpPr>
+          <p:spPr>
+            <a:xfrm>
+              <a:off x="11993258" y="-1"/>
+              <a:ext cx="0" cy="6858000"/>
+            </a:xfrm>
+            <a:prstGeom prst="line">
+              <a:avLst/>
+            </a:prstGeom>
+            <a:ln w="12700">
+              <a:solidFill>
+                <a:srgbClr val="BCBCBC">
+                  <a:alpha val="29804"/>
+                </a:srgbClr>
+              </a:solidFill>
+              <a:prstDash val="sysDot"/>
+            </a:ln>
+          </p:spPr>
+          <p:style>
+            <a:lnRef idx="1">
+              <a:schemeClr val="accent1"/>
+            </a:lnRef>
+            <a:fillRef idx="0">
+              <a:schemeClr val="accent1"/>
+            </a:fillRef>
+            <a:effectRef idx="0">
+              <a:schemeClr val="accent1"/>
+            </a:effectRef>
+            <a:fontRef idx="minor">
+              <a:schemeClr val="tx1"/>
+            </a:fontRef>
+          </p:style>
+        </p:cxnSp>
+        <p:cxnSp>
+          <p:nvCxnSpPr>
+            <p:cNvPr id="21" name="Straight Connector 20">
+              <a:extLst>
+                <a:ext uri="{FF2B5EF4-FFF2-40B4-BE49-F238E27FC236}">
+                  <a16:creationId xmlns:a16="http://schemas.microsoft.com/office/drawing/2014/main" id="{2F0DE976-09C7-468E-88D4-E653C3B9A93B}"/>
+                </a:ext>
+                <a:ext uri="{C183D7F6-B498-43B3-948B-1728B52AA6E4}">
+                  <adec:decorative xmlns:adec="http://schemas.microsoft.com/office/drawing/2017/decorative" val="1"/>
+                </a:ext>
+              </a:extLst>
+            </p:cNvPr>
+            <p:cNvCxnSpPr>
+              <a:cxnSpLocks/>
+            </p:cNvCxnSpPr>
+            <p:nvPr>
+              <p:extLst>
+                <p:ext uri="{386F3935-93C4-4BCD-93E2-E3B085C9AB24}">
+                  <p16:designElem xmlns:p16="http://schemas.microsoft.com/office/powerpoint/2015/main" val="1"/>
+                </p:ext>
+              </p:extLst>
+            </p:nvPr>
+          </p:nvCxnSpPr>
+          <p:spPr>
+            <a:xfrm>
+              <a:off x="192528" y="-1"/>
+              <a:ext cx="0" cy="6858000"/>
+            </a:xfrm>
+            <a:prstGeom prst="line">
+              <a:avLst/>
+            </a:prstGeom>
+            <a:ln w="12700">
+              <a:solidFill>
+                <a:srgbClr val="BCBCBC">
+                  <a:alpha val="29804"/>
+                </a:srgbClr>
+              </a:solidFill>
+              <a:prstDash val="sysDot"/>
+            </a:ln>
+          </p:spPr>
+          <p:style>
+            <a:lnRef idx="1">
+              <a:schemeClr val="accent1"/>
+            </a:lnRef>
+            <a:fillRef idx="0">
+              <a:schemeClr val="accent1"/>
+            </a:fillRef>
+            <a:effectRef idx="0">
+              <a:schemeClr val="accent1"/>
+            </a:effectRef>
+            <a:fontRef idx="minor">
+              <a:schemeClr val="tx1"/>
+            </a:fontRef>
+          </p:style>
+        </p:cxnSp>
+        <p:cxnSp>
+          <p:nvCxnSpPr>
+            <p:cNvPr id="22" name="Straight Connector 21">
+              <a:extLst>
+                <a:ext uri="{FF2B5EF4-FFF2-40B4-BE49-F238E27FC236}">
+                  <a16:creationId xmlns:a16="http://schemas.microsoft.com/office/drawing/2014/main" id="{146834F4-CE01-4256-A71F-E9622367BA61}"/>
+                </a:ext>
+                <a:ext uri="{C183D7F6-B498-43B3-948B-1728B52AA6E4}">
+                  <adec:decorative xmlns:adec="http://schemas.microsoft.com/office/drawing/2017/decorative" val="1"/>
+                </a:ext>
+              </a:extLst>
+            </p:cNvPr>
+            <p:cNvCxnSpPr>
+              <a:cxnSpLocks/>
+            </p:cNvCxnSpPr>
+            <p:nvPr>
+              <p:extLst>
+                <p:ext uri="{386F3935-93C4-4BCD-93E2-E3B085C9AB24}">
+                  <p16:designElem xmlns:p16="http://schemas.microsoft.com/office/powerpoint/2015/main" val="1"/>
+                </p:ext>
+              </p:extLst>
+            </p:nvPr>
+          </p:nvCxnSpPr>
+          <p:spPr>
+            <a:xfrm>
+              <a:off x="1175922" y="-1"/>
+              <a:ext cx="0" cy="6858000"/>
+            </a:xfrm>
+            <a:prstGeom prst="line">
+              <a:avLst/>
+            </a:prstGeom>
+            <a:ln w="12700">
+              <a:solidFill>
+                <a:srgbClr val="BCBCBC">
+                  <a:alpha val="29804"/>
+                </a:srgbClr>
+              </a:solidFill>
+              <a:prstDash val="sysDot"/>
+            </a:ln>
+          </p:spPr>
+          <p:style>
+            <a:lnRef idx="1">
+              <a:schemeClr val="accent1"/>
+            </a:lnRef>
+            <a:fillRef idx="0">
+              <a:schemeClr val="accent1"/>
+            </a:fillRef>
+            <a:effectRef idx="0">
+              <a:schemeClr val="accent1"/>
+            </a:effectRef>
+            <a:fontRef idx="minor">
+              <a:schemeClr val="tx1"/>
+            </a:fontRef>
+          </p:style>
+        </p:cxnSp>
+        <p:cxnSp>
+          <p:nvCxnSpPr>
+            <p:cNvPr id="23" name="Straight Connector 22">
+              <a:extLst>
+                <a:ext uri="{FF2B5EF4-FFF2-40B4-BE49-F238E27FC236}">
+                  <a16:creationId xmlns:a16="http://schemas.microsoft.com/office/drawing/2014/main" id="{B24B1666-CD3C-4141-91C0-782A8C0A79B5}"/>
+                </a:ext>
+                <a:ext uri="{C183D7F6-B498-43B3-948B-1728B52AA6E4}">
+                  <adec:decorative xmlns:adec="http://schemas.microsoft.com/office/drawing/2017/decorative" val="1"/>
+                </a:ext>
+              </a:extLst>
+            </p:cNvPr>
+            <p:cNvCxnSpPr>
+              <a:cxnSpLocks/>
+            </p:cNvCxnSpPr>
+            <p:nvPr>
+              <p:extLst>
+                <p:ext uri="{386F3935-93C4-4BCD-93E2-E3B085C9AB24}">
+                  <p16:designElem xmlns:p16="http://schemas.microsoft.com/office/powerpoint/2015/main" val="1"/>
+                </p:ext>
+              </p:extLst>
+            </p:nvPr>
+          </p:nvCxnSpPr>
+          <p:spPr>
+            <a:xfrm>
+              <a:off x="2159316" y="-1"/>
+              <a:ext cx="0" cy="6858000"/>
+            </a:xfrm>
+            <a:prstGeom prst="line">
+              <a:avLst/>
+            </a:prstGeom>
+            <a:ln w="12700">
+              <a:solidFill>
+                <a:srgbClr val="BCBCBC">
+                  <a:alpha val="29804"/>
+                </a:srgbClr>
+              </a:solidFill>
+              <a:prstDash val="sysDot"/>
+            </a:ln>
+          </p:spPr>
+          <p:style>
+            <a:lnRef idx="1">
+              <a:schemeClr val="accent1"/>
+            </a:lnRef>
+            <a:fillRef idx="0">
+              <a:schemeClr val="accent1"/>
+            </a:fillRef>
+            <a:effectRef idx="0">
+              <a:schemeClr val="accent1"/>
+            </a:effectRef>
+            <a:fontRef idx="minor">
+              <a:schemeClr val="tx1"/>
+            </a:fontRef>
+          </p:style>
+        </p:cxnSp>
+        <p:cxnSp>
+          <p:nvCxnSpPr>
+            <p:cNvPr id="24" name="Straight Connector 23">
+              <a:extLst>
+                <a:ext uri="{FF2B5EF4-FFF2-40B4-BE49-F238E27FC236}">
+                  <a16:creationId xmlns:a16="http://schemas.microsoft.com/office/drawing/2014/main" id="{8BEB9DED-5756-4349-86C4-BB40C843E902}"/>
+                </a:ext>
+                <a:ext uri="{C183D7F6-B498-43B3-948B-1728B52AA6E4}">
+                  <adec:decorative xmlns:adec="http://schemas.microsoft.com/office/drawing/2017/decorative" val="1"/>
+                </a:ext>
+              </a:extLst>
+            </p:cNvPr>
+            <p:cNvCxnSpPr>
+              <a:cxnSpLocks/>
+            </p:cNvCxnSpPr>
+            <p:nvPr>
+              <p:extLst>
+                <p:ext uri="{386F3935-93C4-4BCD-93E2-E3B085C9AB24}">
+                  <p16:designElem xmlns:p16="http://schemas.microsoft.com/office/powerpoint/2015/main" val="1"/>
+                </p:ext>
+              </p:extLst>
+            </p:nvPr>
+          </p:nvCxnSpPr>
+          <p:spPr>
+            <a:xfrm>
+              <a:off x="3142710" y="-1"/>
+              <a:ext cx="0" cy="6858000"/>
+            </a:xfrm>
+            <a:prstGeom prst="line">
+              <a:avLst/>
+            </a:prstGeom>
+            <a:ln w="12700">
+              <a:solidFill>
+                <a:srgbClr val="BCBCBC">
+                  <a:alpha val="29804"/>
+                </a:srgbClr>
+              </a:solidFill>
+              <a:prstDash val="sysDot"/>
+            </a:ln>
+          </p:spPr>
+          <p:style>
+            <a:lnRef idx="1">
+              <a:schemeClr val="accent1"/>
+            </a:lnRef>
+            <a:fillRef idx="0">
+              <a:schemeClr val="accent1"/>
+            </a:fillRef>
+            <a:effectRef idx="0">
+              <a:schemeClr val="accent1"/>
+            </a:effectRef>
+            <a:fontRef idx="minor">
+              <a:schemeClr val="tx1"/>
+            </a:fontRef>
+          </p:style>
+        </p:cxnSp>
+        <p:cxnSp>
+          <p:nvCxnSpPr>
+            <p:cNvPr id="25" name="Straight Connector 24">
+              <a:extLst>
+                <a:ext uri="{FF2B5EF4-FFF2-40B4-BE49-F238E27FC236}">
+                  <a16:creationId xmlns:a16="http://schemas.microsoft.com/office/drawing/2014/main" id="{3E66CDAA-2393-4E50-88AE-4B6DE356DD86}"/>
+                </a:ext>
+                <a:ext uri="{C183D7F6-B498-43B3-948B-1728B52AA6E4}">
+                  <adec:decorative xmlns:adec="http://schemas.microsoft.com/office/drawing/2017/decorative" val="1"/>
+                </a:ext>
+              </a:extLst>
+            </p:cNvPr>
+            <p:cNvCxnSpPr>
+              <a:cxnSpLocks/>
+            </p:cNvCxnSpPr>
+            <p:nvPr>
+              <p:extLst>
+                <p:ext uri="{386F3935-93C4-4BCD-93E2-E3B085C9AB24}">
+                  <p16:designElem xmlns:p16="http://schemas.microsoft.com/office/powerpoint/2015/main" val="1"/>
+                </p:ext>
+              </p:extLst>
+            </p:nvPr>
+          </p:nvCxnSpPr>
+          <p:spPr>
+            <a:xfrm>
+              <a:off x="4126104" y="-1"/>
+              <a:ext cx="0" cy="6858000"/>
+            </a:xfrm>
+            <a:prstGeom prst="line">
+              <a:avLst/>
+            </a:prstGeom>
+            <a:ln w="12700">
+              <a:solidFill>
+                <a:srgbClr val="BCBCBC">
+                  <a:alpha val="29804"/>
+                </a:srgbClr>
+              </a:solidFill>
+              <a:prstDash val="sysDot"/>
+            </a:ln>
+          </p:spPr>
+          <p:style>
+            <a:lnRef idx="1">
+              <a:schemeClr val="accent1"/>
+            </a:lnRef>
+            <a:fillRef idx="0">
+              <a:schemeClr val="accent1"/>
+            </a:fillRef>
+            <a:effectRef idx="0">
+              <a:schemeClr val="accent1"/>
+            </a:effectRef>
+            <a:fontRef idx="minor">
+              <a:schemeClr val="tx1"/>
+            </a:fontRef>
+          </p:style>
+        </p:cxnSp>
+        <p:cxnSp>
+          <p:nvCxnSpPr>
+            <p:cNvPr id="26" name="Straight Connector 25">
+              <a:extLst>
+                <a:ext uri="{FF2B5EF4-FFF2-40B4-BE49-F238E27FC236}">
+                  <a16:creationId xmlns:a16="http://schemas.microsoft.com/office/drawing/2014/main" id="{D52ED3B2-4AF6-4D71-AFE0-E628195BEE39}"/>
+                </a:ext>
+                <a:ext uri="{C183D7F6-B498-43B3-948B-1728B52AA6E4}">
+                  <adec:decorative xmlns:adec="http://schemas.microsoft.com/office/drawing/2017/decorative" val="1"/>
+                </a:ext>
+              </a:extLst>
+            </p:cNvPr>
+            <p:cNvCxnSpPr>
+              <a:cxnSpLocks/>
+            </p:cNvCxnSpPr>
+            <p:nvPr>
+              <p:extLst>
+                <p:ext uri="{386F3935-93C4-4BCD-93E2-E3B085C9AB24}">
+                  <p16:designElem xmlns:p16="http://schemas.microsoft.com/office/powerpoint/2015/main" val="1"/>
+                </p:ext>
+              </p:extLst>
+            </p:nvPr>
+          </p:nvCxnSpPr>
+          <p:spPr>
+            <a:xfrm>
+              <a:off x="5109498" y="-1"/>
+              <a:ext cx="0" cy="6858000"/>
+            </a:xfrm>
+            <a:prstGeom prst="line">
+              <a:avLst/>
+            </a:prstGeom>
+            <a:ln w="12700">
+              <a:solidFill>
+                <a:srgbClr val="BCBCBC">
+                  <a:alpha val="29804"/>
+                </a:srgbClr>
+              </a:solidFill>
+              <a:prstDash val="sysDot"/>
+            </a:ln>
+          </p:spPr>
+          <p:style>
+            <a:lnRef idx="1">
+              <a:schemeClr val="accent1"/>
+            </a:lnRef>
+            <a:fillRef idx="0">
+              <a:schemeClr val="accent1"/>
+            </a:fillRef>
+            <a:effectRef idx="0">
+              <a:schemeClr val="accent1"/>
+            </a:effectRef>
+            <a:fontRef idx="minor">
+              <a:schemeClr val="tx1"/>
+            </a:fontRef>
+          </p:style>
+        </p:cxnSp>
+        <p:cxnSp>
+          <p:nvCxnSpPr>
+            <p:cNvPr id="27" name="Straight Connector 26">
+              <a:extLst>
+                <a:ext uri="{FF2B5EF4-FFF2-40B4-BE49-F238E27FC236}">
+                  <a16:creationId xmlns:a16="http://schemas.microsoft.com/office/drawing/2014/main" id="{38F8274F-6455-416D-9E21-09DCC607D31C}"/>
+                </a:ext>
+                <a:ext uri="{C183D7F6-B498-43B3-948B-1728B52AA6E4}">
+                  <adec:decorative xmlns:adec="http://schemas.microsoft.com/office/drawing/2017/decorative" val="1"/>
+                </a:ext>
+              </a:extLst>
+            </p:cNvPr>
+            <p:cNvCxnSpPr>
+              <a:cxnSpLocks/>
+            </p:cNvCxnSpPr>
+            <p:nvPr>
+              <p:extLst>
+                <p:ext uri="{386F3935-93C4-4BCD-93E2-E3B085C9AB24}">
+                  <p16:designElem xmlns:p16="http://schemas.microsoft.com/office/powerpoint/2015/main" val="1"/>
+                </p:ext>
+              </p:extLst>
+            </p:nvPr>
+          </p:nvCxnSpPr>
+          <p:spPr>
+            <a:xfrm>
+              <a:off x="6092892" y="-1"/>
+              <a:ext cx="0" cy="6858000"/>
+            </a:xfrm>
+            <a:prstGeom prst="line">
+              <a:avLst/>
+            </a:prstGeom>
+            <a:ln w="12700">
+              <a:solidFill>
+                <a:srgbClr val="BCBCBC">
+                  <a:alpha val="29804"/>
+                </a:srgbClr>
+              </a:solidFill>
+              <a:prstDash val="sysDot"/>
+            </a:ln>
+          </p:spPr>
+          <p:style>
+            <a:lnRef idx="1">
+              <a:schemeClr val="accent1"/>
+            </a:lnRef>
+            <a:fillRef idx="0">
+              <a:schemeClr val="accent1"/>
+            </a:fillRef>
+            <a:effectRef idx="0">
+              <a:schemeClr val="accent1"/>
+            </a:effectRef>
+            <a:fontRef idx="minor">
+              <a:schemeClr val="tx1"/>
+            </a:fontRef>
+          </p:style>
+        </p:cxnSp>
+        <p:cxnSp>
+          <p:nvCxnSpPr>
+            <p:cNvPr id="28" name="Straight Connector 27">
+              <a:extLst>
+                <a:ext uri="{FF2B5EF4-FFF2-40B4-BE49-F238E27FC236}">
+                  <a16:creationId xmlns:a16="http://schemas.microsoft.com/office/drawing/2014/main" id="{5A4FC2BA-35B4-4272-AE27-2EA963B9C6B6}"/>
+                </a:ext>
+                <a:ext uri="{C183D7F6-B498-43B3-948B-1728B52AA6E4}">
+                  <adec:decorative xmlns:adec="http://schemas.microsoft.com/office/drawing/2017/decorative" val="1"/>
+                </a:ext>
+              </a:extLst>
+            </p:cNvPr>
+            <p:cNvCxnSpPr>
+              <a:cxnSpLocks/>
+            </p:cNvCxnSpPr>
+            <p:nvPr>
+              <p:extLst>
+                <p:ext uri="{386F3935-93C4-4BCD-93E2-E3B085C9AB24}">
+                  <p16:designElem xmlns:p16="http://schemas.microsoft.com/office/powerpoint/2015/main" val="1"/>
+                </p:ext>
+              </p:extLst>
+            </p:nvPr>
+          </p:nvCxnSpPr>
+          <p:spPr>
+            <a:xfrm>
+              <a:off x="7076286" y="-1"/>
+              <a:ext cx="0" cy="6858000"/>
+            </a:xfrm>
+            <a:prstGeom prst="line">
+              <a:avLst/>
+            </a:prstGeom>
+            <a:ln w="12700">
+              <a:solidFill>
+                <a:srgbClr val="BCBCBC">
+                  <a:alpha val="29804"/>
+                </a:srgbClr>
+              </a:solidFill>
+              <a:prstDash val="sysDot"/>
+            </a:ln>
+          </p:spPr>
+          <p:style>
+            <a:lnRef idx="1">
+              <a:schemeClr val="accent1"/>
+            </a:lnRef>
+            <a:fillRef idx="0">
+              <a:schemeClr val="accent1"/>
+            </a:fillRef>
+            <a:effectRef idx="0">
+              <a:schemeClr val="accent1"/>
+            </a:effectRef>
+            <a:fontRef idx="minor">
+              <a:schemeClr val="tx1"/>
+            </a:fontRef>
+          </p:style>
+        </p:cxnSp>
+        <p:cxnSp>
+          <p:nvCxnSpPr>
+            <p:cNvPr id="29" name="Straight Connector 28">
+              <a:extLst>
+                <a:ext uri="{FF2B5EF4-FFF2-40B4-BE49-F238E27FC236}">
+                  <a16:creationId xmlns:a16="http://schemas.microsoft.com/office/drawing/2014/main" id="{3075E2C7-38CF-4C4C-BA60-8EBC4C597233}"/>
+                </a:ext>
+                <a:ext uri="{C183D7F6-B498-43B3-948B-1728B52AA6E4}">
+                  <adec:decorative xmlns:adec="http://schemas.microsoft.com/office/drawing/2017/decorative" val="1"/>
+                </a:ext>
+              </a:extLst>
+            </p:cNvPr>
+            <p:cNvCxnSpPr>
+              <a:cxnSpLocks/>
+            </p:cNvCxnSpPr>
+            <p:nvPr>
+              <p:extLst>
+                <p:ext uri="{386F3935-93C4-4BCD-93E2-E3B085C9AB24}">
+                  <p16:designElem xmlns:p16="http://schemas.microsoft.com/office/powerpoint/2015/main" val="1"/>
+                </p:ext>
+              </p:extLst>
+            </p:nvPr>
+          </p:nvCxnSpPr>
+          <p:spPr>
+            <a:xfrm>
+              <a:off x="8059680" y="-1"/>
+              <a:ext cx="0" cy="6858000"/>
+            </a:xfrm>
+            <a:prstGeom prst="line">
+              <a:avLst/>
+            </a:prstGeom>
+            <a:ln w="12700">
+              <a:solidFill>
+                <a:srgbClr val="BCBCBC">
+                  <a:alpha val="29804"/>
+                </a:srgbClr>
+              </a:solidFill>
+              <a:prstDash val="sysDot"/>
+            </a:ln>
+          </p:spPr>
+          <p:style>
+            <a:lnRef idx="1">
+              <a:schemeClr val="accent1"/>
+            </a:lnRef>
+            <a:fillRef idx="0">
+              <a:schemeClr val="accent1"/>
+            </a:fillRef>
+            <a:effectRef idx="0">
+              <a:schemeClr val="accent1"/>
+            </a:effectRef>
+            <a:fontRef idx="minor">
+              <a:schemeClr val="tx1"/>
+            </a:fontRef>
+          </p:style>
+        </p:cxnSp>
+        <p:cxnSp>
+          <p:nvCxnSpPr>
+            <p:cNvPr id="30" name="Straight Connector 29">
+              <a:extLst>
+                <a:ext uri="{FF2B5EF4-FFF2-40B4-BE49-F238E27FC236}">
+                  <a16:creationId xmlns:a16="http://schemas.microsoft.com/office/drawing/2014/main" id="{3A41EEBD-A69D-4000-B18A-0FF9079FF456}"/>
+                </a:ext>
+                <a:ext uri="{C183D7F6-B498-43B3-948B-1728B52AA6E4}">
+                  <adec:decorative xmlns:adec="http://schemas.microsoft.com/office/drawing/2017/decorative" val="1"/>
+                </a:ext>
+              </a:extLst>
+            </p:cNvPr>
+            <p:cNvCxnSpPr>
+              <a:cxnSpLocks/>
+            </p:cNvCxnSpPr>
+            <p:nvPr>
+              <p:extLst>
+                <p:ext uri="{386F3935-93C4-4BCD-93E2-E3B085C9AB24}">
+                  <p16:designElem xmlns:p16="http://schemas.microsoft.com/office/powerpoint/2015/main" val="1"/>
+                </p:ext>
+              </p:extLst>
+            </p:nvPr>
+          </p:nvCxnSpPr>
+          <p:spPr>
+            <a:xfrm>
+              <a:off x="9043074" y="-1"/>
+              <a:ext cx="0" cy="6858000"/>
+            </a:xfrm>
+            <a:prstGeom prst="line">
+              <a:avLst/>
+            </a:prstGeom>
+            <a:ln w="12700">
+              <a:solidFill>
+                <a:srgbClr val="BCBCBC">
+                  <a:alpha val="29804"/>
+                </a:srgbClr>
+              </a:solidFill>
+              <a:prstDash val="sysDot"/>
+            </a:ln>
+          </p:spPr>
+          <p:style>
+            <a:lnRef idx="1">
+              <a:schemeClr val="accent1"/>
+            </a:lnRef>
+            <a:fillRef idx="0">
+              <a:schemeClr val="accent1"/>
+            </a:fillRef>
+            <a:effectRef idx="0">
+              <a:schemeClr val="accent1"/>
+            </a:effectRef>
+            <a:fontRef idx="minor">
+              <a:schemeClr val="tx1"/>
+            </a:fontRef>
+          </p:style>
+        </p:cxnSp>
+        <p:cxnSp>
+          <p:nvCxnSpPr>
+            <p:cNvPr id="31" name="Straight Connector 30">
+              <a:extLst>
+                <a:ext uri="{FF2B5EF4-FFF2-40B4-BE49-F238E27FC236}">
+                  <a16:creationId xmlns:a16="http://schemas.microsoft.com/office/drawing/2014/main" id="{5D674DC2-DB19-4D12-A7CC-A19B45A577E4}"/>
+                </a:ext>
+                <a:ext uri="{C183D7F6-B498-43B3-948B-1728B52AA6E4}">
+                  <adec:decorative xmlns:adec="http://schemas.microsoft.com/office/drawing/2017/decorative" val="1"/>
+                </a:ext>
+              </a:extLst>
+            </p:cNvPr>
+            <p:cNvCxnSpPr>
+              <a:cxnSpLocks/>
+            </p:cNvCxnSpPr>
+            <p:nvPr>
+              <p:extLst>
+                <p:ext uri="{386F3935-93C4-4BCD-93E2-E3B085C9AB24}">
+                  <p16:designElem xmlns:p16="http://schemas.microsoft.com/office/powerpoint/2015/main" val="1"/>
+                </p:ext>
+              </p:extLst>
+            </p:nvPr>
+          </p:nvCxnSpPr>
+          <p:spPr>
+            <a:xfrm>
+              <a:off x="10026468" y="-1"/>
+              <a:ext cx="0" cy="6858000"/>
+            </a:xfrm>
+            <a:prstGeom prst="line">
+              <a:avLst/>
+            </a:prstGeom>
+            <a:ln w="12700">
+              <a:solidFill>
+                <a:srgbClr val="BCBCBC">
+                  <a:alpha val="29804"/>
+                </a:srgbClr>
+              </a:solidFill>
+              <a:prstDash val="sysDot"/>
+            </a:ln>
+          </p:spPr>
+          <p:style>
+            <a:lnRef idx="1">
+              <a:schemeClr val="accent1"/>
+            </a:lnRef>
+            <a:fillRef idx="0">
+              <a:schemeClr val="accent1"/>
+            </a:fillRef>
+            <a:effectRef idx="0">
+              <a:schemeClr val="accent1"/>
+            </a:effectRef>
+            <a:fontRef idx="minor">
+              <a:schemeClr val="tx1"/>
+            </a:fontRef>
+          </p:style>
+        </p:cxnSp>
+        <p:cxnSp>
+          <p:nvCxnSpPr>
+            <p:cNvPr id="32" name="Straight Connector 31">
+              <a:extLst>
+                <a:ext uri="{FF2B5EF4-FFF2-40B4-BE49-F238E27FC236}">
+                  <a16:creationId xmlns:a16="http://schemas.microsoft.com/office/drawing/2014/main" id="{ACE37544-AEB0-4C32-9AB4-FD8868FBB4C4}"/>
+                </a:ext>
+                <a:ext uri="{C183D7F6-B498-43B3-948B-1728B52AA6E4}">
+                  <adec:decorative xmlns:adec="http://schemas.microsoft.com/office/drawing/2017/decorative" val="1"/>
+                </a:ext>
+              </a:extLst>
+            </p:cNvPr>
+            <p:cNvCxnSpPr>
+              <a:cxnSpLocks/>
+            </p:cNvCxnSpPr>
+            <p:nvPr>
+              <p:extLst>
+                <p:ext uri="{386F3935-93C4-4BCD-93E2-E3B085C9AB24}">
+                  <p16:designElem xmlns:p16="http://schemas.microsoft.com/office/powerpoint/2015/main" val="1"/>
+                </p:ext>
+              </p:extLst>
+            </p:nvPr>
+          </p:nvCxnSpPr>
+          <p:spPr>
+            <a:xfrm>
+              <a:off x="11009862" y="-1"/>
+              <a:ext cx="0" cy="6858000"/>
+            </a:xfrm>
+            <a:prstGeom prst="line">
+              <a:avLst/>
+            </a:prstGeom>
+            <a:ln w="12700">
+              <a:solidFill>
+                <a:srgbClr val="BCBCBC">
+                  <a:alpha val="29804"/>
+                </a:srgbClr>
+              </a:solidFill>
+              <a:prstDash val="sysDot"/>
+            </a:ln>
+          </p:spPr>
+          <p:style>
+            <a:lnRef idx="1">
+              <a:schemeClr val="accent1"/>
+            </a:lnRef>
+            <a:fillRef idx="0">
+              <a:schemeClr val="accent1"/>
+            </a:fillRef>
+            <a:effectRef idx="0">
+              <a:schemeClr val="accent1"/>
+            </a:effectRef>
+            <a:fontRef idx="minor">
+              <a:schemeClr val="tx1"/>
+            </a:fontRef>
+          </p:style>
+        </p:cxnSp>
+        <p:cxnSp>
+          <p:nvCxnSpPr>
+            <p:cNvPr id="33" name="Straight Connector 32">
+              <a:extLst>
+                <a:ext uri="{FF2B5EF4-FFF2-40B4-BE49-F238E27FC236}">
+                  <a16:creationId xmlns:a16="http://schemas.microsoft.com/office/drawing/2014/main" id="{4A4D92EE-9609-4B42-A0C2-EE8B291A29CB}"/>
+                </a:ext>
+                <a:ext uri="{C183D7F6-B498-43B3-948B-1728B52AA6E4}">
+                  <adec:decorative xmlns:adec="http://schemas.microsoft.com/office/drawing/2017/decorative" val="1"/>
+                </a:ext>
+              </a:extLst>
+            </p:cNvPr>
+            <p:cNvCxnSpPr>
+              <a:cxnSpLocks/>
+            </p:cNvCxnSpPr>
+            <p:nvPr>
+              <p:extLst>
+                <p:ext uri="{386F3935-93C4-4BCD-93E2-E3B085C9AB24}">
+                  <p16:designElem xmlns:p16="http://schemas.microsoft.com/office/powerpoint/2015/main" val="1"/>
+                </p:ext>
+              </p:extLst>
+            </p:nvPr>
+          </p:nvCxnSpPr>
+          <p:spPr>
+            <a:xfrm>
+              <a:off x="12185786" y="-1"/>
+              <a:ext cx="0" cy="6858000"/>
+            </a:xfrm>
+            <a:prstGeom prst="line">
+              <a:avLst/>
+            </a:prstGeom>
+            <a:ln w="12700">
+              <a:solidFill>
+                <a:srgbClr val="BCBCBC">
+                  <a:alpha val="29804"/>
+                </a:srgbClr>
+              </a:solidFill>
+              <a:prstDash val="sysDot"/>
+            </a:ln>
+          </p:spPr>
+          <p:style>
+            <a:lnRef idx="1">
+              <a:schemeClr val="accent1"/>
+            </a:lnRef>
+            <a:fillRef idx="0">
+              <a:schemeClr val="accent1"/>
+            </a:fillRef>
+            <a:effectRef idx="0">
+              <a:schemeClr val="accent1"/>
+            </a:effectRef>
+            <a:fontRef idx="minor">
+              <a:schemeClr val="tx1"/>
+            </a:fontRef>
+          </p:style>
+        </p:cxnSp>
+        <p:cxnSp>
+          <p:nvCxnSpPr>
+            <p:cNvPr id="34" name="Straight Connector 33">
+              <a:extLst>
+                <a:ext uri="{FF2B5EF4-FFF2-40B4-BE49-F238E27FC236}">
+                  <a16:creationId xmlns:a16="http://schemas.microsoft.com/office/drawing/2014/main" id="{014BE4F6-D0F0-4D05-BADF-7BAB7388532A}"/>
+                </a:ext>
+                <a:ext uri="{C183D7F6-B498-43B3-948B-1728B52AA6E4}">
+                  <adec:decorative xmlns:adec="http://schemas.microsoft.com/office/drawing/2017/decorative" val="1"/>
+                </a:ext>
+              </a:extLst>
+            </p:cNvPr>
+            <p:cNvCxnSpPr>
+              <a:cxnSpLocks/>
+            </p:cNvCxnSpPr>
+            <p:nvPr>
+              <p:extLst>
+                <p:ext uri="{386F3935-93C4-4BCD-93E2-E3B085C9AB24}">
+                  <p16:designElem xmlns:p16="http://schemas.microsoft.com/office/powerpoint/2015/main" val="1"/>
+                </p:ext>
+              </p:extLst>
+            </p:nvPr>
+          </p:nvCxnSpPr>
+          <p:spPr>
+            <a:xfrm>
+              <a:off x="0" y="171716"/>
+              <a:ext cx="12192000" cy="0"/>
+            </a:xfrm>
+            <a:prstGeom prst="line">
+              <a:avLst/>
+            </a:prstGeom>
+            <a:ln w="12700">
+              <a:solidFill>
+                <a:srgbClr val="BCBCBC">
+                  <a:alpha val="29804"/>
+                </a:srgbClr>
+              </a:solidFill>
+              <a:prstDash val="sysDot"/>
+            </a:ln>
+          </p:spPr>
+          <p:style>
+            <a:lnRef idx="1">
+              <a:schemeClr val="accent1"/>
+            </a:lnRef>
+            <a:fillRef idx="0">
+              <a:schemeClr val="accent1"/>
+            </a:fillRef>
+            <a:effectRef idx="0">
+              <a:schemeClr val="accent1"/>
+            </a:effectRef>
+            <a:fontRef idx="minor">
+              <a:schemeClr val="tx1"/>
+            </a:fontRef>
+          </p:style>
+        </p:cxnSp>
+        <p:cxnSp>
+          <p:nvCxnSpPr>
+            <p:cNvPr id="35" name="Straight Connector 34">
+              <a:extLst>
+                <a:ext uri="{FF2B5EF4-FFF2-40B4-BE49-F238E27FC236}">
+                  <a16:creationId xmlns:a16="http://schemas.microsoft.com/office/drawing/2014/main" id="{82022A48-AB28-42C0-99AA-84E9E942A2FF}"/>
+                </a:ext>
+                <a:ext uri="{C183D7F6-B498-43B3-948B-1728B52AA6E4}">
+                  <adec:decorative xmlns:adec="http://schemas.microsoft.com/office/drawing/2017/decorative" val="1"/>
+                </a:ext>
+              </a:extLst>
+            </p:cNvPr>
+            <p:cNvCxnSpPr>
+              <a:cxnSpLocks/>
+            </p:cNvCxnSpPr>
+            <p:nvPr>
+              <p:extLst>
+                <p:ext uri="{386F3935-93C4-4BCD-93E2-E3B085C9AB24}">
+                  <p16:designElem xmlns:p16="http://schemas.microsoft.com/office/powerpoint/2015/main" val="1"/>
+                </p:ext>
+              </p:extLst>
+            </p:nvPr>
+          </p:nvCxnSpPr>
+          <p:spPr>
+            <a:xfrm>
+              <a:off x="0" y="714597"/>
+              <a:ext cx="12192000" cy="0"/>
+            </a:xfrm>
+            <a:prstGeom prst="line">
+              <a:avLst/>
+            </a:prstGeom>
+            <a:ln w="12700">
+              <a:solidFill>
+                <a:srgbClr val="BCBCBC">
+                  <a:alpha val="29804"/>
+                </a:srgbClr>
+              </a:solidFill>
+              <a:prstDash val="sysDot"/>
+            </a:ln>
+          </p:spPr>
+          <p:style>
+            <a:lnRef idx="1">
+              <a:schemeClr val="accent1"/>
+            </a:lnRef>
+            <a:fillRef idx="0">
+              <a:schemeClr val="accent1"/>
+            </a:fillRef>
+            <a:effectRef idx="0">
+              <a:schemeClr val="accent1"/>
+            </a:effectRef>
+            <a:fontRef idx="minor">
+              <a:schemeClr val="tx1"/>
+            </a:fontRef>
+          </p:style>
+        </p:cxnSp>
+        <p:cxnSp>
+          <p:nvCxnSpPr>
+            <p:cNvPr id="36" name="Straight Connector 35">
+              <a:extLst>
+                <a:ext uri="{FF2B5EF4-FFF2-40B4-BE49-F238E27FC236}">
+                  <a16:creationId xmlns:a16="http://schemas.microsoft.com/office/drawing/2014/main" id="{1BE1212E-2DDC-41F9-817C-2B0AF529E010}"/>
+                </a:ext>
+                <a:ext uri="{C183D7F6-B498-43B3-948B-1728B52AA6E4}">
+                  <adec:decorative xmlns:adec="http://schemas.microsoft.com/office/drawing/2017/decorative" val="1"/>
+                </a:ext>
+              </a:extLst>
+            </p:cNvPr>
+            <p:cNvCxnSpPr>
+              <a:cxnSpLocks/>
+            </p:cNvCxnSpPr>
+            <p:nvPr>
+              <p:extLst>
+                <p:ext uri="{386F3935-93C4-4BCD-93E2-E3B085C9AB24}">
+                  <p16:designElem xmlns:p16="http://schemas.microsoft.com/office/powerpoint/2015/main" val="1"/>
+                </p:ext>
+              </p:extLst>
+            </p:nvPr>
+          </p:nvCxnSpPr>
+          <p:spPr>
+            <a:xfrm>
+              <a:off x="0" y="1257478"/>
+              <a:ext cx="12192000" cy="0"/>
+            </a:xfrm>
+            <a:prstGeom prst="line">
+              <a:avLst/>
+            </a:prstGeom>
+            <a:ln w="12700">
+              <a:solidFill>
+                <a:srgbClr val="BCBCBC">
+                  <a:alpha val="29804"/>
+                </a:srgbClr>
+              </a:solidFill>
+              <a:prstDash val="sysDot"/>
+            </a:ln>
+          </p:spPr>
+          <p:style>
+            <a:lnRef idx="1">
+              <a:schemeClr val="accent1"/>
+            </a:lnRef>
+            <a:fillRef idx="0">
+              <a:schemeClr val="accent1"/>
+            </a:fillRef>
+            <a:effectRef idx="0">
+              <a:schemeClr val="accent1"/>
+            </a:effectRef>
+            <a:fontRef idx="minor">
+              <a:schemeClr val="tx1"/>
+            </a:fontRef>
+          </p:style>
+        </p:cxnSp>
+        <p:cxnSp>
+          <p:nvCxnSpPr>
+            <p:cNvPr id="37" name="Straight Connector 36">
+              <a:extLst>
+                <a:ext uri="{FF2B5EF4-FFF2-40B4-BE49-F238E27FC236}">
+                  <a16:creationId xmlns:a16="http://schemas.microsoft.com/office/drawing/2014/main" id="{2EAC07E3-6FB7-48B5-9418-5D58EC897AD1}"/>
+                </a:ext>
+                <a:ext uri="{C183D7F6-B498-43B3-948B-1728B52AA6E4}">
+                  <adec:decorative xmlns:adec="http://schemas.microsoft.com/office/drawing/2017/decorative" val="1"/>
+                </a:ext>
+              </a:extLst>
+            </p:cNvPr>
+            <p:cNvCxnSpPr>
+              <a:cxnSpLocks/>
+            </p:cNvCxnSpPr>
+            <p:nvPr>
+              <p:extLst>
+                <p:ext uri="{386F3935-93C4-4BCD-93E2-E3B085C9AB24}">
+                  <p16:designElem xmlns:p16="http://schemas.microsoft.com/office/powerpoint/2015/main" val="1"/>
+                </p:ext>
+              </p:extLst>
+            </p:nvPr>
+          </p:nvCxnSpPr>
+          <p:spPr>
+            <a:xfrm>
+              <a:off x="0" y="1800359"/>
+              <a:ext cx="12192000" cy="0"/>
+            </a:xfrm>
+            <a:prstGeom prst="line">
+              <a:avLst/>
+            </a:prstGeom>
+            <a:ln w="12700">
+              <a:solidFill>
+                <a:srgbClr val="BCBCBC">
+                  <a:alpha val="29804"/>
+                </a:srgbClr>
+              </a:solidFill>
+              <a:prstDash val="sysDot"/>
+            </a:ln>
+          </p:spPr>
+          <p:style>
+            <a:lnRef idx="1">
+              <a:schemeClr val="accent1"/>
+            </a:lnRef>
+            <a:fillRef idx="0">
+              <a:schemeClr val="accent1"/>
+            </a:fillRef>
+            <a:effectRef idx="0">
+              <a:schemeClr val="accent1"/>
+            </a:effectRef>
+            <a:fontRef idx="minor">
+              <a:schemeClr val="tx1"/>
+            </a:fontRef>
+          </p:style>
+        </p:cxnSp>
+        <p:cxnSp>
+          <p:nvCxnSpPr>
+            <p:cNvPr id="38" name="Straight Connector 37">
+              <a:extLst>
+                <a:ext uri="{FF2B5EF4-FFF2-40B4-BE49-F238E27FC236}">
+                  <a16:creationId xmlns:a16="http://schemas.microsoft.com/office/drawing/2014/main" id="{2C112200-C0E8-4E4F-B475-BB0C5619B180}"/>
+                </a:ext>
+                <a:ext uri="{C183D7F6-B498-43B3-948B-1728B52AA6E4}">
+                  <adec:decorative xmlns:adec="http://schemas.microsoft.com/office/drawing/2017/decorative" val="1"/>
+                </a:ext>
+              </a:extLst>
+            </p:cNvPr>
+            <p:cNvCxnSpPr>
+              <a:cxnSpLocks/>
+            </p:cNvCxnSpPr>
+            <p:nvPr>
+              <p:extLst>
+                <p:ext uri="{386F3935-93C4-4BCD-93E2-E3B085C9AB24}">
+                  <p16:designElem xmlns:p16="http://schemas.microsoft.com/office/powerpoint/2015/main" val="1"/>
+                </p:ext>
+              </p:extLst>
+            </p:nvPr>
+          </p:nvCxnSpPr>
+          <p:spPr>
+            <a:xfrm>
+              <a:off x="0" y="2343240"/>
+              <a:ext cx="12192000" cy="0"/>
+            </a:xfrm>
+            <a:prstGeom prst="line">
+              <a:avLst/>
+            </a:prstGeom>
+            <a:ln w="12700">
+              <a:solidFill>
+                <a:srgbClr val="BCBCBC">
+                  <a:alpha val="29804"/>
+                </a:srgbClr>
+              </a:solidFill>
+              <a:prstDash val="sysDot"/>
+            </a:ln>
+          </p:spPr>
+          <p:style>
+            <a:lnRef idx="1">
+              <a:schemeClr val="accent1"/>
+            </a:lnRef>
+            <a:fillRef idx="0">
+              <a:schemeClr val="accent1"/>
+            </a:fillRef>
+            <a:effectRef idx="0">
+              <a:schemeClr val="accent1"/>
+            </a:effectRef>
+            <a:fontRef idx="minor">
+              <a:schemeClr val="tx1"/>
+            </a:fontRef>
+          </p:style>
+        </p:cxnSp>
+        <p:cxnSp>
+          <p:nvCxnSpPr>
+            <p:cNvPr id="39" name="Straight Connector 38">
+              <a:extLst>
+                <a:ext uri="{FF2B5EF4-FFF2-40B4-BE49-F238E27FC236}">
+                  <a16:creationId xmlns:a16="http://schemas.microsoft.com/office/drawing/2014/main" id="{9BA45913-5C20-4A2E-9401-B69D433BAC0A}"/>
+                </a:ext>
+                <a:ext uri="{C183D7F6-B498-43B3-948B-1728B52AA6E4}">
+                  <adec:decorative xmlns:adec="http://schemas.microsoft.com/office/drawing/2017/decorative" val="1"/>
+                </a:ext>
+              </a:extLst>
+            </p:cNvPr>
+            <p:cNvCxnSpPr>
+              <a:cxnSpLocks/>
+            </p:cNvCxnSpPr>
+            <p:nvPr>
+              <p:extLst>
+                <p:ext uri="{386F3935-93C4-4BCD-93E2-E3B085C9AB24}">
+                  <p16:designElem xmlns:p16="http://schemas.microsoft.com/office/powerpoint/2015/main" val="1"/>
+                </p:ext>
+              </p:extLst>
+            </p:nvPr>
+          </p:nvCxnSpPr>
+          <p:spPr>
+            <a:xfrm>
+              <a:off x="0" y="2886121"/>
+              <a:ext cx="12192000" cy="0"/>
+            </a:xfrm>
+            <a:prstGeom prst="line">
+              <a:avLst/>
+            </a:prstGeom>
+            <a:ln w="12700">
+              <a:solidFill>
+                <a:srgbClr val="BCBCBC">
+                  <a:alpha val="29804"/>
+                </a:srgbClr>
+              </a:solidFill>
+              <a:prstDash val="sysDot"/>
+            </a:ln>
+          </p:spPr>
+          <p:style>
+            <a:lnRef idx="1">
+              <a:schemeClr val="accent1"/>
+            </a:lnRef>
+            <a:fillRef idx="0">
+              <a:schemeClr val="accent1"/>
+            </a:fillRef>
+            <a:effectRef idx="0">
+              <a:schemeClr val="accent1"/>
+            </a:effectRef>
+            <a:fontRef idx="minor">
+              <a:schemeClr val="tx1"/>
+            </a:fontRef>
+          </p:style>
+        </p:cxnSp>
+        <p:cxnSp>
+          <p:nvCxnSpPr>
+            <p:cNvPr id="40" name="Straight Connector 39">
+              <a:extLst>
+                <a:ext uri="{FF2B5EF4-FFF2-40B4-BE49-F238E27FC236}">
+                  <a16:creationId xmlns:a16="http://schemas.microsoft.com/office/drawing/2014/main" id="{253BFA98-23F1-401A-B615-F706954A49DE}"/>
+                </a:ext>
+                <a:ext uri="{C183D7F6-B498-43B3-948B-1728B52AA6E4}">
+                  <adec:decorative xmlns:adec="http://schemas.microsoft.com/office/drawing/2017/decorative" val="1"/>
+                </a:ext>
+              </a:extLst>
+            </p:cNvPr>
+            <p:cNvCxnSpPr>
+              <a:cxnSpLocks/>
+            </p:cNvCxnSpPr>
+            <p:nvPr>
+              <p:extLst>
+                <p:ext uri="{386F3935-93C4-4BCD-93E2-E3B085C9AB24}">
+                  <p16:designElem xmlns:p16="http://schemas.microsoft.com/office/powerpoint/2015/main" val="1"/>
+                </p:ext>
+              </p:extLst>
+            </p:nvPr>
+          </p:nvCxnSpPr>
+          <p:spPr>
+            <a:xfrm>
+              <a:off x="0" y="3429002"/>
+              <a:ext cx="12192000" cy="0"/>
+            </a:xfrm>
+            <a:prstGeom prst="line">
+              <a:avLst/>
+            </a:prstGeom>
+            <a:ln w="12700">
+              <a:solidFill>
+                <a:srgbClr val="BCBCBC">
+                  <a:alpha val="29804"/>
+                </a:srgbClr>
+              </a:solidFill>
+              <a:prstDash val="sysDot"/>
+            </a:ln>
+          </p:spPr>
+          <p:style>
+            <a:lnRef idx="1">
+              <a:schemeClr val="accent1"/>
+            </a:lnRef>
+            <a:fillRef idx="0">
+              <a:schemeClr val="accent1"/>
+            </a:fillRef>
+            <a:effectRef idx="0">
+              <a:schemeClr val="accent1"/>
+            </a:effectRef>
+            <a:fontRef idx="minor">
+              <a:schemeClr val="tx1"/>
+            </a:fontRef>
+          </p:style>
+        </p:cxnSp>
+        <p:cxnSp>
+          <p:nvCxnSpPr>
+            <p:cNvPr id="41" name="Straight Connector 40">
+              <a:extLst>
+                <a:ext uri="{FF2B5EF4-FFF2-40B4-BE49-F238E27FC236}">
+                  <a16:creationId xmlns:a16="http://schemas.microsoft.com/office/drawing/2014/main" id="{99EE95EF-D097-47D9-98DF-5BA037C4978F}"/>
+                </a:ext>
+                <a:ext uri="{C183D7F6-B498-43B3-948B-1728B52AA6E4}">
+                  <adec:decorative xmlns:adec="http://schemas.microsoft.com/office/drawing/2017/decorative" val="1"/>
+                </a:ext>
+              </a:extLst>
+            </p:cNvPr>
+            <p:cNvCxnSpPr>
+              <a:cxnSpLocks/>
+            </p:cNvCxnSpPr>
+            <p:nvPr>
+              <p:extLst>
+                <p:ext uri="{386F3935-93C4-4BCD-93E2-E3B085C9AB24}">
+                  <p16:designElem xmlns:p16="http://schemas.microsoft.com/office/powerpoint/2015/main" val="1"/>
+                </p:ext>
+              </p:extLst>
+            </p:nvPr>
+          </p:nvCxnSpPr>
+          <p:spPr>
+            <a:xfrm>
+              <a:off x="0" y="3971883"/>
+              <a:ext cx="12192000" cy="0"/>
+            </a:xfrm>
+            <a:prstGeom prst="line">
+              <a:avLst/>
+            </a:prstGeom>
+            <a:ln w="12700">
+              <a:solidFill>
+                <a:srgbClr val="BCBCBC">
+                  <a:alpha val="29804"/>
+                </a:srgbClr>
+              </a:solidFill>
+              <a:prstDash val="sysDot"/>
+            </a:ln>
+          </p:spPr>
+          <p:style>
+            <a:lnRef idx="1">
+              <a:schemeClr val="accent1"/>
+            </a:lnRef>
+            <a:fillRef idx="0">
+              <a:schemeClr val="accent1"/>
+            </a:fillRef>
+            <a:effectRef idx="0">
+              <a:schemeClr val="accent1"/>
+            </a:effectRef>
+            <a:fontRef idx="minor">
+              <a:schemeClr val="tx1"/>
+            </a:fontRef>
+          </p:style>
+        </p:cxnSp>
+        <p:cxnSp>
+          <p:nvCxnSpPr>
+            <p:cNvPr id="42" name="Straight Connector 41">
+              <a:extLst>
+                <a:ext uri="{FF2B5EF4-FFF2-40B4-BE49-F238E27FC236}">
+                  <a16:creationId xmlns:a16="http://schemas.microsoft.com/office/drawing/2014/main" id="{72E5EAA5-1BC5-4C85-85D9-F7BA73476C16}"/>
+                </a:ext>
+                <a:ext uri="{C183D7F6-B498-43B3-948B-1728B52AA6E4}">
+                  <adec:decorative xmlns:adec="http://schemas.microsoft.com/office/drawing/2017/decorative" val="1"/>
+                </a:ext>
+              </a:extLst>
+            </p:cNvPr>
+            <p:cNvCxnSpPr>
+              <a:cxnSpLocks/>
+            </p:cNvCxnSpPr>
+            <p:nvPr>
+              <p:extLst>
+                <p:ext uri="{386F3935-93C4-4BCD-93E2-E3B085C9AB24}">
+                  <p16:designElem xmlns:p16="http://schemas.microsoft.com/office/powerpoint/2015/main" val="1"/>
+                </p:ext>
+              </p:extLst>
+            </p:nvPr>
+          </p:nvCxnSpPr>
+          <p:spPr>
+            <a:xfrm>
+              <a:off x="0" y="4514764"/>
+              <a:ext cx="12192000" cy="0"/>
+            </a:xfrm>
+            <a:prstGeom prst="line">
+              <a:avLst/>
+            </a:prstGeom>
+            <a:ln w="12700">
+              <a:solidFill>
+                <a:srgbClr val="BCBCBC">
+                  <a:alpha val="29804"/>
+                </a:srgbClr>
+              </a:solidFill>
+              <a:prstDash val="sysDot"/>
+            </a:ln>
+          </p:spPr>
+          <p:style>
+            <a:lnRef idx="1">
+              <a:schemeClr val="accent1"/>
+            </a:lnRef>
+            <a:fillRef idx="0">
+              <a:schemeClr val="accent1"/>
+            </a:fillRef>
+            <a:effectRef idx="0">
+              <a:schemeClr val="accent1"/>
+            </a:effectRef>
+            <a:fontRef idx="minor">
+              <a:schemeClr val="tx1"/>
+            </a:fontRef>
+          </p:style>
+        </p:cxnSp>
+        <p:cxnSp>
+          <p:nvCxnSpPr>
+            <p:cNvPr id="43" name="Straight Connector 42">
+              <a:extLst>
+                <a:ext uri="{FF2B5EF4-FFF2-40B4-BE49-F238E27FC236}">
+                  <a16:creationId xmlns:a16="http://schemas.microsoft.com/office/drawing/2014/main" id="{38F5AAC3-E106-4C3A-986B-23C44A9B1BB3}"/>
+                </a:ext>
+                <a:ext uri="{C183D7F6-B498-43B3-948B-1728B52AA6E4}">
+                  <adec:decorative xmlns:adec="http://schemas.microsoft.com/office/drawing/2017/decorative" val="1"/>
+                </a:ext>
+              </a:extLst>
+            </p:cNvPr>
+            <p:cNvCxnSpPr>
+              <a:cxnSpLocks/>
+            </p:cNvCxnSpPr>
+            <p:nvPr>
+              <p:extLst>
+                <p:ext uri="{386F3935-93C4-4BCD-93E2-E3B085C9AB24}">
+                  <p16:designElem xmlns:p16="http://schemas.microsoft.com/office/powerpoint/2015/main" val="1"/>
+                </p:ext>
+              </p:extLst>
+            </p:nvPr>
+          </p:nvCxnSpPr>
+          <p:spPr>
+            <a:xfrm>
+              <a:off x="0" y="5057645"/>
+              <a:ext cx="12192000" cy="0"/>
+            </a:xfrm>
+            <a:prstGeom prst="line">
+              <a:avLst/>
+            </a:prstGeom>
+            <a:ln w="12700">
+              <a:solidFill>
+                <a:srgbClr val="BCBCBC">
+                  <a:alpha val="29804"/>
+                </a:srgbClr>
+              </a:solidFill>
+              <a:prstDash val="sysDot"/>
+            </a:ln>
+          </p:spPr>
+          <p:style>
+            <a:lnRef idx="1">
+              <a:schemeClr val="accent1"/>
+            </a:lnRef>
+            <a:fillRef idx="0">
+              <a:schemeClr val="accent1"/>
+            </a:fillRef>
+            <a:effectRef idx="0">
+              <a:schemeClr val="accent1"/>
+            </a:effectRef>
+            <a:fontRef idx="minor">
+              <a:schemeClr val="tx1"/>
+            </a:fontRef>
+          </p:style>
+        </p:cxnSp>
+        <p:cxnSp>
+          <p:nvCxnSpPr>
+            <p:cNvPr id="44" name="Straight Connector 43">
+              <a:extLst>
+                <a:ext uri="{FF2B5EF4-FFF2-40B4-BE49-F238E27FC236}">
+                  <a16:creationId xmlns:a16="http://schemas.microsoft.com/office/drawing/2014/main" id="{3EC6582A-5366-4B33-8D40-2B474D8B5783}"/>
+                </a:ext>
+                <a:ext uri="{C183D7F6-B498-43B3-948B-1728B52AA6E4}">
+                  <adec:decorative xmlns:adec="http://schemas.microsoft.com/office/drawing/2017/decorative" val="1"/>
+                </a:ext>
+              </a:extLst>
+            </p:cNvPr>
+            <p:cNvCxnSpPr>
+              <a:cxnSpLocks/>
+            </p:cNvCxnSpPr>
+            <p:nvPr>
+              <p:extLst>
+                <p:ext uri="{386F3935-93C4-4BCD-93E2-E3B085C9AB24}">
+                  <p16:designElem xmlns:p16="http://schemas.microsoft.com/office/powerpoint/2015/main" val="1"/>
+                </p:ext>
+              </p:extLst>
+            </p:nvPr>
+          </p:nvCxnSpPr>
+          <p:spPr>
+            <a:xfrm>
+              <a:off x="0" y="5600526"/>
+              <a:ext cx="12192000" cy="0"/>
+            </a:xfrm>
+            <a:prstGeom prst="line">
+              <a:avLst/>
+            </a:prstGeom>
+            <a:ln w="12700">
+              <a:solidFill>
+                <a:srgbClr val="BCBCBC">
+                  <a:alpha val="29804"/>
+                </a:srgbClr>
+              </a:solidFill>
+              <a:prstDash val="sysDot"/>
+            </a:ln>
+          </p:spPr>
+          <p:style>
+            <a:lnRef idx="1">
+              <a:schemeClr val="accent1"/>
+            </a:lnRef>
+            <a:fillRef idx="0">
+              <a:schemeClr val="accent1"/>
+            </a:fillRef>
+            <a:effectRef idx="0">
+              <a:schemeClr val="accent1"/>
+            </a:effectRef>
+            <a:fontRef idx="minor">
+              <a:schemeClr val="tx1"/>
+            </a:fontRef>
+          </p:style>
+        </p:cxnSp>
+        <p:cxnSp>
+          <p:nvCxnSpPr>
+            <p:cNvPr id="45" name="Straight Connector 44">
+              <a:extLst>
+                <a:ext uri="{FF2B5EF4-FFF2-40B4-BE49-F238E27FC236}">
+                  <a16:creationId xmlns:a16="http://schemas.microsoft.com/office/drawing/2014/main" id="{8A25249E-2F40-425D-A7F1-B7E55EF53C8D}"/>
+                </a:ext>
+                <a:ext uri="{C183D7F6-B498-43B3-948B-1728B52AA6E4}">
+                  <adec:decorative xmlns:adec="http://schemas.microsoft.com/office/drawing/2017/decorative" val="1"/>
+                </a:ext>
+              </a:extLst>
+            </p:cNvPr>
+            <p:cNvCxnSpPr>
+              <a:cxnSpLocks/>
+            </p:cNvCxnSpPr>
+            <p:nvPr>
+              <p:extLst>
+                <p:ext uri="{386F3935-93C4-4BCD-93E2-E3B085C9AB24}">
+                  <p16:designElem xmlns:p16="http://schemas.microsoft.com/office/powerpoint/2015/main" val="1"/>
+                </p:ext>
+              </p:extLst>
+            </p:nvPr>
+          </p:nvCxnSpPr>
+          <p:spPr>
+            <a:xfrm>
+              <a:off x="0" y="6857999"/>
+              <a:ext cx="12192000" cy="0"/>
+            </a:xfrm>
+            <a:prstGeom prst="line">
+              <a:avLst/>
+            </a:prstGeom>
+            <a:ln w="12700">
+              <a:solidFill>
+                <a:srgbClr val="BCBCBC">
+                  <a:alpha val="29804"/>
+                </a:srgbClr>
+              </a:solidFill>
+              <a:prstDash val="sysDot"/>
+            </a:ln>
+          </p:spPr>
+          <p:style>
+            <a:lnRef idx="1">
+              <a:schemeClr val="accent1"/>
+            </a:lnRef>
+            <a:fillRef idx="0">
+              <a:schemeClr val="accent1"/>
+            </a:fillRef>
+            <a:effectRef idx="0">
+              <a:schemeClr val="accent1"/>
+            </a:effectRef>
+            <a:fontRef idx="minor">
+              <a:schemeClr val="tx1"/>
+            </a:fontRef>
+          </p:style>
+        </p:cxnSp>
+        <p:cxnSp>
+          <p:nvCxnSpPr>
+            <p:cNvPr id="46" name="Straight Connector 45">
+              <a:extLst>
+                <a:ext uri="{FF2B5EF4-FFF2-40B4-BE49-F238E27FC236}">
+                  <a16:creationId xmlns:a16="http://schemas.microsoft.com/office/drawing/2014/main" id="{A13EC936-5CFC-4FE5-BCA8-59B3A2EFB63A}"/>
+                </a:ext>
+                <a:ext uri="{C183D7F6-B498-43B3-948B-1728B52AA6E4}">
+                  <adec:decorative xmlns:adec="http://schemas.microsoft.com/office/drawing/2017/decorative" val="1"/>
+                </a:ext>
+              </a:extLst>
+            </p:cNvPr>
+            <p:cNvCxnSpPr>
+              <a:cxnSpLocks/>
+            </p:cNvCxnSpPr>
+            <p:nvPr>
+              <p:extLst>
+                <p:ext uri="{386F3935-93C4-4BCD-93E2-E3B085C9AB24}">
+                  <p16:designElem xmlns:p16="http://schemas.microsoft.com/office/powerpoint/2015/main" val="1"/>
+                </p:ext>
+              </p:extLst>
+            </p:nvPr>
+          </p:nvCxnSpPr>
+          <p:spPr>
+            <a:xfrm>
+              <a:off x="16613" y="6143407"/>
+              <a:ext cx="12192000" cy="0"/>
+            </a:xfrm>
+            <a:prstGeom prst="line">
+              <a:avLst/>
+            </a:prstGeom>
+            <a:ln w="12700">
+              <a:solidFill>
+                <a:srgbClr val="BCBCBC">
+                  <a:alpha val="29804"/>
+                </a:srgbClr>
+              </a:solidFill>
+              <a:prstDash val="sysDot"/>
+            </a:ln>
+          </p:spPr>
+          <p:style>
+            <a:lnRef idx="1">
+              <a:schemeClr val="accent1"/>
+            </a:lnRef>
+            <a:fillRef idx="0">
+              <a:schemeClr val="accent1"/>
+            </a:fillRef>
+            <a:effectRef idx="0">
+              <a:schemeClr val="accent1"/>
+            </a:effectRef>
+            <a:fontRef idx="minor">
+              <a:schemeClr val="tx1"/>
+            </a:fontRef>
+          </p:style>
+        </p:cxnSp>
+        <p:cxnSp>
+          <p:nvCxnSpPr>
+            <p:cNvPr id="47" name="Straight Connector 46">
+              <a:extLst>
+                <a:ext uri="{FF2B5EF4-FFF2-40B4-BE49-F238E27FC236}">
+                  <a16:creationId xmlns:a16="http://schemas.microsoft.com/office/drawing/2014/main" id="{FCDE7F7A-C490-430C-876F-0349FC8BFB95}"/>
+                </a:ext>
+                <a:ext uri="{C183D7F6-B498-43B3-948B-1728B52AA6E4}">
+                  <adec:decorative xmlns:adec="http://schemas.microsoft.com/office/drawing/2017/decorative" val="1"/>
+                </a:ext>
+              </a:extLst>
+            </p:cNvPr>
+            <p:cNvCxnSpPr>
+              <a:cxnSpLocks/>
+            </p:cNvCxnSpPr>
+            <p:nvPr>
+              <p:extLst>
+                <p:ext uri="{386F3935-93C4-4BCD-93E2-E3B085C9AB24}">
+                  <p16:designElem xmlns:p16="http://schemas.microsoft.com/office/powerpoint/2015/main" val="1"/>
+                </p:ext>
+              </p:extLst>
+            </p:nvPr>
+          </p:nvCxnSpPr>
+          <p:spPr>
+            <a:xfrm>
+              <a:off x="684225" y="171716"/>
+              <a:ext cx="0" cy="6511464"/>
+            </a:xfrm>
+            <a:prstGeom prst="line">
+              <a:avLst/>
+            </a:prstGeom>
+            <a:ln w="12700">
+              <a:solidFill>
+                <a:srgbClr val="BCBCBC">
+                  <a:alpha val="29804"/>
+                </a:srgbClr>
+              </a:solidFill>
+              <a:prstDash val="sysDot"/>
+            </a:ln>
+          </p:spPr>
+          <p:style>
+            <a:lnRef idx="1">
+              <a:schemeClr val="accent1"/>
+            </a:lnRef>
+            <a:fillRef idx="0">
+              <a:schemeClr val="accent1"/>
+            </a:fillRef>
+            <a:effectRef idx="0">
+              <a:schemeClr val="accent1"/>
+            </a:effectRef>
+            <a:fontRef idx="minor">
+              <a:schemeClr val="tx1"/>
+            </a:fontRef>
+          </p:style>
+        </p:cxnSp>
+        <p:cxnSp>
+          <p:nvCxnSpPr>
+            <p:cNvPr id="48" name="Straight Connector 47">
+              <a:extLst>
+                <a:ext uri="{FF2B5EF4-FFF2-40B4-BE49-F238E27FC236}">
+                  <a16:creationId xmlns:a16="http://schemas.microsoft.com/office/drawing/2014/main" id="{CD686B4E-119A-4F4A-9392-1F9CFE3BEE38}"/>
+                </a:ext>
+                <a:ext uri="{C183D7F6-B498-43B3-948B-1728B52AA6E4}">
+                  <adec:decorative xmlns:adec="http://schemas.microsoft.com/office/drawing/2017/decorative" val="1"/>
+                </a:ext>
+              </a:extLst>
+            </p:cNvPr>
+            <p:cNvCxnSpPr>
+              <a:cxnSpLocks/>
+            </p:cNvCxnSpPr>
+            <p:nvPr>
+              <p:extLst>
+                <p:ext uri="{386F3935-93C4-4BCD-93E2-E3B085C9AB24}">
+                  <p16:designElem xmlns:p16="http://schemas.microsoft.com/office/powerpoint/2015/main" val="1"/>
+                </p:ext>
+              </p:extLst>
+            </p:nvPr>
+          </p:nvCxnSpPr>
+          <p:spPr>
+            <a:xfrm>
+              <a:off x="11508412" y="173267"/>
+              <a:ext cx="0" cy="6511464"/>
+            </a:xfrm>
+            <a:prstGeom prst="line">
+              <a:avLst/>
+            </a:prstGeom>
+            <a:ln w="12700">
+              <a:solidFill>
+                <a:srgbClr val="BCBCBC">
+                  <a:alpha val="29804"/>
+                </a:srgbClr>
+              </a:solidFill>
+              <a:prstDash val="sysDot"/>
+            </a:ln>
+          </p:spPr>
+          <p:style>
+            <a:lnRef idx="1">
+              <a:schemeClr val="accent1"/>
+            </a:lnRef>
+            <a:fillRef idx="0">
+              <a:schemeClr val="accent1"/>
+            </a:fillRef>
+            <a:effectRef idx="0">
+              <a:schemeClr val="accent1"/>
+            </a:effectRef>
+            <a:fontRef idx="minor">
+              <a:schemeClr val="tx1"/>
+            </a:fontRef>
+          </p:style>
+        </p:cxnSp>
+      </p:grpSp>
+      <p:sp>
+        <p:nvSpPr>
+          <p:cNvPr id="50" name="Right Triangle 49">
+            <a:extLst>
+              <a:ext uri="{FF2B5EF4-FFF2-40B4-BE49-F238E27FC236}">
+                <a16:creationId xmlns:a16="http://schemas.microsoft.com/office/drawing/2014/main" id="{F3730C34-30B8-42E4-824D-F095747C45E1}"/>
+              </a:ext>
+              <a:ext uri="{C183D7F6-B498-43B3-948B-1728B52AA6E4}">
+                <adec:decorative xmlns:adec="http://schemas.microsoft.com/office/drawing/2017/decorative" val="1"/>
+              </a:ext>
+            </a:extLst>
+          </p:cNvPr>
+          <p:cNvSpPr>
+            <a:spLocks noGrp="1" noRot="1" noChangeAspect="1" noMove="1" noResize="1" noEditPoints="1" noAdjustHandles="1" noChangeArrowheads="1" noChangeShapeType="1" noTextEdit="1"/>
+          </p:cNvSpPr>
+          <p:nvPr>
+            <p:extLst>
+              <p:ext uri="{386F3935-93C4-4BCD-93E2-E3B085C9AB24}">
+                <p16:designElem xmlns:p16="http://schemas.microsoft.com/office/powerpoint/2015/main" val="1"/>
+              </p:ext>
+            </p:extLst>
+          </p:nvPr>
+        </p:nvSpPr>
+        <p:spPr>
+          <a:xfrm rot="13500000">
+            <a:off x="-281095" y="2059091"/>
+            <a:ext cx="568289" cy="568289"/>
+          </a:xfrm>
+          <a:prstGeom prst="rtTriangle">
+            <a:avLst/>
+          </a:prstGeom>
+          <a:solidFill>
+            <a:schemeClr val="accent1">
+              <a:alpha val="50000"/>
+            </a:schemeClr>
+          </a:solidFill>
+          <a:ln>
+            <a:noFill/>
+          </a:ln>
+        </p:spPr>
+        <p:style>
+          <a:lnRef idx="2">
+            <a:schemeClr val="accent1">
+              <a:shade val="50000"/>
+            </a:schemeClr>
+          </a:lnRef>
+          <a:fillRef idx="1">
+            <a:schemeClr val="accent1"/>
+          </a:fillRef>
+          <a:effectRef idx="0">
+            <a:schemeClr val="accent1"/>
+          </a:effectRef>
+          <a:fontRef idx="minor">
+            <a:schemeClr val="lt1"/>
+          </a:fontRef>
+        </p:style>
+        <p:txBody>
+          <a:bodyPr rtlCol="0" anchor="ctr"/>
+          <a:lstStyle/>
+          <a:p>
+            <a:pPr algn="ctr"/>
+            <a:endParaRPr lang="en-US">
+              <a:solidFill>
+                <a:schemeClr val="tx1"/>
+              </a:solidFill>
+            </a:endParaRPr>
+          </a:p>
+        </p:txBody>
+      </p:sp>
       <p:sp>
         <p:nvSpPr>
           <p:cNvPr id="2" name="标题 1">
@@ -19389,9 +24179,16 @@
             <p:ph type="title"/>
           </p:nvPr>
         </p:nvSpPr>
-        <p:spPr/>
+        <p:spPr>
+          <a:xfrm>
+            <a:off x="691079" y="725951"/>
+            <a:ext cx="5398648" cy="1878413"/>
+          </a:xfrm>
+        </p:spPr>
         <p:txBody>
-          <a:bodyPr/>
+          <a:bodyPr vert="horz" lIns="91440" tIns="45720" rIns="91440" bIns="45720" rtlCol="0" anchor="b">
+            <a:normAutofit/>
+          </a:bodyPr>
           <a:lstStyle/>
           <a:p>
             <a:r>
@@ -19417,15 +24214,15 @@
         </p:nvSpPr>
         <p:spPr>
           <a:xfrm>
-            <a:off x="691079" y="2886117"/>
-            <a:ext cx="4038652" cy="3276824"/>
+            <a:off x="691079" y="2883005"/>
+            <a:ext cx="5398648" cy="3260398"/>
           </a:xfrm>
           <a:prstGeom prst="rect">
             <a:avLst/>
           </a:prstGeom>
         </p:spPr>
         <p:txBody>
-          <a:bodyPr lIns="109728" tIns="109728" rIns="109728" bIns="91440">
+          <a:bodyPr vert="horz" lIns="91440" tIns="45720" rIns="91440" bIns="45720" rtlCol="0">
             <a:normAutofit/>
           </a:bodyPr>
           <a:lstStyle>
@@ -19628,6 +24425,11 @@
             </a:lvl9pPr>
           </a:lstStyle>
           <a:p>
+            <a:pPr>
+              <a:lnSpc>
+                <a:spcPct val="110000"/>
+              </a:lnSpc>
+            </a:pPr>
             <a:r>
               <a:rPr lang="zh-CN" altLang="en-US" dirty="0"/>
               <a:t>简易的登录界面以及登录、注册功能的实现</a:t>
@@ -19635,19 +24437,44 @@
             <a:endParaRPr lang="en-US" altLang="zh-CN" dirty="0"/>
           </a:p>
           <a:p>
+            <a:pPr>
+              <a:lnSpc>
+                <a:spcPct val="110000"/>
+              </a:lnSpc>
+            </a:pPr>
             <a:r>
               <a:rPr lang="zh-CN" altLang="en-US" dirty="0"/>
               <a:t>主页基本的结构设计</a:t>
+            </a:r>
+            <a:endParaRPr lang="en-US" altLang="zh-CN" dirty="0"/>
+          </a:p>
+          <a:p>
+            <a:pPr>
+              <a:lnSpc>
+                <a:spcPct val="110000"/>
+              </a:lnSpc>
+            </a:pPr>
+            <a:r>
+              <a:rPr lang="zh-CN" altLang="en-US" dirty="0"/>
+              <a:t>后端登录注册功能对应接口的业务逻辑书写以及</a:t>
+            </a:r>
+            <a:r>
+              <a:rPr lang="en-US" altLang="zh-CN" dirty="0"/>
+              <a:t>token</a:t>
+            </a:r>
+            <a:r>
+              <a:rPr lang="zh-CN" altLang="en-US" dirty="0"/>
+              <a:t>管理等功能</a:t>
             </a:r>
           </a:p>
         </p:txBody>
       </p:sp>
       <p:pic>
         <p:nvPicPr>
-          <p:cNvPr id="8" name="图片 7" descr="电脑萤幕的截图&#10;&#10;AI 生成的内容可能不正确。">
+          <p:cNvPr id="10" name="图片 9" descr="图形用户界面, 应用程序&#10;&#10;AI 生成的内容可能不正确。">
             <a:extLst>
               <a:ext uri="{FF2B5EF4-FFF2-40B4-BE49-F238E27FC236}">
-                <a16:creationId xmlns:a16="http://schemas.microsoft.com/office/drawing/2014/main" id="{6654B1B5-7209-59BF-86E2-741637B2008F}"/>
+                <a16:creationId xmlns:a16="http://schemas.microsoft.com/office/drawing/2014/main" id="{230600E4-8A11-8C57-F7F1-1BB35618E22F}"/>
               </a:ext>
             </a:extLst>
           </p:cNvPr>
@@ -19670,8 +24497,8 @@
         </p:blipFill>
         <p:spPr>
           <a:xfrm>
-            <a:off x="5472596" y="3569838"/>
-            <a:ext cx="6096000" cy="3082542"/>
+            <a:off x="6983514" y="732332"/>
+            <a:ext cx="4505237" cy="2624300"/>
           </a:xfrm>
           <a:prstGeom prst="rect">
             <a:avLst/>
@@ -19680,10 +24507,10 @@
       </p:pic>
       <p:pic>
         <p:nvPicPr>
-          <p:cNvPr id="10" name="图片 9" descr="图形用户界面, 应用程序&#10;&#10;AI 生成的内容可能不正确。">
+          <p:cNvPr id="8" name="图片 7" descr="电脑萤幕的截图&#10;&#10;AI 生成的内容可能不正确。">
             <a:extLst>
               <a:ext uri="{FF2B5EF4-FFF2-40B4-BE49-F238E27FC236}">
-                <a16:creationId xmlns:a16="http://schemas.microsoft.com/office/drawing/2014/main" id="{230600E4-8A11-8C57-F7F1-1BB35618E22F}"/>
+                <a16:creationId xmlns:a16="http://schemas.microsoft.com/office/drawing/2014/main" id="{6654B1B5-7209-59BF-86E2-741637B2008F}"/>
               </a:ext>
             </a:extLst>
           </p:cNvPr>
@@ -19706,47 +24533,12 @@
         </p:blipFill>
         <p:spPr>
           <a:xfrm>
-            <a:off x="5472596" y="0"/>
-            <a:ext cx="6040633" cy="3557280"/>
+            <a:off x="6983514" y="3507853"/>
+            <a:ext cx="4505239" cy="2275146"/>
           </a:xfrm>
           <a:prstGeom prst="rect">
             <a:avLst/>
           </a:prstGeom>
-        </p:spPr>
-      </p:pic>
-      <p:pic>
-        <p:nvPicPr>
-          <p:cNvPr id="14" name="内容占位符 13" descr="屏幕上有字&#10;&#10;AI 生成的内容可能不正确。">
-            <a:extLst>
-              <a:ext uri="{FF2B5EF4-FFF2-40B4-BE49-F238E27FC236}">
-                <a16:creationId xmlns:a16="http://schemas.microsoft.com/office/drawing/2014/main" id="{5F423116-6067-7E45-F3CE-F2FA6B8F6B5F}"/>
-              </a:ext>
-            </a:extLst>
-          </p:cNvPr>
-          <p:cNvPicPr>
-            <a:picLocks noGrp="1" noChangeAspect="1"/>
-          </p:cNvPicPr>
-          <p:nvPr>
-            <p:ph idx="1"/>
-          </p:nvPr>
-        </p:nvPicPr>
-        <p:blipFill>
-          <a:blip r:embed="rId5">
-            <a:extLst>
-              <a:ext uri="{28A0092B-C50C-407E-A947-70E740481C1C}">
-                <a14:useLocalDpi xmlns:a14="http://schemas.microsoft.com/office/drawing/2010/main" val="0"/>
-              </a:ext>
-            </a:extLst>
-          </a:blip>
-          <a:stretch>
-            <a:fillRect/>
-          </a:stretch>
-        </p:blipFill>
-        <p:spPr>
-          <a:xfrm>
-            <a:off x="568036" y="5953156"/>
-            <a:ext cx="4830473" cy="683633"/>
-          </a:xfrm>
         </p:spPr>
       </p:pic>
     </p:spTree>
@@ -19765,6 +24557,14 @@
 <file path=ppt/slides/slide6.xml><?xml version="1.0" encoding="utf-8"?>
 <p:sld xmlns:a="http://schemas.openxmlformats.org/drawingml/2006/main" xmlns:r="http://schemas.openxmlformats.org/officeDocument/2006/relationships" xmlns:p="http://schemas.openxmlformats.org/presentationml/2006/main">
   <p:cSld>
+    <p:bg>
+      <p:bgPr>
+        <a:solidFill>
+          <a:schemeClr val="bg1"/>
+        </a:solidFill>
+        <a:effectLst/>
+      </p:bgPr>
+    </p:bg>
     <p:spTree>
       <p:nvGrpSpPr>
         <p:cNvPr id="1" name=""/>
@@ -19779,6 +24579,1876 @@
           <a:chExt cx="0" cy="0"/>
         </a:xfrm>
       </p:grpSpPr>
+      <p:sp useBgFill="1">
+        <p:nvSpPr>
+          <p:cNvPr id="9" name="Rectangle 8">
+            <a:extLst>
+              <a:ext uri="{FF2B5EF4-FFF2-40B4-BE49-F238E27FC236}">
+                <a16:creationId xmlns:a16="http://schemas.microsoft.com/office/drawing/2014/main" id="{F14D45BF-E397-40C0-AFE3-A4149E60E152}"/>
+              </a:ext>
+              <a:ext uri="{C183D7F6-B498-43B3-948B-1728B52AA6E4}">
+                <adec:decorative xmlns:adec="http://schemas.microsoft.com/office/drawing/2017/decorative" val="1"/>
+              </a:ext>
+            </a:extLst>
+          </p:cNvPr>
+          <p:cNvSpPr>
+            <a:spLocks noGrp="1" noRot="1" noChangeAspect="1" noMove="1" noResize="1" noEditPoints="1" noAdjustHandles="1" noChangeArrowheads="1" noChangeShapeType="1" noTextEdit="1"/>
+          </p:cNvSpPr>
+          <p:nvPr>
+            <p:extLst>
+              <p:ext uri="{386F3935-93C4-4BCD-93E2-E3B085C9AB24}">
+                <p16:designElem xmlns:p16="http://schemas.microsoft.com/office/powerpoint/2015/main" val="1"/>
+              </p:ext>
+            </p:extLst>
+          </p:nvPr>
+        </p:nvSpPr>
+        <p:spPr>
+          <a:xfrm>
+            <a:off x="0" y="0"/>
+            <a:ext cx="12208613" cy="6858000"/>
+          </a:xfrm>
+          <a:prstGeom prst="rect">
+            <a:avLst/>
+          </a:prstGeom>
+          <a:ln>
+            <a:noFill/>
+          </a:ln>
+        </p:spPr>
+        <p:style>
+          <a:lnRef idx="2">
+            <a:schemeClr val="accent1">
+              <a:shade val="50000"/>
+            </a:schemeClr>
+          </a:lnRef>
+          <a:fillRef idx="1">
+            <a:schemeClr val="accent1"/>
+          </a:fillRef>
+          <a:effectRef idx="0">
+            <a:schemeClr val="accent1"/>
+          </a:effectRef>
+          <a:fontRef idx="minor">
+            <a:schemeClr val="lt1"/>
+          </a:fontRef>
+        </p:style>
+        <p:txBody>
+          <a:bodyPr rtlCol="0" anchor="ctr"/>
+          <a:lstStyle/>
+          <a:p>
+            <a:pPr algn="ctr"/>
+            <a:endParaRPr lang="en-US">
+              <a:solidFill>
+                <a:schemeClr val="bg1"/>
+              </a:solidFill>
+            </a:endParaRPr>
+          </a:p>
+        </p:txBody>
+      </p:sp>
+      <p:grpSp>
+        <p:nvGrpSpPr>
+          <p:cNvPr id="11" name="Group 10">
+            <a:extLst>
+              <a:ext uri="{FF2B5EF4-FFF2-40B4-BE49-F238E27FC236}">
+                <a16:creationId xmlns:a16="http://schemas.microsoft.com/office/drawing/2014/main" id="{35F4CD44-7930-4EB8-9A74-8D2F9E63693E}"/>
+              </a:ext>
+              <a:ext uri="{C183D7F6-B498-43B3-948B-1728B52AA6E4}">
+                <adec:decorative xmlns:adec="http://schemas.microsoft.com/office/drawing/2017/decorative" val="1"/>
+              </a:ext>
+            </a:extLst>
+          </p:cNvPr>
+          <p:cNvGrpSpPr>
+            <a:grpSpLocks noGrp="1" noUngrp="1" noRot="1" noChangeAspect="1" noMove="1" noResize="1"/>
+          </p:cNvGrpSpPr>
+          <p:nvPr>
+            <p:extLst>
+              <p:ext uri="{386F3935-93C4-4BCD-93E2-E3B085C9AB24}">
+                <p16:designElem xmlns:p16="http://schemas.microsoft.com/office/powerpoint/2015/main" val="1"/>
+              </p:ext>
+            </p:extLst>
+          </p:nvPr>
+        </p:nvGrpSpPr>
+        <p:grpSpPr>
+          <a:xfrm>
+            <a:off x="-6214" y="-1"/>
+            <a:ext cx="12214827" cy="6858000"/>
+            <a:chOff x="-6214" y="-1"/>
+            <a:chExt cx="12214827" cy="6858000"/>
+          </a:xfrm>
+        </p:grpSpPr>
+        <p:cxnSp>
+          <p:nvCxnSpPr>
+            <p:cNvPr id="12" name="Straight Connector 11">
+              <a:extLst>
+                <a:ext uri="{FF2B5EF4-FFF2-40B4-BE49-F238E27FC236}">
+                  <a16:creationId xmlns:a16="http://schemas.microsoft.com/office/drawing/2014/main" id="{6F1268F0-44F7-4AC9-A3E6-9527C22F3021}"/>
+                </a:ext>
+                <a:ext uri="{C183D7F6-B498-43B3-948B-1728B52AA6E4}">
+                  <adec:decorative xmlns:adec="http://schemas.microsoft.com/office/drawing/2017/decorative" val="1"/>
+                </a:ext>
+              </a:extLst>
+            </p:cNvPr>
+            <p:cNvCxnSpPr>
+              <a:cxnSpLocks/>
+            </p:cNvCxnSpPr>
+            <p:nvPr>
+              <p:extLst>
+                <p:ext uri="{386F3935-93C4-4BCD-93E2-E3B085C9AB24}">
+                  <p16:designElem xmlns:p16="http://schemas.microsoft.com/office/powerpoint/2015/main" val="1"/>
+                </p:ext>
+              </p:extLst>
+            </p:nvPr>
+          </p:nvCxnSpPr>
+          <p:spPr>
+            <a:xfrm>
+              <a:off x="-6214" y="6686283"/>
+              <a:ext cx="12192000" cy="0"/>
+            </a:xfrm>
+            <a:prstGeom prst="line">
+              <a:avLst/>
+            </a:prstGeom>
+            <a:ln w="12700">
+              <a:solidFill>
+                <a:srgbClr val="BCBCBC">
+                  <a:alpha val="29804"/>
+                </a:srgbClr>
+              </a:solidFill>
+              <a:prstDash val="sysDot"/>
+            </a:ln>
+          </p:spPr>
+          <p:style>
+            <a:lnRef idx="1">
+              <a:schemeClr val="accent1"/>
+            </a:lnRef>
+            <a:fillRef idx="0">
+              <a:schemeClr val="accent1"/>
+            </a:fillRef>
+            <a:effectRef idx="0">
+              <a:schemeClr val="accent1"/>
+            </a:effectRef>
+            <a:fontRef idx="minor">
+              <a:schemeClr val="tx1"/>
+            </a:fontRef>
+          </p:style>
+        </p:cxnSp>
+        <p:cxnSp>
+          <p:nvCxnSpPr>
+            <p:cNvPr id="13" name="Straight Connector 12">
+              <a:extLst>
+                <a:ext uri="{FF2B5EF4-FFF2-40B4-BE49-F238E27FC236}">
+                  <a16:creationId xmlns:a16="http://schemas.microsoft.com/office/drawing/2014/main" id="{4880B23C-29A4-4D11-8671-EE46FECE7CD3}"/>
+                </a:ext>
+                <a:ext uri="{C183D7F6-B498-43B3-948B-1728B52AA6E4}">
+                  <adec:decorative xmlns:adec="http://schemas.microsoft.com/office/drawing/2017/decorative" val="1"/>
+                </a:ext>
+              </a:extLst>
+            </p:cNvPr>
+            <p:cNvCxnSpPr>
+              <a:cxnSpLocks/>
+            </p:cNvCxnSpPr>
+            <p:nvPr>
+              <p:extLst>
+                <p:ext uri="{386F3935-93C4-4BCD-93E2-E3B085C9AB24}">
+                  <p16:designElem xmlns:p16="http://schemas.microsoft.com/office/powerpoint/2015/main" val="1"/>
+                </p:ext>
+              </p:extLst>
+            </p:nvPr>
+          </p:nvCxnSpPr>
+          <p:spPr>
+            <a:xfrm>
+              <a:off x="0" y="-1"/>
+              <a:ext cx="0" cy="6858000"/>
+            </a:xfrm>
+            <a:prstGeom prst="line">
+              <a:avLst/>
+            </a:prstGeom>
+            <a:ln w="12700">
+              <a:solidFill>
+                <a:srgbClr val="BCBCBC">
+                  <a:alpha val="29804"/>
+                </a:srgbClr>
+              </a:solidFill>
+              <a:prstDash val="sysDot"/>
+            </a:ln>
+          </p:spPr>
+          <p:style>
+            <a:lnRef idx="1">
+              <a:schemeClr val="accent1"/>
+            </a:lnRef>
+            <a:fillRef idx="0">
+              <a:schemeClr val="accent1"/>
+            </a:fillRef>
+            <a:effectRef idx="0">
+              <a:schemeClr val="accent1"/>
+            </a:effectRef>
+            <a:fontRef idx="minor">
+              <a:schemeClr val="tx1"/>
+            </a:fontRef>
+          </p:style>
+        </p:cxnSp>
+        <p:cxnSp>
+          <p:nvCxnSpPr>
+            <p:cNvPr id="14" name="Straight Connector 13">
+              <a:extLst>
+                <a:ext uri="{FF2B5EF4-FFF2-40B4-BE49-F238E27FC236}">
+                  <a16:creationId xmlns:a16="http://schemas.microsoft.com/office/drawing/2014/main" id="{0C2CF28E-44F6-4983-9729-A705B8709B95}"/>
+                </a:ext>
+                <a:ext uri="{C183D7F6-B498-43B3-948B-1728B52AA6E4}">
+                  <adec:decorative xmlns:adec="http://schemas.microsoft.com/office/drawing/2017/decorative" val="1"/>
+                </a:ext>
+              </a:extLst>
+            </p:cNvPr>
+            <p:cNvCxnSpPr>
+              <a:cxnSpLocks/>
+            </p:cNvCxnSpPr>
+            <p:nvPr>
+              <p:extLst>
+                <p:ext uri="{386F3935-93C4-4BCD-93E2-E3B085C9AB24}">
+                  <p16:designElem xmlns:p16="http://schemas.microsoft.com/office/powerpoint/2015/main" val="1"/>
+                </p:ext>
+              </p:extLst>
+            </p:nvPr>
+          </p:nvCxnSpPr>
+          <p:spPr>
+            <a:xfrm>
+              <a:off x="11993258" y="-1"/>
+              <a:ext cx="0" cy="6858000"/>
+            </a:xfrm>
+            <a:prstGeom prst="line">
+              <a:avLst/>
+            </a:prstGeom>
+            <a:ln w="12700">
+              <a:solidFill>
+                <a:srgbClr val="BCBCBC">
+                  <a:alpha val="29804"/>
+                </a:srgbClr>
+              </a:solidFill>
+              <a:prstDash val="sysDot"/>
+            </a:ln>
+          </p:spPr>
+          <p:style>
+            <a:lnRef idx="1">
+              <a:schemeClr val="accent1"/>
+            </a:lnRef>
+            <a:fillRef idx="0">
+              <a:schemeClr val="accent1"/>
+            </a:fillRef>
+            <a:effectRef idx="0">
+              <a:schemeClr val="accent1"/>
+            </a:effectRef>
+            <a:fontRef idx="minor">
+              <a:schemeClr val="tx1"/>
+            </a:fontRef>
+          </p:style>
+        </p:cxnSp>
+        <p:cxnSp>
+          <p:nvCxnSpPr>
+            <p:cNvPr id="15" name="Straight Connector 14">
+              <a:extLst>
+                <a:ext uri="{FF2B5EF4-FFF2-40B4-BE49-F238E27FC236}">
+                  <a16:creationId xmlns:a16="http://schemas.microsoft.com/office/drawing/2014/main" id="{1B11666B-80E2-4F7D-9613-17A65CBC1701}"/>
+                </a:ext>
+                <a:ext uri="{C183D7F6-B498-43B3-948B-1728B52AA6E4}">
+                  <adec:decorative xmlns:adec="http://schemas.microsoft.com/office/drawing/2017/decorative" val="1"/>
+                </a:ext>
+              </a:extLst>
+            </p:cNvPr>
+            <p:cNvCxnSpPr>
+              <a:cxnSpLocks/>
+            </p:cNvCxnSpPr>
+            <p:nvPr>
+              <p:extLst>
+                <p:ext uri="{386F3935-93C4-4BCD-93E2-E3B085C9AB24}">
+                  <p16:designElem xmlns:p16="http://schemas.microsoft.com/office/powerpoint/2015/main" val="1"/>
+                </p:ext>
+              </p:extLst>
+            </p:nvPr>
+          </p:nvCxnSpPr>
+          <p:spPr>
+            <a:xfrm>
+              <a:off x="192528" y="-1"/>
+              <a:ext cx="0" cy="6858000"/>
+            </a:xfrm>
+            <a:prstGeom prst="line">
+              <a:avLst/>
+            </a:prstGeom>
+            <a:ln w="12700">
+              <a:solidFill>
+                <a:srgbClr val="BCBCBC">
+                  <a:alpha val="29804"/>
+                </a:srgbClr>
+              </a:solidFill>
+              <a:prstDash val="sysDot"/>
+            </a:ln>
+          </p:spPr>
+          <p:style>
+            <a:lnRef idx="1">
+              <a:schemeClr val="accent1"/>
+            </a:lnRef>
+            <a:fillRef idx="0">
+              <a:schemeClr val="accent1"/>
+            </a:fillRef>
+            <a:effectRef idx="0">
+              <a:schemeClr val="accent1"/>
+            </a:effectRef>
+            <a:fontRef idx="minor">
+              <a:schemeClr val="tx1"/>
+            </a:fontRef>
+          </p:style>
+        </p:cxnSp>
+        <p:cxnSp>
+          <p:nvCxnSpPr>
+            <p:cNvPr id="16" name="Straight Connector 15">
+              <a:extLst>
+                <a:ext uri="{FF2B5EF4-FFF2-40B4-BE49-F238E27FC236}">
+                  <a16:creationId xmlns:a16="http://schemas.microsoft.com/office/drawing/2014/main" id="{CABFAC7C-C1E8-4988-864D-3B05D3006722}"/>
+                </a:ext>
+                <a:ext uri="{C183D7F6-B498-43B3-948B-1728B52AA6E4}">
+                  <adec:decorative xmlns:adec="http://schemas.microsoft.com/office/drawing/2017/decorative" val="1"/>
+                </a:ext>
+              </a:extLst>
+            </p:cNvPr>
+            <p:cNvCxnSpPr>
+              <a:cxnSpLocks/>
+            </p:cNvCxnSpPr>
+            <p:nvPr>
+              <p:extLst>
+                <p:ext uri="{386F3935-93C4-4BCD-93E2-E3B085C9AB24}">
+                  <p16:designElem xmlns:p16="http://schemas.microsoft.com/office/powerpoint/2015/main" val="1"/>
+                </p:ext>
+              </p:extLst>
+            </p:nvPr>
+          </p:nvCxnSpPr>
+          <p:spPr>
+            <a:xfrm>
+              <a:off x="1175922" y="-1"/>
+              <a:ext cx="0" cy="6858000"/>
+            </a:xfrm>
+            <a:prstGeom prst="line">
+              <a:avLst/>
+            </a:prstGeom>
+            <a:ln w="12700">
+              <a:solidFill>
+                <a:srgbClr val="BCBCBC">
+                  <a:alpha val="29804"/>
+                </a:srgbClr>
+              </a:solidFill>
+              <a:prstDash val="sysDot"/>
+            </a:ln>
+          </p:spPr>
+          <p:style>
+            <a:lnRef idx="1">
+              <a:schemeClr val="accent1"/>
+            </a:lnRef>
+            <a:fillRef idx="0">
+              <a:schemeClr val="accent1"/>
+            </a:fillRef>
+            <a:effectRef idx="0">
+              <a:schemeClr val="accent1"/>
+            </a:effectRef>
+            <a:fontRef idx="minor">
+              <a:schemeClr val="tx1"/>
+            </a:fontRef>
+          </p:style>
+        </p:cxnSp>
+        <p:cxnSp>
+          <p:nvCxnSpPr>
+            <p:cNvPr id="17" name="Straight Connector 16">
+              <a:extLst>
+                <a:ext uri="{FF2B5EF4-FFF2-40B4-BE49-F238E27FC236}">
+                  <a16:creationId xmlns:a16="http://schemas.microsoft.com/office/drawing/2014/main" id="{42EE5A4C-9245-46EB-B145-8FDFBE6E1A46}"/>
+                </a:ext>
+                <a:ext uri="{C183D7F6-B498-43B3-948B-1728B52AA6E4}">
+                  <adec:decorative xmlns:adec="http://schemas.microsoft.com/office/drawing/2017/decorative" val="1"/>
+                </a:ext>
+              </a:extLst>
+            </p:cNvPr>
+            <p:cNvCxnSpPr>
+              <a:cxnSpLocks/>
+            </p:cNvCxnSpPr>
+            <p:nvPr>
+              <p:extLst>
+                <p:ext uri="{386F3935-93C4-4BCD-93E2-E3B085C9AB24}">
+                  <p16:designElem xmlns:p16="http://schemas.microsoft.com/office/powerpoint/2015/main" val="1"/>
+                </p:ext>
+              </p:extLst>
+            </p:nvPr>
+          </p:nvCxnSpPr>
+          <p:spPr>
+            <a:xfrm>
+              <a:off x="2159316" y="-1"/>
+              <a:ext cx="0" cy="6858000"/>
+            </a:xfrm>
+            <a:prstGeom prst="line">
+              <a:avLst/>
+            </a:prstGeom>
+            <a:ln w="12700">
+              <a:solidFill>
+                <a:srgbClr val="BCBCBC">
+                  <a:alpha val="29804"/>
+                </a:srgbClr>
+              </a:solidFill>
+              <a:prstDash val="sysDot"/>
+            </a:ln>
+          </p:spPr>
+          <p:style>
+            <a:lnRef idx="1">
+              <a:schemeClr val="accent1"/>
+            </a:lnRef>
+            <a:fillRef idx="0">
+              <a:schemeClr val="accent1"/>
+            </a:fillRef>
+            <a:effectRef idx="0">
+              <a:schemeClr val="accent1"/>
+            </a:effectRef>
+            <a:fontRef idx="minor">
+              <a:schemeClr val="tx1"/>
+            </a:fontRef>
+          </p:style>
+        </p:cxnSp>
+        <p:cxnSp>
+          <p:nvCxnSpPr>
+            <p:cNvPr id="18" name="Straight Connector 17">
+              <a:extLst>
+                <a:ext uri="{FF2B5EF4-FFF2-40B4-BE49-F238E27FC236}">
+                  <a16:creationId xmlns:a16="http://schemas.microsoft.com/office/drawing/2014/main" id="{7BFEDEDB-B657-4E62-9962-28BF54122050}"/>
+                </a:ext>
+                <a:ext uri="{C183D7F6-B498-43B3-948B-1728B52AA6E4}">
+                  <adec:decorative xmlns:adec="http://schemas.microsoft.com/office/drawing/2017/decorative" val="1"/>
+                </a:ext>
+              </a:extLst>
+            </p:cNvPr>
+            <p:cNvCxnSpPr>
+              <a:cxnSpLocks/>
+            </p:cNvCxnSpPr>
+            <p:nvPr>
+              <p:extLst>
+                <p:ext uri="{386F3935-93C4-4BCD-93E2-E3B085C9AB24}">
+                  <p16:designElem xmlns:p16="http://schemas.microsoft.com/office/powerpoint/2015/main" val="1"/>
+                </p:ext>
+              </p:extLst>
+            </p:nvPr>
+          </p:nvCxnSpPr>
+          <p:spPr>
+            <a:xfrm>
+              <a:off x="3142710" y="-1"/>
+              <a:ext cx="0" cy="6858000"/>
+            </a:xfrm>
+            <a:prstGeom prst="line">
+              <a:avLst/>
+            </a:prstGeom>
+            <a:ln w="12700">
+              <a:solidFill>
+                <a:srgbClr val="BCBCBC">
+                  <a:alpha val="29804"/>
+                </a:srgbClr>
+              </a:solidFill>
+              <a:prstDash val="sysDot"/>
+            </a:ln>
+          </p:spPr>
+          <p:style>
+            <a:lnRef idx="1">
+              <a:schemeClr val="accent1"/>
+            </a:lnRef>
+            <a:fillRef idx="0">
+              <a:schemeClr val="accent1"/>
+            </a:fillRef>
+            <a:effectRef idx="0">
+              <a:schemeClr val="accent1"/>
+            </a:effectRef>
+            <a:fontRef idx="minor">
+              <a:schemeClr val="tx1"/>
+            </a:fontRef>
+          </p:style>
+        </p:cxnSp>
+        <p:cxnSp>
+          <p:nvCxnSpPr>
+            <p:cNvPr id="19" name="Straight Connector 18">
+              <a:extLst>
+                <a:ext uri="{FF2B5EF4-FFF2-40B4-BE49-F238E27FC236}">
+                  <a16:creationId xmlns:a16="http://schemas.microsoft.com/office/drawing/2014/main" id="{965EFAA5-5243-4FE8-819B-80D4995BB70A}"/>
+                </a:ext>
+                <a:ext uri="{C183D7F6-B498-43B3-948B-1728B52AA6E4}">
+                  <adec:decorative xmlns:adec="http://schemas.microsoft.com/office/drawing/2017/decorative" val="1"/>
+                </a:ext>
+              </a:extLst>
+            </p:cNvPr>
+            <p:cNvCxnSpPr>
+              <a:cxnSpLocks/>
+            </p:cNvCxnSpPr>
+            <p:nvPr>
+              <p:extLst>
+                <p:ext uri="{386F3935-93C4-4BCD-93E2-E3B085C9AB24}">
+                  <p16:designElem xmlns:p16="http://schemas.microsoft.com/office/powerpoint/2015/main" val="1"/>
+                </p:ext>
+              </p:extLst>
+            </p:nvPr>
+          </p:nvCxnSpPr>
+          <p:spPr>
+            <a:xfrm>
+              <a:off x="4126104" y="-1"/>
+              <a:ext cx="0" cy="6858000"/>
+            </a:xfrm>
+            <a:prstGeom prst="line">
+              <a:avLst/>
+            </a:prstGeom>
+            <a:ln w="12700">
+              <a:solidFill>
+                <a:srgbClr val="BCBCBC">
+                  <a:alpha val="29804"/>
+                </a:srgbClr>
+              </a:solidFill>
+              <a:prstDash val="sysDot"/>
+            </a:ln>
+          </p:spPr>
+          <p:style>
+            <a:lnRef idx="1">
+              <a:schemeClr val="accent1"/>
+            </a:lnRef>
+            <a:fillRef idx="0">
+              <a:schemeClr val="accent1"/>
+            </a:fillRef>
+            <a:effectRef idx="0">
+              <a:schemeClr val="accent1"/>
+            </a:effectRef>
+            <a:fontRef idx="minor">
+              <a:schemeClr val="tx1"/>
+            </a:fontRef>
+          </p:style>
+        </p:cxnSp>
+        <p:cxnSp>
+          <p:nvCxnSpPr>
+            <p:cNvPr id="20" name="Straight Connector 19">
+              <a:extLst>
+                <a:ext uri="{FF2B5EF4-FFF2-40B4-BE49-F238E27FC236}">
+                  <a16:creationId xmlns:a16="http://schemas.microsoft.com/office/drawing/2014/main" id="{CF92E633-809E-4E07-965A-F2F9EDCF7F12}"/>
+                </a:ext>
+                <a:ext uri="{C183D7F6-B498-43B3-948B-1728B52AA6E4}">
+                  <adec:decorative xmlns:adec="http://schemas.microsoft.com/office/drawing/2017/decorative" val="1"/>
+                </a:ext>
+              </a:extLst>
+            </p:cNvPr>
+            <p:cNvCxnSpPr>
+              <a:cxnSpLocks/>
+            </p:cNvCxnSpPr>
+            <p:nvPr>
+              <p:extLst>
+                <p:ext uri="{386F3935-93C4-4BCD-93E2-E3B085C9AB24}">
+                  <p16:designElem xmlns:p16="http://schemas.microsoft.com/office/powerpoint/2015/main" val="1"/>
+                </p:ext>
+              </p:extLst>
+            </p:nvPr>
+          </p:nvCxnSpPr>
+          <p:spPr>
+            <a:xfrm>
+              <a:off x="5109498" y="-1"/>
+              <a:ext cx="0" cy="6858000"/>
+            </a:xfrm>
+            <a:prstGeom prst="line">
+              <a:avLst/>
+            </a:prstGeom>
+            <a:ln w="12700">
+              <a:solidFill>
+                <a:srgbClr val="BCBCBC">
+                  <a:alpha val="29804"/>
+                </a:srgbClr>
+              </a:solidFill>
+              <a:prstDash val="sysDot"/>
+            </a:ln>
+          </p:spPr>
+          <p:style>
+            <a:lnRef idx="1">
+              <a:schemeClr val="accent1"/>
+            </a:lnRef>
+            <a:fillRef idx="0">
+              <a:schemeClr val="accent1"/>
+            </a:fillRef>
+            <a:effectRef idx="0">
+              <a:schemeClr val="accent1"/>
+            </a:effectRef>
+            <a:fontRef idx="minor">
+              <a:schemeClr val="tx1"/>
+            </a:fontRef>
+          </p:style>
+        </p:cxnSp>
+        <p:cxnSp>
+          <p:nvCxnSpPr>
+            <p:cNvPr id="21" name="Straight Connector 20">
+              <a:extLst>
+                <a:ext uri="{FF2B5EF4-FFF2-40B4-BE49-F238E27FC236}">
+                  <a16:creationId xmlns:a16="http://schemas.microsoft.com/office/drawing/2014/main" id="{90DE1690-3F94-4C79-9357-6653BEEF12E5}"/>
+                </a:ext>
+                <a:ext uri="{C183D7F6-B498-43B3-948B-1728B52AA6E4}">
+                  <adec:decorative xmlns:adec="http://schemas.microsoft.com/office/drawing/2017/decorative" val="1"/>
+                </a:ext>
+              </a:extLst>
+            </p:cNvPr>
+            <p:cNvCxnSpPr>
+              <a:cxnSpLocks/>
+            </p:cNvCxnSpPr>
+            <p:nvPr>
+              <p:extLst>
+                <p:ext uri="{386F3935-93C4-4BCD-93E2-E3B085C9AB24}">
+                  <p16:designElem xmlns:p16="http://schemas.microsoft.com/office/powerpoint/2015/main" val="1"/>
+                </p:ext>
+              </p:extLst>
+            </p:nvPr>
+          </p:nvCxnSpPr>
+          <p:spPr>
+            <a:xfrm>
+              <a:off x="6092892" y="-1"/>
+              <a:ext cx="0" cy="6858000"/>
+            </a:xfrm>
+            <a:prstGeom prst="line">
+              <a:avLst/>
+            </a:prstGeom>
+            <a:ln w="12700">
+              <a:solidFill>
+                <a:srgbClr val="BCBCBC">
+                  <a:alpha val="29804"/>
+                </a:srgbClr>
+              </a:solidFill>
+              <a:prstDash val="sysDot"/>
+            </a:ln>
+          </p:spPr>
+          <p:style>
+            <a:lnRef idx="1">
+              <a:schemeClr val="accent1"/>
+            </a:lnRef>
+            <a:fillRef idx="0">
+              <a:schemeClr val="accent1"/>
+            </a:fillRef>
+            <a:effectRef idx="0">
+              <a:schemeClr val="accent1"/>
+            </a:effectRef>
+            <a:fontRef idx="minor">
+              <a:schemeClr val="tx1"/>
+            </a:fontRef>
+          </p:style>
+        </p:cxnSp>
+        <p:cxnSp>
+          <p:nvCxnSpPr>
+            <p:cNvPr id="22" name="Straight Connector 21">
+              <a:extLst>
+                <a:ext uri="{FF2B5EF4-FFF2-40B4-BE49-F238E27FC236}">
+                  <a16:creationId xmlns:a16="http://schemas.microsoft.com/office/drawing/2014/main" id="{F529D5DF-1A9E-4690-B016-03FB1E72DC4B}"/>
+                </a:ext>
+                <a:ext uri="{C183D7F6-B498-43B3-948B-1728B52AA6E4}">
+                  <adec:decorative xmlns:adec="http://schemas.microsoft.com/office/drawing/2017/decorative" val="1"/>
+                </a:ext>
+              </a:extLst>
+            </p:cNvPr>
+            <p:cNvCxnSpPr>
+              <a:cxnSpLocks/>
+            </p:cNvCxnSpPr>
+            <p:nvPr>
+              <p:extLst>
+                <p:ext uri="{386F3935-93C4-4BCD-93E2-E3B085C9AB24}">
+                  <p16:designElem xmlns:p16="http://schemas.microsoft.com/office/powerpoint/2015/main" val="1"/>
+                </p:ext>
+              </p:extLst>
+            </p:nvPr>
+          </p:nvCxnSpPr>
+          <p:spPr>
+            <a:xfrm>
+              <a:off x="7076286" y="-1"/>
+              <a:ext cx="0" cy="6858000"/>
+            </a:xfrm>
+            <a:prstGeom prst="line">
+              <a:avLst/>
+            </a:prstGeom>
+            <a:ln w="12700">
+              <a:solidFill>
+                <a:srgbClr val="BCBCBC">
+                  <a:alpha val="29804"/>
+                </a:srgbClr>
+              </a:solidFill>
+              <a:prstDash val="sysDot"/>
+            </a:ln>
+          </p:spPr>
+          <p:style>
+            <a:lnRef idx="1">
+              <a:schemeClr val="accent1"/>
+            </a:lnRef>
+            <a:fillRef idx="0">
+              <a:schemeClr val="accent1"/>
+            </a:fillRef>
+            <a:effectRef idx="0">
+              <a:schemeClr val="accent1"/>
+            </a:effectRef>
+            <a:fontRef idx="minor">
+              <a:schemeClr val="tx1"/>
+            </a:fontRef>
+          </p:style>
+        </p:cxnSp>
+        <p:cxnSp>
+          <p:nvCxnSpPr>
+            <p:cNvPr id="23" name="Straight Connector 22">
+              <a:extLst>
+                <a:ext uri="{FF2B5EF4-FFF2-40B4-BE49-F238E27FC236}">
+                  <a16:creationId xmlns:a16="http://schemas.microsoft.com/office/drawing/2014/main" id="{E6F8E2D2-E88C-4F73-A660-D2B76298CCAD}"/>
+                </a:ext>
+                <a:ext uri="{C183D7F6-B498-43B3-948B-1728B52AA6E4}">
+                  <adec:decorative xmlns:adec="http://schemas.microsoft.com/office/drawing/2017/decorative" val="1"/>
+                </a:ext>
+              </a:extLst>
+            </p:cNvPr>
+            <p:cNvCxnSpPr>
+              <a:cxnSpLocks/>
+            </p:cNvCxnSpPr>
+            <p:nvPr>
+              <p:extLst>
+                <p:ext uri="{386F3935-93C4-4BCD-93E2-E3B085C9AB24}">
+                  <p16:designElem xmlns:p16="http://schemas.microsoft.com/office/powerpoint/2015/main" val="1"/>
+                </p:ext>
+              </p:extLst>
+            </p:nvPr>
+          </p:nvCxnSpPr>
+          <p:spPr>
+            <a:xfrm>
+              <a:off x="8059680" y="-1"/>
+              <a:ext cx="0" cy="6858000"/>
+            </a:xfrm>
+            <a:prstGeom prst="line">
+              <a:avLst/>
+            </a:prstGeom>
+            <a:ln w="12700">
+              <a:solidFill>
+                <a:srgbClr val="BCBCBC">
+                  <a:alpha val="29804"/>
+                </a:srgbClr>
+              </a:solidFill>
+              <a:prstDash val="sysDot"/>
+            </a:ln>
+          </p:spPr>
+          <p:style>
+            <a:lnRef idx="1">
+              <a:schemeClr val="accent1"/>
+            </a:lnRef>
+            <a:fillRef idx="0">
+              <a:schemeClr val="accent1"/>
+            </a:fillRef>
+            <a:effectRef idx="0">
+              <a:schemeClr val="accent1"/>
+            </a:effectRef>
+            <a:fontRef idx="minor">
+              <a:schemeClr val="tx1"/>
+            </a:fontRef>
+          </p:style>
+        </p:cxnSp>
+        <p:cxnSp>
+          <p:nvCxnSpPr>
+            <p:cNvPr id="24" name="Straight Connector 23">
+              <a:extLst>
+                <a:ext uri="{FF2B5EF4-FFF2-40B4-BE49-F238E27FC236}">
+                  <a16:creationId xmlns:a16="http://schemas.microsoft.com/office/drawing/2014/main" id="{137BF3BB-FE7A-410E-AA57-73485A77570E}"/>
+                </a:ext>
+                <a:ext uri="{C183D7F6-B498-43B3-948B-1728B52AA6E4}">
+                  <adec:decorative xmlns:adec="http://schemas.microsoft.com/office/drawing/2017/decorative" val="1"/>
+                </a:ext>
+              </a:extLst>
+            </p:cNvPr>
+            <p:cNvCxnSpPr>
+              <a:cxnSpLocks/>
+            </p:cNvCxnSpPr>
+            <p:nvPr>
+              <p:extLst>
+                <p:ext uri="{386F3935-93C4-4BCD-93E2-E3B085C9AB24}">
+                  <p16:designElem xmlns:p16="http://schemas.microsoft.com/office/powerpoint/2015/main" val="1"/>
+                </p:ext>
+              </p:extLst>
+            </p:nvPr>
+          </p:nvCxnSpPr>
+          <p:spPr>
+            <a:xfrm>
+              <a:off x="9043074" y="-1"/>
+              <a:ext cx="0" cy="6858000"/>
+            </a:xfrm>
+            <a:prstGeom prst="line">
+              <a:avLst/>
+            </a:prstGeom>
+            <a:ln w="12700">
+              <a:solidFill>
+                <a:srgbClr val="BCBCBC">
+                  <a:alpha val="29804"/>
+                </a:srgbClr>
+              </a:solidFill>
+              <a:prstDash val="sysDot"/>
+            </a:ln>
+          </p:spPr>
+          <p:style>
+            <a:lnRef idx="1">
+              <a:schemeClr val="accent1"/>
+            </a:lnRef>
+            <a:fillRef idx="0">
+              <a:schemeClr val="accent1"/>
+            </a:fillRef>
+            <a:effectRef idx="0">
+              <a:schemeClr val="accent1"/>
+            </a:effectRef>
+            <a:fontRef idx="minor">
+              <a:schemeClr val="tx1"/>
+            </a:fontRef>
+          </p:style>
+        </p:cxnSp>
+        <p:cxnSp>
+          <p:nvCxnSpPr>
+            <p:cNvPr id="25" name="Straight Connector 24">
+              <a:extLst>
+                <a:ext uri="{FF2B5EF4-FFF2-40B4-BE49-F238E27FC236}">
+                  <a16:creationId xmlns:a16="http://schemas.microsoft.com/office/drawing/2014/main" id="{20EC5EB5-F6E1-441C-AB44-799A5DF1B719}"/>
+                </a:ext>
+                <a:ext uri="{C183D7F6-B498-43B3-948B-1728B52AA6E4}">
+                  <adec:decorative xmlns:adec="http://schemas.microsoft.com/office/drawing/2017/decorative" val="1"/>
+                </a:ext>
+              </a:extLst>
+            </p:cNvPr>
+            <p:cNvCxnSpPr>
+              <a:cxnSpLocks/>
+            </p:cNvCxnSpPr>
+            <p:nvPr>
+              <p:extLst>
+                <p:ext uri="{386F3935-93C4-4BCD-93E2-E3B085C9AB24}">
+                  <p16:designElem xmlns:p16="http://schemas.microsoft.com/office/powerpoint/2015/main" val="1"/>
+                </p:ext>
+              </p:extLst>
+            </p:nvPr>
+          </p:nvCxnSpPr>
+          <p:spPr>
+            <a:xfrm>
+              <a:off x="10026468" y="-1"/>
+              <a:ext cx="0" cy="6858000"/>
+            </a:xfrm>
+            <a:prstGeom prst="line">
+              <a:avLst/>
+            </a:prstGeom>
+            <a:ln w="12700">
+              <a:solidFill>
+                <a:srgbClr val="BCBCBC">
+                  <a:alpha val="29804"/>
+                </a:srgbClr>
+              </a:solidFill>
+              <a:prstDash val="sysDot"/>
+            </a:ln>
+          </p:spPr>
+          <p:style>
+            <a:lnRef idx="1">
+              <a:schemeClr val="accent1"/>
+            </a:lnRef>
+            <a:fillRef idx="0">
+              <a:schemeClr val="accent1"/>
+            </a:fillRef>
+            <a:effectRef idx="0">
+              <a:schemeClr val="accent1"/>
+            </a:effectRef>
+            <a:fontRef idx="minor">
+              <a:schemeClr val="tx1"/>
+            </a:fontRef>
+          </p:style>
+        </p:cxnSp>
+        <p:cxnSp>
+          <p:nvCxnSpPr>
+            <p:cNvPr id="26" name="Straight Connector 25">
+              <a:extLst>
+                <a:ext uri="{FF2B5EF4-FFF2-40B4-BE49-F238E27FC236}">
+                  <a16:creationId xmlns:a16="http://schemas.microsoft.com/office/drawing/2014/main" id="{FD6F199F-9E76-4C7E-9DF6-20EE550DFE34}"/>
+                </a:ext>
+                <a:ext uri="{C183D7F6-B498-43B3-948B-1728B52AA6E4}">
+                  <adec:decorative xmlns:adec="http://schemas.microsoft.com/office/drawing/2017/decorative" val="1"/>
+                </a:ext>
+              </a:extLst>
+            </p:cNvPr>
+            <p:cNvCxnSpPr>
+              <a:cxnSpLocks/>
+            </p:cNvCxnSpPr>
+            <p:nvPr>
+              <p:extLst>
+                <p:ext uri="{386F3935-93C4-4BCD-93E2-E3B085C9AB24}">
+                  <p16:designElem xmlns:p16="http://schemas.microsoft.com/office/powerpoint/2015/main" val="1"/>
+                </p:ext>
+              </p:extLst>
+            </p:nvPr>
+          </p:nvCxnSpPr>
+          <p:spPr>
+            <a:xfrm>
+              <a:off x="11009862" y="-1"/>
+              <a:ext cx="0" cy="6858000"/>
+            </a:xfrm>
+            <a:prstGeom prst="line">
+              <a:avLst/>
+            </a:prstGeom>
+            <a:ln w="12700">
+              <a:solidFill>
+                <a:srgbClr val="BCBCBC">
+                  <a:alpha val="29804"/>
+                </a:srgbClr>
+              </a:solidFill>
+              <a:prstDash val="sysDot"/>
+            </a:ln>
+          </p:spPr>
+          <p:style>
+            <a:lnRef idx="1">
+              <a:schemeClr val="accent1"/>
+            </a:lnRef>
+            <a:fillRef idx="0">
+              <a:schemeClr val="accent1"/>
+            </a:fillRef>
+            <a:effectRef idx="0">
+              <a:schemeClr val="accent1"/>
+            </a:effectRef>
+            <a:fontRef idx="minor">
+              <a:schemeClr val="tx1"/>
+            </a:fontRef>
+          </p:style>
+        </p:cxnSp>
+        <p:cxnSp>
+          <p:nvCxnSpPr>
+            <p:cNvPr id="27" name="Straight Connector 26">
+              <a:extLst>
+                <a:ext uri="{FF2B5EF4-FFF2-40B4-BE49-F238E27FC236}">
+                  <a16:creationId xmlns:a16="http://schemas.microsoft.com/office/drawing/2014/main" id="{691704E7-976B-4FE0-9381-8EB7818E708D}"/>
+                </a:ext>
+                <a:ext uri="{C183D7F6-B498-43B3-948B-1728B52AA6E4}">
+                  <adec:decorative xmlns:adec="http://schemas.microsoft.com/office/drawing/2017/decorative" val="1"/>
+                </a:ext>
+              </a:extLst>
+            </p:cNvPr>
+            <p:cNvCxnSpPr>
+              <a:cxnSpLocks/>
+            </p:cNvCxnSpPr>
+            <p:nvPr>
+              <p:extLst>
+                <p:ext uri="{386F3935-93C4-4BCD-93E2-E3B085C9AB24}">
+                  <p16:designElem xmlns:p16="http://schemas.microsoft.com/office/powerpoint/2015/main" val="1"/>
+                </p:ext>
+              </p:extLst>
+            </p:nvPr>
+          </p:nvCxnSpPr>
+          <p:spPr>
+            <a:xfrm>
+              <a:off x="12185786" y="-1"/>
+              <a:ext cx="0" cy="6858000"/>
+            </a:xfrm>
+            <a:prstGeom prst="line">
+              <a:avLst/>
+            </a:prstGeom>
+            <a:ln w="12700">
+              <a:solidFill>
+                <a:srgbClr val="BCBCBC">
+                  <a:alpha val="29804"/>
+                </a:srgbClr>
+              </a:solidFill>
+              <a:prstDash val="sysDot"/>
+            </a:ln>
+          </p:spPr>
+          <p:style>
+            <a:lnRef idx="1">
+              <a:schemeClr val="accent1"/>
+            </a:lnRef>
+            <a:fillRef idx="0">
+              <a:schemeClr val="accent1"/>
+            </a:fillRef>
+            <a:effectRef idx="0">
+              <a:schemeClr val="accent1"/>
+            </a:effectRef>
+            <a:fontRef idx="minor">
+              <a:schemeClr val="tx1"/>
+            </a:fontRef>
+          </p:style>
+        </p:cxnSp>
+        <p:cxnSp>
+          <p:nvCxnSpPr>
+            <p:cNvPr id="28" name="Straight Connector 27">
+              <a:extLst>
+                <a:ext uri="{FF2B5EF4-FFF2-40B4-BE49-F238E27FC236}">
+                  <a16:creationId xmlns:a16="http://schemas.microsoft.com/office/drawing/2014/main" id="{E75603A9-61D4-4172-AF77-7A7CE408A7A5}"/>
+                </a:ext>
+                <a:ext uri="{C183D7F6-B498-43B3-948B-1728B52AA6E4}">
+                  <adec:decorative xmlns:adec="http://schemas.microsoft.com/office/drawing/2017/decorative" val="1"/>
+                </a:ext>
+              </a:extLst>
+            </p:cNvPr>
+            <p:cNvCxnSpPr>
+              <a:cxnSpLocks/>
+            </p:cNvCxnSpPr>
+            <p:nvPr>
+              <p:extLst>
+                <p:ext uri="{386F3935-93C4-4BCD-93E2-E3B085C9AB24}">
+                  <p16:designElem xmlns:p16="http://schemas.microsoft.com/office/powerpoint/2015/main" val="1"/>
+                </p:ext>
+              </p:extLst>
+            </p:nvPr>
+          </p:nvCxnSpPr>
+          <p:spPr>
+            <a:xfrm>
+              <a:off x="0" y="171716"/>
+              <a:ext cx="12192000" cy="0"/>
+            </a:xfrm>
+            <a:prstGeom prst="line">
+              <a:avLst/>
+            </a:prstGeom>
+            <a:ln w="12700">
+              <a:solidFill>
+                <a:srgbClr val="BCBCBC">
+                  <a:alpha val="29804"/>
+                </a:srgbClr>
+              </a:solidFill>
+              <a:prstDash val="sysDot"/>
+            </a:ln>
+          </p:spPr>
+          <p:style>
+            <a:lnRef idx="1">
+              <a:schemeClr val="accent1"/>
+            </a:lnRef>
+            <a:fillRef idx="0">
+              <a:schemeClr val="accent1"/>
+            </a:fillRef>
+            <a:effectRef idx="0">
+              <a:schemeClr val="accent1"/>
+            </a:effectRef>
+            <a:fontRef idx="minor">
+              <a:schemeClr val="tx1"/>
+            </a:fontRef>
+          </p:style>
+        </p:cxnSp>
+        <p:cxnSp>
+          <p:nvCxnSpPr>
+            <p:cNvPr id="29" name="Straight Connector 28">
+              <a:extLst>
+                <a:ext uri="{FF2B5EF4-FFF2-40B4-BE49-F238E27FC236}">
+                  <a16:creationId xmlns:a16="http://schemas.microsoft.com/office/drawing/2014/main" id="{573C1AA7-2357-41A1-A057-FA2D44DADAE0}"/>
+                </a:ext>
+                <a:ext uri="{C183D7F6-B498-43B3-948B-1728B52AA6E4}">
+                  <adec:decorative xmlns:adec="http://schemas.microsoft.com/office/drawing/2017/decorative" val="1"/>
+                </a:ext>
+              </a:extLst>
+            </p:cNvPr>
+            <p:cNvCxnSpPr>
+              <a:cxnSpLocks/>
+            </p:cNvCxnSpPr>
+            <p:nvPr>
+              <p:extLst>
+                <p:ext uri="{386F3935-93C4-4BCD-93E2-E3B085C9AB24}">
+                  <p16:designElem xmlns:p16="http://schemas.microsoft.com/office/powerpoint/2015/main" val="1"/>
+                </p:ext>
+              </p:extLst>
+            </p:nvPr>
+          </p:nvCxnSpPr>
+          <p:spPr>
+            <a:xfrm>
+              <a:off x="0" y="714597"/>
+              <a:ext cx="12192000" cy="0"/>
+            </a:xfrm>
+            <a:prstGeom prst="line">
+              <a:avLst/>
+            </a:prstGeom>
+            <a:ln w="12700">
+              <a:solidFill>
+                <a:srgbClr val="BCBCBC">
+                  <a:alpha val="29804"/>
+                </a:srgbClr>
+              </a:solidFill>
+              <a:prstDash val="sysDot"/>
+            </a:ln>
+          </p:spPr>
+          <p:style>
+            <a:lnRef idx="1">
+              <a:schemeClr val="accent1"/>
+            </a:lnRef>
+            <a:fillRef idx="0">
+              <a:schemeClr val="accent1"/>
+            </a:fillRef>
+            <a:effectRef idx="0">
+              <a:schemeClr val="accent1"/>
+            </a:effectRef>
+            <a:fontRef idx="minor">
+              <a:schemeClr val="tx1"/>
+            </a:fontRef>
+          </p:style>
+        </p:cxnSp>
+        <p:cxnSp>
+          <p:nvCxnSpPr>
+            <p:cNvPr id="30" name="Straight Connector 29">
+              <a:extLst>
+                <a:ext uri="{FF2B5EF4-FFF2-40B4-BE49-F238E27FC236}">
+                  <a16:creationId xmlns:a16="http://schemas.microsoft.com/office/drawing/2014/main" id="{70024205-8F58-4C8D-BE50-35E40091BCA6}"/>
+                </a:ext>
+                <a:ext uri="{C183D7F6-B498-43B3-948B-1728B52AA6E4}">
+                  <adec:decorative xmlns:adec="http://schemas.microsoft.com/office/drawing/2017/decorative" val="1"/>
+                </a:ext>
+              </a:extLst>
+            </p:cNvPr>
+            <p:cNvCxnSpPr>
+              <a:cxnSpLocks/>
+            </p:cNvCxnSpPr>
+            <p:nvPr>
+              <p:extLst>
+                <p:ext uri="{386F3935-93C4-4BCD-93E2-E3B085C9AB24}">
+                  <p16:designElem xmlns:p16="http://schemas.microsoft.com/office/powerpoint/2015/main" val="1"/>
+                </p:ext>
+              </p:extLst>
+            </p:nvPr>
+          </p:nvCxnSpPr>
+          <p:spPr>
+            <a:xfrm>
+              <a:off x="0" y="1257478"/>
+              <a:ext cx="12192000" cy="0"/>
+            </a:xfrm>
+            <a:prstGeom prst="line">
+              <a:avLst/>
+            </a:prstGeom>
+            <a:ln w="12700">
+              <a:solidFill>
+                <a:srgbClr val="BCBCBC">
+                  <a:alpha val="29804"/>
+                </a:srgbClr>
+              </a:solidFill>
+              <a:prstDash val="sysDot"/>
+            </a:ln>
+          </p:spPr>
+          <p:style>
+            <a:lnRef idx="1">
+              <a:schemeClr val="accent1"/>
+            </a:lnRef>
+            <a:fillRef idx="0">
+              <a:schemeClr val="accent1"/>
+            </a:fillRef>
+            <a:effectRef idx="0">
+              <a:schemeClr val="accent1"/>
+            </a:effectRef>
+            <a:fontRef idx="minor">
+              <a:schemeClr val="tx1"/>
+            </a:fontRef>
+          </p:style>
+        </p:cxnSp>
+        <p:cxnSp>
+          <p:nvCxnSpPr>
+            <p:cNvPr id="31" name="Straight Connector 30">
+              <a:extLst>
+                <a:ext uri="{FF2B5EF4-FFF2-40B4-BE49-F238E27FC236}">
+                  <a16:creationId xmlns:a16="http://schemas.microsoft.com/office/drawing/2014/main" id="{1737BEEA-3398-4C1B-AB48-E7173325C064}"/>
+                </a:ext>
+                <a:ext uri="{C183D7F6-B498-43B3-948B-1728B52AA6E4}">
+                  <adec:decorative xmlns:adec="http://schemas.microsoft.com/office/drawing/2017/decorative" val="1"/>
+                </a:ext>
+              </a:extLst>
+            </p:cNvPr>
+            <p:cNvCxnSpPr>
+              <a:cxnSpLocks/>
+            </p:cNvCxnSpPr>
+            <p:nvPr>
+              <p:extLst>
+                <p:ext uri="{386F3935-93C4-4BCD-93E2-E3B085C9AB24}">
+                  <p16:designElem xmlns:p16="http://schemas.microsoft.com/office/powerpoint/2015/main" val="1"/>
+                </p:ext>
+              </p:extLst>
+            </p:nvPr>
+          </p:nvCxnSpPr>
+          <p:spPr>
+            <a:xfrm>
+              <a:off x="0" y="1800359"/>
+              <a:ext cx="12192000" cy="0"/>
+            </a:xfrm>
+            <a:prstGeom prst="line">
+              <a:avLst/>
+            </a:prstGeom>
+            <a:ln w="12700">
+              <a:solidFill>
+                <a:srgbClr val="BCBCBC">
+                  <a:alpha val="29804"/>
+                </a:srgbClr>
+              </a:solidFill>
+              <a:prstDash val="sysDot"/>
+            </a:ln>
+          </p:spPr>
+          <p:style>
+            <a:lnRef idx="1">
+              <a:schemeClr val="accent1"/>
+            </a:lnRef>
+            <a:fillRef idx="0">
+              <a:schemeClr val="accent1"/>
+            </a:fillRef>
+            <a:effectRef idx="0">
+              <a:schemeClr val="accent1"/>
+            </a:effectRef>
+            <a:fontRef idx="minor">
+              <a:schemeClr val="tx1"/>
+            </a:fontRef>
+          </p:style>
+        </p:cxnSp>
+        <p:cxnSp>
+          <p:nvCxnSpPr>
+            <p:cNvPr id="32" name="Straight Connector 31">
+              <a:extLst>
+                <a:ext uri="{FF2B5EF4-FFF2-40B4-BE49-F238E27FC236}">
+                  <a16:creationId xmlns:a16="http://schemas.microsoft.com/office/drawing/2014/main" id="{E5EE29AB-4E85-418B-A6D3-3E7B401855DC}"/>
+                </a:ext>
+                <a:ext uri="{C183D7F6-B498-43B3-948B-1728B52AA6E4}">
+                  <adec:decorative xmlns:adec="http://schemas.microsoft.com/office/drawing/2017/decorative" val="1"/>
+                </a:ext>
+              </a:extLst>
+            </p:cNvPr>
+            <p:cNvCxnSpPr>
+              <a:cxnSpLocks/>
+            </p:cNvCxnSpPr>
+            <p:nvPr>
+              <p:extLst>
+                <p:ext uri="{386F3935-93C4-4BCD-93E2-E3B085C9AB24}">
+                  <p16:designElem xmlns:p16="http://schemas.microsoft.com/office/powerpoint/2015/main" val="1"/>
+                </p:ext>
+              </p:extLst>
+            </p:nvPr>
+          </p:nvCxnSpPr>
+          <p:spPr>
+            <a:xfrm>
+              <a:off x="0" y="2343240"/>
+              <a:ext cx="12192000" cy="0"/>
+            </a:xfrm>
+            <a:prstGeom prst="line">
+              <a:avLst/>
+            </a:prstGeom>
+            <a:ln w="12700">
+              <a:solidFill>
+                <a:srgbClr val="BCBCBC">
+                  <a:alpha val="29804"/>
+                </a:srgbClr>
+              </a:solidFill>
+              <a:prstDash val="sysDot"/>
+            </a:ln>
+          </p:spPr>
+          <p:style>
+            <a:lnRef idx="1">
+              <a:schemeClr val="accent1"/>
+            </a:lnRef>
+            <a:fillRef idx="0">
+              <a:schemeClr val="accent1"/>
+            </a:fillRef>
+            <a:effectRef idx="0">
+              <a:schemeClr val="accent1"/>
+            </a:effectRef>
+            <a:fontRef idx="minor">
+              <a:schemeClr val="tx1"/>
+            </a:fontRef>
+          </p:style>
+        </p:cxnSp>
+        <p:cxnSp>
+          <p:nvCxnSpPr>
+            <p:cNvPr id="33" name="Straight Connector 32">
+              <a:extLst>
+                <a:ext uri="{FF2B5EF4-FFF2-40B4-BE49-F238E27FC236}">
+                  <a16:creationId xmlns:a16="http://schemas.microsoft.com/office/drawing/2014/main" id="{0ADE2BEB-6A23-4DFC-9A4E-E44F3CA9FFC7}"/>
+                </a:ext>
+                <a:ext uri="{C183D7F6-B498-43B3-948B-1728B52AA6E4}">
+                  <adec:decorative xmlns:adec="http://schemas.microsoft.com/office/drawing/2017/decorative" val="1"/>
+                </a:ext>
+              </a:extLst>
+            </p:cNvPr>
+            <p:cNvCxnSpPr>
+              <a:cxnSpLocks/>
+            </p:cNvCxnSpPr>
+            <p:nvPr>
+              <p:extLst>
+                <p:ext uri="{386F3935-93C4-4BCD-93E2-E3B085C9AB24}">
+                  <p16:designElem xmlns:p16="http://schemas.microsoft.com/office/powerpoint/2015/main" val="1"/>
+                </p:ext>
+              </p:extLst>
+            </p:nvPr>
+          </p:nvCxnSpPr>
+          <p:spPr>
+            <a:xfrm>
+              <a:off x="0" y="2886121"/>
+              <a:ext cx="12192000" cy="0"/>
+            </a:xfrm>
+            <a:prstGeom prst="line">
+              <a:avLst/>
+            </a:prstGeom>
+            <a:ln w="12700">
+              <a:solidFill>
+                <a:srgbClr val="BCBCBC">
+                  <a:alpha val="29804"/>
+                </a:srgbClr>
+              </a:solidFill>
+              <a:prstDash val="sysDot"/>
+            </a:ln>
+          </p:spPr>
+          <p:style>
+            <a:lnRef idx="1">
+              <a:schemeClr val="accent1"/>
+            </a:lnRef>
+            <a:fillRef idx="0">
+              <a:schemeClr val="accent1"/>
+            </a:fillRef>
+            <a:effectRef idx="0">
+              <a:schemeClr val="accent1"/>
+            </a:effectRef>
+            <a:fontRef idx="minor">
+              <a:schemeClr val="tx1"/>
+            </a:fontRef>
+          </p:style>
+        </p:cxnSp>
+        <p:cxnSp>
+          <p:nvCxnSpPr>
+            <p:cNvPr id="34" name="Straight Connector 33">
+              <a:extLst>
+                <a:ext uri="{FF2B5EF4-FFF2-40B4-BE49-F238E27FC236}">
+                  <a16:creationId xmlns:a16="http://schemas.microsoft.com/office/drawing/2014/main" id="{6ECE8D73-51C6-4818-8BD9-9202BBA0836D}"/>
+                </a:ext>
+                <a:ext uri="{C183D7F6-B498-43B3-948B-1728B52AA6E4}">
+                  <adec:decorative xmlns:adec="http://schemas.microsoft.com/office/drawing/2017/decorative" val="1"/>
+                </a:ext>
+              </a:extLst>
+            </p:cNvPr>
+            <p:cNvCxnSpPr>
+              <a:cxnSpLocks/>
+            </p:cNvCxnSpPr>
+            <p:nvPr>
+              <p:extLst>
+                <p:ext uri="{386F3935-93C4-4BCD-93E2-E3B085C9AB24}">
+                  <p16:designElem xmlns:p16="http://schemas.microsoft.com/office/powerpoint/2015/main" val="1"/>
+                </p:ext>
+              </p:extLst>
+            </p:nvPr>
+          </p:nvCxnSpPr>
+          <p:spPr>
+            <a:xfrm>
+              <a:off x="0" y="3429002"/>
+              <a:ext cx="12192000" cy="0"/>
+            </a:xfrm>
+            <a:prstGeom prst="line">
+              <a:avLst/>
+            </a:prstGeom>
+            <a:ln w="12700">
+              <a:solidFill>
+                <a:srgbClr val="BCBCBC">
+                  <a:alpha val="29804"/>
+                </a:srgbClr>
+              </a:solidFill>
+              <a:prstDash val="sysDot"/>
+            </a:ln>
+          </p:spPr>
+          <p:style>
+            <a:lnRef idx="1">
+              <a:schemeClr val="accent1"/>
+            </a:lnRef>
+            <a:fillRef idx="0">
+              <a:schemeClr val="accent1"/>
+            </a:fillRef>
+            <a:effectRef idx="0">
+              <a:schemeClr val="accent1"/>
+            </a:effectRef>
+            <a:fontRef idx="minor">
+              <a:schemeClr val="tx1"/>
+            </a:fontRef>
+          </p:style>
+        </p:cxnSp>
+        <p:cxnSp>
+          <p:nvCxnSpPr>
+            <p:cNvPr id="35" name="Straight Connector 34">
+              <a:extLst>
+                <a:ext uri="{FF2B5EF4-FFF2-40B4-BE49-F238E27FC236}">
+                  <a16:creationId xmlns:a16="http://schemas.microsoft.com/office/drawing/2014/main" id="{2EA7AA7F-CD9D-4820-B463-7B9CFEC8ECA2}"/>
+                </a:ext>
+                <a:ext uri="{C183D7F6-B498-43B3-948B-1728B52AA6E4}">
+                  <adec:decorative xmlns:adec="http://schemas.microsoft.com/office/drawing/2017/decorative" val="1"/>
+                </a:ext>
+              </a:extLst>
+            </p:cNvPr>
+            <p:cNvCxnSpPr>
+              <a:cxnSpLocks/>
+            </p:cNvCxnSpPr>
+            <p:nvPr>
+              <p:extLst>
+                <p:ext uri="{386F3935-93C4-4BCD-93E2-E3B085C9AB24}">
+                  <p16:designElem xmlns:p16="http://schemas.microsoft.com/office/powerpoint/2015/main" val="1"/>
+                </p:ext>
+              </p:extLst>
+            </p:nvPr>
+          </p:nvCxnSpPr>
+          <p:spPr>
+            <a:xfrm>
+              <a:off x="0" y="3971883"/>
+              <a:ext cx="12192000" cy="0"/>
+            </a:xfrm>
+            <a:prstGeom prst="line">
+              <a:avLst/>
+            </a:prstGeom>
+            <a:ln w="12700">
+              <a:solidFill>
+                <a:srgbClr val="BCBCBC">
+                  <a:alpha val="29804"/>
+                </a:srgbClr>
+              </a:solidFill>
+              <a:prstDash val="sysDot"/>
+            </a:ln>
+          </p:spPr>
+          <p:style>
+            <a:lnRef idx="1">
+              <a:schemeClr val="accent1"/>
+            </a:lnRef>
+            <a:fillRef idx="0">
+              <a:schemeClr val="accent1"/>
+            </a:fillRef>
+            <a:effectRef idx="0">
+              <a:schemeClr val="accent1"/>
+            </a:effectRef>
+            <a:fontRef idx="minor">
+              <a:schemeClr val="tx1"/>
+            </a:fontRef>
+          </p:style>
+        </p:cxnSp>
+        <p:cxnSp>
+          <p:nvCxnSpPr>
+            <p:cNvPr id="36" name="Straight Connector 35">
+              <a:extLst>
+                <a:ext uri="{FF2B5EF4-FFF2-40B4-BE49-F238E27FC236}">
+                  <a16:creationId xmlns:a16="http://schemas.microsoft.com/office/drawing/2014/main" id="{91618CA6-513B-458C-89C1-1FE15F1F431E}"/>
+                </a:ext>
+                <a:ext uri="{C183D7F6-B498-43B3-948B-1728B52AA6E4}">
+                  <adec:decorative xmlns:adec="http://schemas.microsoft.com/office/drawing/2017/decorative" val="1"/>
+                </a:ext>
+              </a:extLst>
+            </p:cNvPr>
+            <p:cNvCxnSpPr>
+              <a:cxnSpLocks/>
+            </p:cNvCxnSpPr>
+            <p:nvPr>
+              <p:extLst>
+                <p:ext uri="{386F3935-93C4-4BCD-93E2-E3B085C9AB24}">
+                  <p16:designElem xmlns:p16="http://schemas.microsoft.com/office/powerpoint/2015/main" val="1"/>
+                </p:ext>
+              </p:extLst>
+            </p:nvPr>
+          </p:nvCxnSpPr>
+          <p:spPr>
+            <a:xfrm>
+              <a:off x="0" y="4514764"/>
+              <a:ext cx="12192000" cy="0"/>
+            </a:xfrm>
+            <a:prstGeom prst="line">
+              <a:avLst/>
+            </a:prstGeom>
+            <a:ln w="12700">
+              <a:solidFill>
+                <a:srgbClr val="BCBCBC">
+                  <a:alpha val="29804"/>
+                </a:srgbClr>
+              </a:solidFill>
+              <a:prstDash val="sysDot"/>
+            </a:ln>
+          </p:spPr>
+          <p:style>
+            <a:lnRef idx="1">
+              <a:schemeClr val="accent1"/>
+            </a:lnRef>
+            <a:fillRef idx="0">
+              <a:schemeClr val="accent1"/>
+            </a:fillRef>
+            <a:effectRef idx="0">
+              <a:schemeClr val="accent1"/>
+            </a:effectRef>
+            <a:fontRef idx="minor">
+              <a:schemeClr val="tx1"/>
+            </a:fontRef>
+          </p:style>
+        </p:cxnSp>
+        <p:cxnSp>
+          <p:nvCxnSpPr>
+            <p:cNvPr id="37" name="Straight Connector 36">
+              <a:extLst>
+                <a:ext uri="{FF2B5EF4-FFF2-40B4-BE49-F238E27FC236}">
+                  <a16:creationId xmlns:a16="http://schemas.microsoft.com/office/drawing/2014/main" id="{C5BACA43-902B-4444-95CB-5165D5483F60}"/>
+                </a:ext>
+                <a:ext uri="{C183D7F6-B498-43B3-948B-1728B52AA6E4}">
+                  <adec:decorative xmlns:adec="http://schemas.microsoft.com/office/drawing/2017/decorative" val="1"/>
+                </a:ext>
+              </a:extLst>
+            </p:cNvPr>
+            <p:cNvCxnSpPr>
+              <a:cxnSpLocks/>
+            </p:cNvCxnSpPr>
+            <p:nvPr>
+              <p:extLst>
+                <p:ext uri="{386F3935-93C4-4BCD-93E2-E3B085C9AB24}">
+                  <p16:designElem xmlns:p16="http://schemas.microsoft.com/office/powerpoint/2015/main" val="1"/>
+                </p:ext>
+              </p:extLst>
+            </p:nvPr>
+          </p:nvCxnSpPr>
+          <p:spPr>
+            <a:xfrm>
+              <a:off x="0" y="5057645"/>
+              <a:ext cx="12192000" cy="0"/>
+            </a:xfrm>
+            <a:prstGeom prst="line">
+              <a:avLst/>
+            </a:prstGeom>
+            <a:ln w="12700">
+              <a:solidFill>
+                <a:srgbClr val="BCBCBC">
+                  <a:alpha val="29804"/>
+                </a:srgbClr>
+              </a:solidFill>
+              <a:prstDash val="sysDot"/>
+            </a:ln>
+          </p:spPr>
+          <p:style>
+            <a:lnRef idx="1">
+              <a:schemeClr val="accent1"/>
+            </a:lnRef>
+            <a:fillRef idx="0">
+              <a:schemeClr val="accent1"/>
+            </a:fillRef>
+            <a:effectRef idx="0">
+              <a:schemeClr val="accent1"/>
+            </a:effectRef>
+            <a:fontRef idx="minor">
+              <a:schemeClr val="tx1"/>
+            </a:fontRef>
+          </p:style>
+        </p:cxnSp>
+        <p:cxnSp>
+          <p:nvCxnSpPr>
+            <p:cNvPr id="38" name="Straight Connector 37">
+              <a:extLst>
+                <a:ext uri="{FF2B5EF4-FFF2-40B4-BE49-F238E27FC236}">
+                  <a16:creationId xmlns:a16="http://schemas.microsoft.com/office/drawing/2014/main" id="{78A07376-1103-43DD-A6D6-D7BAF6F00525}"/>
+                </a:ext>
+                <a:ext uri="{C183D7F6-B498-43B3-948B-1728B52AA6E4}">
+                  <adec:decorative xmlns:adec="http://schemas.microsoft.com/office/drawing/2017/decorative" val="1"/>
+                </a:ext>
+              </a:extLst>
+            </p:cNvPr>
+            <p:cNvCxnSpPr>
+              <a:cxnSpLocks/>
+            </p:cNvCxnSpPr>
+            <p:nvPr>
+              <p:extLst>
+                <p:ext uri="{386F3935-93C4-4BCD-93E2-E3B085C9AB24}">
+                  <p16:designElem xmlns:p16="http://schemas.microsoft.com/office/powerpoint/2015/main" val="1"/>
+                </p:ext>
+              </p:extLst>
+            </p:nvPr>
+          </p:nvCxnSpPr>
+          <p:spPr>
+            <a:xfrm>
+              <a:off x="0" y="5600526"/>
+              <a:ext cx="12192000" cy="0"/>
+            </a:xfrm>
+            <a:prstGeom prst="line">
+              <a:avLst/>
+            </a:prstGeom>
+            <a:ln w="12700">
+              <a:solidFill>
+                <a:srgbClr val="BCBCBC">
+                  <a:alpha val="29804"/>
+                </a:srgbClr>
+              </a:solidFill>
+              <a:prstDash val="sysDot"/>
+            </a:ln>
+          </p:spPr>
+          <p:style>
+            <a:lnRef idx="1">
+              <a:schemeClr val="accent1"/>
+            </a:lnRef>
+            <a:fillRef idx="0">
+              <a:schemeClr val="accent1"/>
+            </a:fillRef>
+            <a:effectRef idx="0">
+              <a:schemeClr val="accent1"/>
+            </a:effectRef>
+            <a:fontRef idx="minor">
+              <a:schemeClr val="tx1"/>
+            </a:fontRef>
+          </p:style>
+        </p:cxnSp>
+        <p:cxnSp>
+          <p:nvCxnSpPr>
+            <p:cNvPr id="39" name="Straight Connector 38">
+              <a:extLst>
+                <a:ext uri="{FF2B5EF4-FFF2-40B4-BE49-F238E27FC236}">
+                  <a16:creationId xmlns:a16="http://schemas.microsoft.com/office/drawing/2014/main" id="{8FCEA8A1-BC0E-4221-B9E5-3D3C7BA26149}"/>
+                </a:ext>
+                <a:ext uri="{C183D7F6-B498-43B3-948B-1728B52AA6E4}">
+                  <adec:decorative xmlns:adec="http://schemas.microsoft.com/office/drawing/2017/decorative" val="1"/>
+                </a:ext>
+              </a:extLst>
+            </p:cNvPr>
+            <p:cNvCxnSpPr>
+              <a:cxnSpLocks/>
+            </p:cNvCxnSpPr>
+            <p:nvPr>
+              <p:extLst>
+                <p:ext uri="{386F3935-93C4-4BCD-93E2-E3B085C9AB24}">
+                  <p16:designElem xmlns:p16="http://schemas.microsoft.com/office/powerpoint/2015/main" val="1"/>
+                </p:ext>
+              </p:extLst>
+            </p:nvPr>
+          </p:nvCxnSpPr>
+          <p:spPr>
+            <a:xfrm>
+              <a:off x="0" y="6857999"/>
+              <a:ext cx="12192000" cy="0"/>
+            </a:xfrm>
+            <a:prstGeom prst="line">
+              <a:avLst/>
+            </a:prstGeom>
+            <a:ln w="12700">
+              <a:solidFill>
+                <a:srgbClr val="BCBCBC">
+                  <a:alpha val="29804"/>
+                </a:srgbClr>
+              </a:solidFill>
+              <a:prstDash val="sysDot"/>
+            </a:ln>
+          </p:spPr>
+          <p:style>
+            <a:lnRef idx="1">
+              <a:schemeClr val="accent1"/>
+            </a:lnRef>
+            <a:fillRef idx="0">
+              <a:schemeClr val="accent1"/>
+            </a:fillRef>
+            <a:effectRef idx="0">
+              <a:schemeClr val="accent1"/>
+            </a:effectRef>
+            <a:fontRef idx="minor">
+              <a:schemeClr val="tx1"/>
+            </a:fontRef>
+          </p:style>
+        </p:cxnSp>
+        <p:cxnSp>
+          <p:nvCxnSpPr>
+            <p:cNvPr id="40" name="Straight Connector 39">
+              <a:extLst>
+                <a:ext uri="{FF2B5EF4-FFF2-40B4-BE49-F238E27FC236}">
+                  <a16:creationId xmlns:a16="http://schemas.microsoft.com/office/drawing/2014/main" id="{955D27E5-DFE1-4EE8-B982-0A392235981F}"/>
+                </a:ext>
+                <a:ext uri="{C183D7F6-B498-43B3-948B-1728B52AA6E4}">
+                  <adec:decorative xmlns:adec="http://schemas.microsoft.com/office/drawing/2017/decorative" val="1"/>
+                </a:ext>
+              </a:extLst>
+            </p:cNvPr>
+            <p:cNvCxnSpPr>
+              <a:cxnSpLocks/>
+            </p:cNvCxnSpPr>
+            <p:nvPr>
+              <p:extLst>
+                <p:ext uri="{386F3935-93C4-4BCD-93E2-E3B085C9AB24}">
+                  <p16:designElem xmlns:p16="http://schemas.microsoft.com/office/powerpoint/2015/main" val="1"/>
+                </p:ext>
+              </p:extLst>
+            </p:nvPr>
+          </p:nvCxnSpPr>
+          <p:spPr>
+            <a:xfrm>
+              <a:off x="16613" y="6143407"/>
+              <a:ext cx="12192000" cy="0"/>
+            </a:xfrm>
+            <a:prstGeom prst="line">
+              <a:avLst/>
+            </a:prstGeom>
+            <a:ln w="12700">
+              <a:solidFill>
+                <a:srgbClr val="BCBCBC">
+                  <a:alpha val="29804"/>
+                </a:srgbClr>
+              </a:solidFill>
+              <a:prstDash val="sysDot"/>
+            </a:ln>
+          </p:spPr>
+          <p:style>
+            <a:lnRef idx="1">
+              <a:schemeClr val="accent1"/>
+            </a:lnRef>
+            <a:fillRef idx="0">
+              <a:schemeClr val="accent1"/>
+            </a:fillRef>
+            <a:effectRef idx="0">
+              <a:schemeClr val="accent1"/>
+            </a:effectRef>
+            <a:fontRef idx="minor">
+              <a:schemeClr val="tx1"/>
+            </a:fontRef>
+          </p:style>
+        </p:cxnSp>
+        <p:cxnSp>
+          <p:nvCxnSpPr>
+            <p:cNvPr id="41" name="Straight Connector 40">
+              <a:extLst>
+                <a:ext uri="{FF2B5EF4-FFF2-40B4-BE49-F238E27FC236}">
+                  <a16:creationId xmlns:a16="http://schemas.microsoft.com/office/drawing/2014/main" id="{7FD07B27-85E5-4F3B-B432-CDBDC0F6E632}"/>
+                </a:ext>
+                <a:ext uri="{C183D7F6-B498-43B3-948B-1728B52AA6E4}">
+                  <adec:decorative xmlns:adec="http://schemas.microsoft.com/office/drawing/2017/decorative" val="1"/>
+                </a:ext>
+              </a:extLst>
+            </p:cNvPr>
+            <p:cNvCxnSpPr>
+              <a:cxnSpLocks/>
+            </p:cNvCxnSpPr>
+            <p:nvPr>
+              <p:extLst>
+                <p:ext uri="{386F3935-93C4-4BCD-93E2-E3B085C9AB24}">
+                  <p16:designElem xmlns:p16="http://schemas.microsoft.com/office/powerpoint/2015/main" val="1"/>
+                </p:ext>
+              </p:extLst>
+            </p:nvPr>
+          </p:nvCxnSpPr>
+          <p:spPr>
+            <a:xfrm>
+              <a:off x="684225" y="171716"/>
+              <a:ext cx="0" cy="6511464"/>
+            </a:xfrm>
+            <a:prstGeom prst="line">
+              <a:avLst/>
+            </a:prstGeom>
+            <a:ln w="12700">
+              <a:solidFill>
+                <a:srgbClr val="BCBCBC">
+                  <a:alpha val="29804"/>
+                </a:srgbClr>
+              </a:solidFill>
+              <a:prstDash val="sysDot"/>
+            </a:ln>
+          </p:spPr>
+          <p:style>
+            <a:lnRef idx="1">
+              <a:schemeClr val="accent1"/>
+            </a:lnRef>
+            <a:fillRef idx="0">
+              <a:schemeClr val="accent1"/>
+            </a:fillRef>
+            <a:effectRef idx="0">
+              <a:schemeClr val="accent1"/>
+            </a:effectRef>
+            <a:fontRef idx="minor">
+              <a:schemeClr val="tx1"/>
+            </a:fontRef>
+          </p:style>
+        </p:cxnSp>
+        <p:cxnSp>
+          <p:nvCxnSpPr>
+            <p:cNvPr id="42" name="Straight Connector 41">
+              <a:extLst>
+                <a:ext uri="{FF2B5EF4-FFF2-40B4-BE49-F238E27FC236}">
+                  <a16:creationId xmlns:a16="http://schemas.microsoft.com/office/drawing/2014/main" id="{4B78179E-DE7D-4A30-9BDC-05D7AE217620}"/>
+                </a:ext>
+                <a:ext uri="{C183D7F6-B498-43B3-948B-1728B52AA6E4}">
+                  <adec:decorative xmlns:adec="http://schemas.microsoft.com/office/drawing/2017/decorative" val="1"/>
+                </a:ext>
+              </a:extLst>
+            </p:cNvPr>
+            <p:cNvCxnSpPr>
+              <a:cxnSpLocks/>
+            </p:cNvCxnSpPr>
+            <p:nvPr>
+              <p:extLst>
+                <p:ext uri="{386F3935-93C4-4BCD-93E2-E3B085C9AB24}">
+                  <p16:designElem xmlns:p16="http://schemas.microsoft.com/office/powerpoint/2015/main" val="1"/>
+                </p:ext>
+              </p:extLst>
+            </p:nvPr>
+          </p:nvCxnSpPr>
+          <p:spPr>
+            <a:xfrm>
+              <a:off x="11508412" y="173267"/>
+              <a:ext cx="0" cy="6511464"/>
+            </a:xfrm>
+            <a:prstGeom prst="line">
+              <a:avLst/>
+            </a:prstGeom>
+            <a:ln w="12700">
+              <a:solidFill>
+                <a:srgbClr val="BCBCBC">
+                  <a:alpha val="29804"/>
+                </a:srgbClr>
+              </a:solidFill>
+              <a:prstDash val="sysDot"/>
+            </a:ln>
+          </p:spPr>
+          <p:style>
+            <a:lnRef idx="1">
+              <a:schemeClr val="accent1"/>
+            </a:lnRef>
+            <a:fillRef idx="0">
+              <a:schemeClr val="accent1"/>
+            </a:fillRef>
+            <a:effectRef idx="0">
+              <a:schemeClr val="accent1"/>
+            </a:effectRef>
+            <a:fontRef idx="minor">
+              <a:schemeClr val="tx1"/>
+            </a:fontRef>
+          </p:style>
+        </p:cxnSp>
+      </p:grpSp>
+      <p:sp>
+        <p:nvSpPr>
+          <p:cNvPr id="44" name="Right Triangle 43">
+            <a:extLst>
+              <a:ext uri="{FF2B5EF4-FFF2-40B4-BE49-F238E27FC236}">
+                <a16:creationId xmlns:a16="http://schemas.microsoft.com/office/drawing/2014/main" id="{07E3C0EF-2D2A-42BA-B4E2-76E2B1FC52FE}"/>
+              </a:ext>
+              <a:ext uri="{C183D7F6-B498-43B3-948B-1728B52AA6E4}">
+                <adec:decorative xmlns:adec="http://schemas.microsoft.com/office/drawing/2017/decorative" val="1"/>
+              </a:ext>
+            </a:extLst>
+          </p:cNvPr>
+          <p:cNvSpPr>
+            <a:spLocks noGrp="1" noRot="1" noChangeAspect="1" noMove="1" noResize="1" noEditPoints="1" noAdjustHandles="1" noChangeArrowheads="1" noChangeShapeType="1" noTextEdit="1"/>
+          </p:cNvSpPr>
+          <p:nvPr>
+            <p:extLst>
+              <p:ext uri="{386F3935-93C4-4BCD-93E2-E3B085C9AB24}">
+                <p16:designElem xmlns:p16="http://schemas.microsoft.com/office/powerpoint/2015/main" val="1"/>
+              </p:ext>
+            </p:extLst>
+          </p:nvPr>
+        </p:nvSpPr>
+        <p:spPr>
+          <a:xfrm rot="13500000">
+            <a:off x="-284143" y="3153945"/>
+            <a:ext cx="568289" cy="568289"/>
+          </a:xfrm>
+          <a:prstGeom prst="rtTriangle">
+            <a:avLst/>
+          </a:prstGeom>
+          <a:solidFill>
+            <a:schemeClr val="accent1">
+              <a:alpha val="50000"/>
+            </a:schemeClr>
+          </a:solidFill>
+          <a:ln>
+            <a:noFill/>
+          </a:ln>
+        </p:spPr>
+        <p:style>
+          <a:lnRef idx="2">
+            <a:schemeClr val="accent1">
+              <a:shade val="50000"/>
+            </a:schemeClr>
+          </a:lnRef>
+          <a:fillRef idx="1">
+            <a:schemeClr val="accent1"/>
+          </a:fillRef>
+          <a:effectRef idx="0">
+            <a:schemeClr val="accent1"/>
+          </a:effectRef>
+          <a:fontRef idx="minor">
+            <a:schemeClr val="lt1"/>
+          </a:fontRef>
+        </p:style>
+        <p:txBody>
+          <a:bodyPr rtlCol="0" anchor="ctr"/>
+          <a:lstStyle/>
+          <a:p>
+            <a:pPr algn="ctr"/>
+            <a:endParaRPr lang="en-US">
+              <a:solidFill>
+                <a:schemeClr val="tx1"/>
+              </a:solidFill>
+            </a:endParaRPr>
+          </a:p>
+        </p:txBody>
+      </p:sp>
       <p:sp>
         <p:nvSpPr>
           <p:cNvPr id="2" name="标题 1">
@@ -19795,9 +26465,16 @@
             <p:ph type="title"/>
           </p:nvPr>
         </p:nvSpPr>
-        <p:spPr/>
+        <p:spPr>
+          <a:xfrm>
+            <a:off x="691079" y="725950"/>
+            <a:ext cx="3428812" cy="5436630"/>
+          </a:xfrm>
+        </p:spPr>
         <p:txBody>
-          <a:bodyPr/>
+          <a:bodyPr anchor="ctr">
+            <a:normAutofit/>
+          </a:bodyPr>
           <a:lstStyle/>
           <a:p>
             <a:r>
@@ -19807,34 +26484,37 @@
           </a:p>
         </p:txBody>
       </p:sp>
-      <p:sp>
-        <p:nvSpPr>
-          <p:cNvPr id="3" name="内容占位符 2">
+      <p:graphicFrame>
+        <p:nvGraphicFramePr>
+          <p:cNvPr id="5" name="内容占位符 2">
             <a:extLst>
               <a:ext uri="{FF2B5EF4-FFF2-40B4-BE49-F238E27FC236}">
-                <a16:creationId xmlns:a16="http://schemas.microsoft.com/office/drawing/2014/main" id="{28882EF1-CF91-C1AF-D3AC-5B92A6172939}"/>
+                <a16:creationId xmlns:a16="http://schemas.microsoft.com/office/drawing/2014/main" id="{CDA85C0D-9282-171D-68E2-472EF96FB5EB}"/>
               </a:ext>
             </a:extLst>
           </p:cNvPr>
-          <p:cNvSpPr>
-            <a:spLocks noGrp="1"/>
-          </p:cNvSpPr>
+          <p:cNvGraphicFramePr>
+            <a:graphicFrameLocks noGrp="1"/>
+          </p:cNvGraphicFramePr>
           <p:nvPr>
             <p:ph idx="1"/>
+            <p:extLst>
+              <p:ext uri="{D42A27DB-BD31-4B8C-83A1-F6EECF244321}">
+                <p14:modId xmlns:p14="http://schemas.microsoft.com/office/powerpoint/2010/main" val="283747811"/>
+              </p:ext>
+            </p:extLst>
           </p:nvPr>
-        </p:nvSpPr>
-        <p:spPr/>
-        <p:txBody>
-          <a:bodyPr/>
-          <a:lstStyle/>
-          <a:p>
-            <a:r>
-              <a:rPr lang="zh-CN" altLang="en-US" dirty="0"/>
-              <a:t>逐步实现商品的发布、修改、删除、购买等，以及评论、私信、收藏等实用功能。</a:t>
-            </a:r>
-          </a:p>
-        </p:txBody>
-      </p:sp>
+        </p:nvGraphicFramePr>
+        <p:xfrm>
+          <a:off x="5103282" y="170170"/>
+          <a:ext cx="6879517" cy="5973230"/>
+        </p:xfrm>
+        <a:graphic>
+          <a:graphicData uri="http://schemas.openxmlformats.org/drawingml/2006/diagram">
+            <dgm:relIds xmlns:dgm="http://schemas.openxmlformats.org/drawingml/2006/diagram" xmlns:r="http://schemas.openxmlformats.org/officeDocument/2006/relationships" r:dm="rId2" r:lo="rId3" r:qs="rId4" r:cs="rId5"/>
+          </a:graphicData>
+        </a:graphic>
+      </p:graphicFrame>
     </p:spTree>
     <p:extLst>
       <p:ext uri="{BB962C8B-B14F-4D97-AF65-F5344CB8AC3E}">
